--- a/PPTs/STT Exceptions.pptx
+++ b/PPTs/STT Exceptions.pptx
@@ -1,31 +1,31 @@
 
 <file path=ppt/presentation.xml><?xml version="1.0" encoding="utf-8"?>
-<p:presentation xmlns:a="http://schemas.openxmlformats.org/drawingml/2006/main" xmlns:r="http://schemas.openxmlformats.org/officeDocument/2006/relationships" xmlns:p="http://schemas.openxmlformats.org/presentationml/2006/main" saveSubsetFonts="1">
+<p:presentation xmlns:a="http://schemas.openxmlformats.org/drawingml/2006/main" xmlns:r="http://schemas.openxmlformats.org/officeDocument/2006/relationships" xmlns:p="http://schemas.openxmlformats.org/presentationml/2006/main">
   <p:sldMasterIdLst>
-    <p:sldMasterId id="2147483660" r:id="rId1"/>
+    <p:sldMasterId id="2147483648" r:id="rId1"/>
   </p:sldMasterIdLst>
   <p:notesMasterIdLst>
-    <p:notesMasterId r:id="rId20"/>
+    <p:notesMasterId r:id="rId6"/>
   </p:notesMasterIdLst>
   <p:sldIdLst>
-    <p:sldId id="256" r:id="rId2"/>
-    <p:sldId id="379" r:id="rId3"/>
+    <p:sldId id="256" r:id="rId3"/>
     <p:sldId id="380" r:id="rId4"/>
     <p:sldId id="349" r:id="rId5"/>
-    <p:sldId id="364" r:id="rId6"/>
-    <p:sldId id="366" r:id="rId7"/>
-    <p:sldId id="350" r:id="rId8"/>
-    <p:sldId id="352" r:id="rId9"/>
-    <p:sldId id="381" r:id="rId10"/>
-    <p:sldId id="382" r:id="rId11"/>
-    <p:sldId id="354" r:id="rId12"/>
-    <p:sldId id="368" r:id="rId13"/>
-    <p:sldId id="355" r:id="rId14"/>
-    <p:sldId id="383" r:id="rId15"/>
-    <p:sldId id="384" r:id="rId16"/>
-    <p:sldId id="385" r:id="rId17"/>
-    <p:sldId id="386" r:id="rId18"/>
-    <p:sldId id="348" r:id="rId19"/>
+    <p:sldId id="364" r:id="rId7"/>
+    <p:sldId id="366" r:id="rId8"/>
+    <p:sldId id="350" r:id="rId9"/>
+    <p:sldId id="352" r:id="rId10"/>
+    <p:sldId id="381" r:id="rId11"/>
+    <p:sldId id="382" r:id="rId12"/>
+    <p:sldId id="354" r:id="rId13"/>
+    <p:sldId id="387" r:id="rId14"/>
+    <p:sldId id="368" r:id="rId15"/>
+    <p:sldId id="355" r:id="rId16"/>
+    <p:sldId id="383" r:id="rId17"/>
+    <p:sldId id="384" r:id="rId18"/>
+    <p:sldId id="385" r:id="rId19"/>
+    <p:sldId id="386" r:id="rId20"/>
+    <p:sldId id="348" r:id="rId21"/>
   </p:sldIdLst>
   <p:sldSz cx="9144000" cy="6858000" type="screen4x3"/>
   <p:notesSz cx="6858000" cy="9144000"/>
@@ -127,12 +127,12 @@
   <p:extLst>
     <p:ext uri="{EFAFB233-063F-42B5-8137-9DF3F51BA10A}">
       <p15:sldGuideLst xmlns:p15="http://schemas.microsoft.com/office/powerpoint/2012/main">
-        <p15:guide id="1" orient="horz" pos="2160">
+        <p15:guide id="1" orient="horz" pos="2160" userDrawn="1">
           <p15:clr>
             <a:srgbClr val="A4A3A4"/>
           </p15:clr>
         </p15:guide>
-        <p15:guide id="2" pos="2880">
+        <p15:guide id="2" pos="2880" userDrawn="1">
           <p15:clr>
             <a:srgbClr val="A4A3A4"/>
           </p15:clr>
@@ -225,7 +225,6 @@
           <a:p>
             <a:fld id="{37710931-5F8B-436A-852B-BCD9A04763B6}" type="datetimeFigureOut">
               <a:rPr lang="en-US" smtClean="0"/>
-              <a:t>6/17/2025</a:t>
             </a:fld>
             <a:endParaRPr lang="en-US"/>
           </a:p>
@@ -292,6 +291,7 @@
               <a:rPr lang="en-US"/>
               <a:t>Click to edit Master text styles</a:t>
             </a:r>
+            <a:endParaRPr lang="en-US"/>
           </a:p>
           <a:p>
             <a:pPr lvl="1"/>
@@ -299,6 +299,7 @@
               <a:rPr lang="en-US"/>
               <a:t>Second level</a:t>
             </a:r>
+            <a:endParaRPr lang="en-US"/>
           </a:p>
           <a:p>
             <a:pPr lvl="2"/>
@@ -306,6 +307,7 @@
               <a:rPr lang="en-US"/>
               <a:t>Third level</a:t>
             </a:r>
+            <a:endParaRPr lang="en-US"/>
           </a:p>
           <a:p>
             <a:pPr lvl="3"/>
@@ -313,6 +315,7 @@
               <a:rPr lang="en-US"/>
               <a:t>Fourth level</a:t>
             </a:r>
+            <a:endParaRPr lang="en-US"/>
           </a:p>
           <a:p>
             <a:pPr lvl="4"/>
@@ -320,6 +323,7 @@
               <a:rPr lang="en-US"/>
               <a:t>Fifth level</a:t>
             </a:r>
+            <a:endParaRPr lang="en-US"/>
           </a:p>
         </p:txBody>
       </p:sp>
@@ -383,18 +387,12 @@
           <a:p>
             <a:fld id="{E8CBD591-E382-424C-9FCB-BD134BDB581A}" type="slidenum">
               <a:rPr lang="en-US" smtClean="0"/>
-              <a:t>‹#›</a:t>
             </a:fld>
             <a:endParaRPr lang="en-US"/>
           </a:p>
         </p:txBody>
       </p:sp>
     </p:spTree>
-    <p:extLst>
-      <p:ext uri="{BB962C8B-B14F-4D97-AF65-F5344CB8AC3E}">
-        <p14:creationId xmlns:p14="http://schemas.microsoft.com/office/powerpoint/2010/main" val="2821719537"/>
-      </p:ext>
-    </p:extLst>
   </p:cSld>
   <p:clrMap bg1="lt1" tx1="dk1" bg2="lt2" tx2="dk2" accent1="accent1" accent2="accent2" accent3="accent3" accent4="accent4" accent5="accent5" accent6="accent6" hlink="hlink" folHlink="folHlink"/>
   <p:notesStyle>
@@ -562,18 +560,12 @@
           <a:p>
             <a:fld id="{E8CBD591-E382-424C-9FCB-BD134BDB581A}" type="slidenum">
               <a:rPr lang="en-US" smtClean="0"/>
-              <a:t>4</a:t>
             </a:fld>
             <a:endParaRPr lang="en-US"/>
           </a:p>
         </p:txBody>
       </p:sp>
     </p:spTree>
-    <p:extLst>
-      <p:ext uri="{BB962C8B-B14F-4D97-AF65-F5344CB8AC3E}">
-        <p14:creationId xmlns:p14="http://schemas.microsoft.com/office/powerpoint/2010/main" val="3972267995"/>
-      </p:ext>
-    </p:extLst>
   </p:cSld>
   <p:clrMapOvr>
     <a:masterClrMapping/>
@@ -651,18 +643,12 @@
           <a:p>
             <a:fld id="{E8CBD591-E382-424C-9FCB-BD134BDB581A}" type="slidenum">
               <a:rPr lang="en-US" smtClean="0"/>
-              <a:t>5</a:t>
             </a:fld>
             <a:endParaRPr lang="en-US"/>
           </a:p>
         </p:txBody>
       </p:sp>
     </p:spTree>
-    <p:extLst>
-      <p:ext uri="{BB962C8B-B14F-4D97-AF65-F5344CB8AC3E}">
-        <p14:creationId xmlns:p14="http://schemas.microsoft.com/office/powerpoint/2010/main" val="3972267995"/>
-      </p:ext>
-    </p:extLst>
   </p:cSld>
   <p:clrMapOvr>
     <a:masterClrMapping/>
@@ -740,18 +726,12 @@
           <a:p>
             <a:fld id="{E8CBD591-E382-424C-9FCB-BD134BDB581A}" type="slidenum">
               <a:rPr lang="en-US" smtClean="0"/>
-              <a:t>6</a:t>
             </a:fld>
             <a:endParaRPr lang="en-US"/>
           </a:p>
         </p:txBody>
       </p:sp>
     </p:spTree>
-    <p:extLst>
-      <p:ext uri="{BB962C8B-B14F-4D97-AF65-F5344CB8AC3E}">
-        <p14:creationId xmlns:p14="http://schemas.microsoft.com/office/powerpoint/2010/main" val="3972267995"/>
-      </p:ext>
-    </p:extLst>
   </p:cSld>
   <p:clrMapOvr>
     <a:masterClrMapping/>
@@ -829,18 +809,12 @@
           <a:p>
             <a:fld id="{E8CBD591-E382-424C-9FCB-BD134BDB581A}" type="slidenum">
               <a:rPr lang="en-US" smtClean="0"/>
-              <a:t>7</a:t>
             </a:fld>
             <a:endParaRPr lang="en-US"/>
           </a:p>
         </p:txBody>
       </p:sp>
     </p:spTree>
-    <p:extLst>
-      <p:ext uri="{BB962C8B-B14F-4D97-AF65-F5344CB8AC3E}">
-        <p14:creationId xmlns:p14="http://schemas.microsoft.com/office/powerpoint/2010/main" val="2363333292"/>
-      </p:ext>
-    </p:extLst>
   </p:cSld>
   <p:clrMapOvr>
     <a:masterClrMapping/>
@@ -918,18 +892,12 @@
           <a:p>
             <a:fld id="{E8CBD591-E382-424C-9FCB-BD134BDB581A}" type="slidenum">
               <a:rPr lang="en-US" smtClean="0"/>
-              <a:t>8</a:t>
             </a:fld>
             <a:endParaRPr lang="en-US"/>
           </a:p>
         </p:txBody>
       </p:sp>
     </p:spTree>
-    <p:extLst>
-      <p:ext uri="{BB962C8B-B14F-4D97-AF65-F5344CB8AC3E}">
-        <p14:creationId xmlns:p14="http://schemas.microsoft.com/office/powerpoint/2010/main" val="1113107659"/>
-      </p:ext>
-    </p:extLst>
   </p:cSld>
   <p:clrMapOvr>
     <a:masterClrMapping/>
@@ -1007,18 +975,12 @@
           <a:p>
             <a:fld id="{E8CBD591-E382-424C-9FCB-BD134BDB581A}" type="slidenum">
               <a:rPr lang="en-US" smtClean="0"/>
-              <a:t>11</a:t>
             </a:fld>
             <a:endParaRPr lang="en-US"/>
           </a:p>
         </p:txBody>
       </p:sp>
     </p:spTree>
-    <p:extLst>
-      <p:ext uri="{BB962C8B-B14F-4D97-AF65-F5344CB8AC3E}">
-        <p14:creationId xmlns:p14="http://schemas.microsoft.com/office/powerpoint/2010/main" val="3734041560"/>
-      </p:ext>
-    </p:extLst>
   </p:cSld>
   <p:clrMapOvr>
     <a:masterClrMapping/>
@@ -1096,18 +1058,12 @@
           <a:p>
             <a:fld id="{E8CBD591-E382-424C-9FCB-BD134BDB581A}" type="slidenum">
               <a:rPr lang="en-US" smtClean="0"/>
-              <a:t>12</a:t>
             </a:fld>
             <a:endParaRPr lang="en-US"/>
           </a:p>
         </p:txBody>
       </p:sp>
     </p:spTree>
-    <p:extLst>
-      <p:ext uri="{BB962C8B-B14F-4D97-AF65-F5344CB8AC3E}">
-        <p14:creationId xmlns:p14="http://schemas.microsoft.com/office/powerpoint/2010/main" val="3734041560"/>
-      </p:ext>
-    </p:extLst>
   </p:cSld>
   <p:clrMapOvr>
     <a:masterClrMapping/>
@@ -1185,18 +1141,95 @@
           <a:p>
             <a:fld id="{E8CBD591-E382-424C-9FCB-BD134BDB581A}" type="slidenum">
               <a:rPr lang="en-US" smtClean="0"/>
-              <a:t>13</a:t>
             </a:fld>
             <a:endParaRPr lang="en-US"/>
           </a:p>
         </p:txBody>
       </p:sp>
     </p:spTree>
-    <p:extLst>
-      <p:ext uri="{BB962C8B-B14F-4D97-AF65-F5344CB8AC3E}">
-        <p14:creationId xmlns:p14="http://schemas.microsoft.com/office/powerpoint/2010/main" val="2530605611"/>
-      </p:ext>
-    </p:extLst>
+  </p:cSld>
+  <p:clrMapOvr>
+    <a:masterClrMapping/>
+  </p:clrMapOvr>
+</p:notes>
+</file>
+
+<file path=ppt/notesSlides/notesSlide9.xml><?xml version="1.0" encoding="utf-8"?>
+<p:notes xmlns:a="http://schemas.openxmlformats.org/drawingml/2006/main" xmlns:r="http://schemas.openxmlformats.org/officeDocument/2006/relationships" xmlns:p="http://schemas.openxmlformats.org/presentationml/2006/main">
+  <p:cSld>
+    <p:spTree>
+      <p:nvGrpSpPr>
+        <p:cNvPr id="1" name=""/>
+        <p:cNvGrpSpPr/>
+        <p:nvPr/>
+      </p:nvGrpSpPr>
+      <p:grpSpPr>
+        <a:xfrm>
+          <a:off x="0" y="0"/>
+          <a:ext cx="0" cy="0"/>
+          <a:chOff x="0" y="0"/>
+          <a:chExt cx="0" cy="0"/>
+        </a:xfrm>
+      </p:grpSpPr>
+      <p:sp>
+        <p:nvSpPr>
+          <p:cNvPr id="2" name="Slide Image Placeholder 1"/>
+          <p:cNvSpPr>
+            <a:spLocks noGrp="1" noRot="1" noChangeAspect="1"/>
+          </p:cNvSpPr>
+          <p:nvPr>
+            <p:ph type="sldImg"/>
+          </p:nvPr>
+        </p:nvSpPr>
+        <p:spPr>
+          <a:xfrm>
+            <a:off x="1371600" y="1143000"/>
+            <a:ext cx="4114800" cy="3086100"/>
+          </a:xfrm>
+        </p:spPr>
+      </p:sp>
+      <p:sp>
+        <p:nvSpPr>
+          <p:cNvPr id="3" name="Notes Placeholder 2"/>
+          <p:cNvSpPr>
+            <a:spLocks noGrp="1"/>
+          </p:cNvSpPr>
+          <p:nvPr>
+            <p:ph type="body" idx="1"/>
+          </p:nvPr>
+        </p:nvSpPr>
+        <p:spPr/>
+        <p:txBody>
+          <a:bodyPr/>
+          <a:lstStyle/>
+          <a:p>
+            <a:endParaRPr lang="en-US" dirty="0"/>
+          </a:p>
+        </p:txBody>
+      </p:sp>
+      <p:sp>
+        <p:nvSpPr>
+          <p:cNvPr id="4" name="Slide Number Placeholder 3"/>
+          <p:cNvSpPr>
+            <a:spLocks noGrp="1"/>
+          </p:cNvSpPr>
+          <p:nvPr>
+            <p:ph type="sldNum" sz="quarter" idx="10"/>
+          </p:nvPr>
+        </p:nvSpPr>
+        <p:spPr/>
+        <p:txBody>
+          <a:bodyPr/>
+          <a:lstStyle/>
+          <a:p>
+            <a:fld id="{E8CBD591-E382-424C-9FCB-BD134BDB581A}" type="slidenum">
+              <a:rPr lang="en-US" smtClean="0"/>
+            </a:fld>
+            <a:endParaRPr lang="en-US"/>
+          </a:p>
+        </p:txBody>
+      </p:sp>
+    </p:spTree>
   </p:cSld>
   <p:clrMapOvr>
     <a:masterClrMapping/>
@@ -1335,7 +1368,6 @@
           <a:p>
             <a:fld id="{543EB65D-0392-4F35-9D9B-0FDD8550FF40}" type="datetimeFigureOut">
               <a:rPr lang="en-IN" smtClean="0"/>
-              <a:t>17-6-25</a:t>
             </a:fld>
             <a:endParaRPr lang="en-IN"/>
           </a:p>
@@ -1377,7 +1409,6 @@
           <a:p>
             <a:fld id="{9416594B-F0F6-4308-8ACA-55168D86F493}" type="slidenum">
               <a:rPr lang="en-IN" smtClean="0"/>
-              <a:t>‹#›</a:t>
             </a:fld>
             <a:endParaRPr lang="en-IN"/>
           </a:p>
@@ -1408,15 +1439,22 @@
         </p:spPr>
       </p:pic>
     </p:spTree>
-    <p:extLst>
-      <p:ext uri="{BB962C8B-B14F-4D97-AF65-F5344CB8AC3E}">
-        <p14:creationId xmlns:p14="http://schemas.microsoft.com/office/powerpoint/2010/main" val="3557777302"/>
-      </p:ext>
-    </p:extLst>
   </p:cSld>
   <p:clrMapOvr>
     <a:masterClrMapping/>
   </p:clrMapOvr>
+  <mc:AlternateContent xmlns:mc="http://schemas.openxmlformats.org/markup-compatibility/2006">
+    <mc:Choice xmlns:p15="http://schemas.microsoft.com/office/powerpoint/2012/main" Requires="p15">
+      <p:transition xmlns:p14="http://schemas.microsoft.com/office/powerpoint/2010/main" spd="slow" Requires="p14" p14:dur="1000">
+        <p15:prstTrans prst="peelOff"/>
+      </p:transition>
+    </mc:Choice>
+    <mc:Fallback>
+      <p:transition spd="slow">
+        <p:fade/>
+      </p:transition>
+    </mc:Fallback>
+  </mc:AlternateContent>
 </p:sldLayout>
 </file>
 
@@ -1480,6 +1518,7 @@
               <a:rPr lang="en-US"/>
               <a:t>Click to edit Master text styles</a:t>
             </a:r>
+            <a:endParaRPr lang="en-US"/>
           </a:p>
           <a:p>
             <a:pPr lvl="1"/>
@@ -1487,6 +1526,7 @@
               <a:rPr lang="en-US"/>
               <a:t>Second level</a:t>
             </a:r>
+            <a:endParaRPr lang="en-US"/>
           </a:p>
           <a:p>
             <a:pPr lvl="2"/>
@@ -1494,6 +1534,7 @@
               <a:rPr lang="en-US"/>
               <a:t>Third level</a:t>
             </a:r>
+            <a:endParaRPr lang="en-US"/>
           </a:p>
           <a:p>
             <a:pPr lvl="3"/>
@@ -1501,6 +1542,7 @@
               <a:rPr lang="en-US"/>
               <a:t>Fourth level</a:t>
             </a:r>
+            <a:endParaRPr lang="en-US"/>
           </a:p>
           <a:p>
             <a:pPr lvl="4"/>
@@ -1529,7 +1571,6 @@
           <a:p>
             <a:fld id="{543EB65D-0392-4F35-9D9B-0FDD8550FF40}" type="datetimeFigureOut">
               <a:rPr lang="en-IN" smtClean="0"/>
-              <a:t>17-6-25</a:t>
             </a:fld>
             <a:endParaRPr lang="en-IN"/>
           </a:p>
@@ -1571,22 +1612,28 @@
           <a:p>
             <a:fld id="{9416594B-F0F6-4308-8ACA-55168D86F493}" type="slidenum">
               <a:rPr lang="en-IN" smtClean="0"/>
-              <a:t>‹#›</a:t>
             </a:fld>
             <a:endParaRPr lang="en-IN"/>
           </a:p>
         </p:txBody>
       </p:sp>
     </p:spTree>
-    <p:extLst>
-      <p:ext uri="{BB962C8B-B14F-4D97-AF65-F5344CB8AC3E}">
-        <p14:creationId xmlns:p14="http://schemas.microsoft.com/office/powerpoint/2010/main" val="3134683709"/>
-      </p:ext>
-    </p:extLst>
   </p:cSld>
   <p:clrMapOvr>
     <a:masterClrMapping/>
   </p:clrMapOvr>
+  <mc:AlternateContent xmlns:mc="http://schemas.openxmlformats.org/markup-compatibility/2006">
+    <mc:Choice xmlns:p15="http://schemas.microsoft.com/office/powerpoint/2012/main" Requires="p15">
+      <p:transition xmlns:p14="http://schemas.microsoft.com/office/powerpoint/2010/main" spd="slow" Requires="p14" p14:dur="1000">
+        <p15:prstTrans prst="peelOff"/>
+      </p:transition>
+    </mc:Choice>
+    <mc:Fallback>
+      <p:transition spd="slow">
+        <p:fade/>
+      </p:transition>
+    </mc:Fallback>
+  </mc:AlternateContent>
 </p:sldLayout>
 </file>
 
@@ -1660,6 +1707,7 @@
               <a:rPr lang="en-US"/>
               <a:t>Click to edit Master text styles</a:t>
             </a:r>
+            <a:endParaRPr lang="en-US"/>
           </a:p>
           <a:p>
             <a:pPr lvl="1"/>
@@ -1667,6 +1715,7 @@
               <a:rPr lang="en-US"/>
               <a:t>Second level</a:t>
             </a:r>
+            <a:endParaRPr lang="en-US"/>
           </a:p>
           <a:p>
             <a:pPr lvl="2"/>
@@ -1674,6 +1723,7 @@
               <a:rPr lang="en-US"/>
               <a:t>Third level</a:t>
             </a:r>
+            <a:endParaRPr lang="en-US"/>
           </a:p>
           <a:p>
             <a:pPr lvl="3"/>
@@ -1681,6 +1731,7 @@
               <a:rPr lang="en-US"/>
               <a:t>Fourth level</a:t>
             </a:r>
+            <a:endParaRPr lang="en-US"/>
           </a:p>
           <a:p>
             <a:pPr lvl="4"/>
@@ -1709,7 +1760,6 @@
           <a:p>
             <a:fld id="{543EB65D-0392-4F35-9D9B-0FDD8550FF40}" type="datetimeFigureOut">
               <a:rPr lang="en-IN" smtClean="0"/>
-              <a:t>17-6-25</a:t>
             </a:fld>
             <a:endParaRPr lang="en-IN"/>
           </a:p>
@@ -1751,22 +1801,28 @@
           <a:p>
             <a:fld id="{9416594B-F0F6-4308-8ACA-55168D86F493}" type="slidenum">
               <a:rPr lang="en-IN" smtClean="0"/>
-              <a:t>‹#›</a:t>
             </a:fld>
             <a:endParaRPr lang="en-IN"/>
           </a:p>
         </p:txBody>
       </p:sp>
     </p:spTree>
-    <p:extLst>
-      <p:ext uri="{BB962C8B-B14F-4D97-AF65-F5344CB8AC3E}">
-        <p14:creationId xmlns:p14="http://schemas.microsoft.com/office/powerpoint/2010/main" val="876412633"/>
-      </p:ext>
-    </p:extLst>
   </p:cSld>
   <p:clrMapOvr>
     <a:masterClrMapping/>
   </p:clrMapOvr>
+  <mc:AlternateContent xmlns:mc="http://schemas.openxmlformats.org/markup-compatibility/2006">
+    <mc:Choice xmlns:p15="http://schemas.microsoft.com/office/powerpoint/2012/main" Requires="p15">
+      <p:transition xmlns:p14="http://schemas.microsoft.com/office/powerpoint/2010/main" spd="slow" Requires="p14" p14:dur="1000">
+        <p15:prstTrans prst="peelOff"/>
+      </p:transition>
+    </mc:Choice>
+    <mc:Fallback>
+      <p:transition spd="slow">
+        <p:fade/>
+      </p:transition>
+    </mc:Fallback>
+  </mc:AlternateContent>
 </p:sldLayout>
 </file>
 
@@ -1830,6 +1886,7 @@
               <a:rPr lang="en-US"/>
               <a:t>Click to edit Master text styles</a:t>
             </a:r>
+            <a:endParaRPr lang="en-US"/>
           </a:p>
           <a:p>
             <a:pPr lvl="1"/>
@@ -1837,6 +1894,7 @@
               <a:rPr lang="en-US"/>
               <a:t>Second level</a:t>
             </a:r>
+            <a:endParaRPr lang="en-US"/>
           </a:p>
           <a:p>
             <a:pPr lvl="2"/>
@@ -1844,6 +1902,7 @@
               <a:rPr lang="en-US"/>
               <a:t>Third level</a:t>
             </a:r>
+            <a:endParaRPr lang="en-US"/>
           </a:p>
           <a:p>
             <a:pPr lvl="3"/>
@@ -1851,6 +1910,7 @@
               <a:rPr lang="en-US"/>
               <a:t>Fourth level</a:t>
             </a:r>
+            <a:endParaRPr lang="en-US"/>
           </a:p>
           <a:p>
             <a:pPr lvl="4"/>
@@ -1900,6 +1960,7 @@
               <a:rPr lang="en-IN" dirty="0"/>
               <a:t>Short Term Training – Python Programming</a:t>
             </a:r>
+            <a:endParaRPr lang="en-IN" dirty="0"/>
           </a:p>
         </p:txBody>
       </p:sp>
@@ -1924,8 +1985,6 @@
           <a:p>
             <a:fld id="{563F93BD-3600-4E8D-8D8F-BEB74AA11AA1}" type="slidenum">
               <a:rPr lang="en-IN" smtClean="0"/>
-              <a:pPr/>
-              <a:t>‹#›</a:t>
             </a:fld>
             <a:endParaRPr lang="en-IN" dirty="0"/>
           </a:p>
@@ -1957,13 +2016,7 @@
       </p:pic>
       <p:pic>
         <p:nvPicPr>
-          <p:cNvPr id="9" name="Picture 8">
-            <a:extLst>
-              <a:ext uri="{FF2B5EF4-FFF2-40B4-BE49-F238E27FC236}">
-                <a16:creationId xmlns:a16="http://schemas.microsoft.com/office/drawing/2014/main" id="{EEACFCFE-F405-4A2F-9084-6C2BD6761397}"/>
-              </a:ext>
-            </a:extLst>
-          </p:cNvPr>
+          <p:cNvPr id="9" name="Picture 8"/>
           <p:cNvPicPr>
             <a:picLocks noChangeAspect="1"/>
           </p:cNvPicPr>
@@ -1992,15 +2045,22 @@
         </p:spPr>
       </p:pic>
     </p:spTree>
-    <p:extLst>
-      <p:ext uri="{BB962C8B-B14F-4D97-AF65-F5344CB8AC3E}">
-        <p14:creationId xmlns:p14="http://schemas.microsoft.com/office/powerpoint/2010/main" val="1554428864"/>
-      </p:ext>
-    </p:extLst>
   </p:cSld>
   <p:clrMapOvr>
     <a:masterClrMapping/>
   </p:clrMapOvr>
+  <mc:AlternateContent xmlns:mc="http://schemas.openxmlformats.org/markup-compatibility/2006">
+    <mc:Choice xmlns:p15="http://schemas.microsoft.com/office/powerpoint/2012/main" Requires="p15">
+      <p:transition xmlns:p14="http://schemas.microsoft.com/office/powerpoint/2010/main" spd="slow" Requires="p14" p14:dur="1000">
+        <p15:prstTrans prst="peelOff"/>
+      </p:transition>
+    </mc:Choice>
+    <mc:Fallback>
+      <p:transition spd="slow">
+        <p:fade/>
+      </p:transition>
+    </mc:Fallback>
+  </mc:AlternateContent>
 </p:sldLayout>
 </file>
 
@@ -2167,6 +2227,7 @@
               <a:rPr lang="en-US"/>
               <a:t>Click to edit Master text styles</a:t>
             </a:r>
+            <a:endParaRPr lang="en-US"/>
           </a:p>
         </p:txBody>
       </p:sp>
@@ -2187,7 +2248,6 @@
           <a:p>
             <a:fld id="{543EB65D-0392-4F35-9D9B-0FDD8550FF40}" type="datetimeFigureOut">
               <a:rPr lang="en-IN" smtClean="0"/>
-              <a:t>17-6-25</a:t>
             </a:fld>
             <a:endParaRPr lang="en-IN"/>
           </a:p>
@@ -2229,22 +2289,28 @@
           <a:p>
             <a:fld id="{9416594B-F0F6-4308-8ACA-55168D86F493}" type="slidenum">
               <a:rPr lang="en-IN" smtClean="0"/>
-              <a:t>‹#›</a:t>
             </a:fld>
             <a:endParaRPr lang="en-IN"/>
           </a:p>
         </p:txBody>
       </p:sp>
     </p:spTree>
-    <p:extLst>
-      <p:ext uri="{BB962C8B-B14F-4D97-AF65-F5344CB8AC3E}">
-        <p14:creationId xmlns:p14="http://schemas.microsoft.com/office/powerpoint/2010/main" val="441713621"/>
-      </p:ext>
-    </p:extLst>
   </p:cSld>
   <p:clrMapOvr>
     <a:masterClrMapping/>
   </p:clrMapOvr>
+  <mc:AlternateContent xmlns:mc="http://schemas.openxmlformats.org/markup-compatibility/2006">
+    <mc:Choice xmlns:p15="http://schemas.microsoft.com/office/powerpoint/2012/main" Requires="p15">
+      <p:transition xmlns:p14="http://schemas.microsoft.com/office/powerpoint/2010/main" spd="slow" Requires="p14" p14:dur="1000">
+        <p15:prstTrans prst="peelOff"/>
+      </p:transition>
+    </mc:Choice>
+    <mc:Fallback>
+      <p:transition spd="slow">
+        <p:fade/>
+      </p:transition>
+    </mc:Fallback>
+  </mc:AlternateContent>
 </p:sldLayout>
 </file>
 
@@ -2313,6 +2379,7 @@
               <a:rPr lang="en-US"/>
               <a:t>Click to edit Master text styles</a:t>
             </a:r>
+            <a:endParaRPr lang="en-US"/>
           </a:p>
           <a:p>
             <a:pPr lvl="1"/>
@@ -2320,6 +2387,7 @@
               <a:rPr lang="en-US"/>
               <a:t>Second level</a:t>
             </a:r>
+            <a:endParaRPr lang="en-US"/>
           </a:p>
           <a:p>
             <a:pPr lvl="2"/>
@@ -2327,6 +2395,7 @@
               <a:rPr lang="en-US"/>
               <a:t>Third level</a:t>
             </a:r>
+            <a:endParaRPr lang="en-US"/>
           </a:p>
           <a:p>
             <a:pPr lvl="3"/>
@@ -2334,6 +2403,7 @@
               <a:rPr lang="en-US"/>
               <a:t>Fourth level</a:t>
             </a:r>
+            <a:endParaRPr lang="en-US"/>
           </a:p>
           <a:p>
             <a:pPr lvl="4"/>
@@ -2370,6 +2440,7 @@
               <a:rPr lang="en-US"/>
               <a:t>Click to edit Master text styles</a:t>
             </a:r>
+            <a:endParaRPr lang="en-US"/>
           </a:p>
           <a:p>
             <a:pPr lvl="1"/>
@@ -2377,6 +2448,7 @@
               <a:rPr lang="en-US"/>
               <a:t>Second level</a:t>
             </a:r>
+            <a:endParaRPr lang="en-US"/>
           </a:p>
           <a:p>
             <a:pPr lvl="2"/>
@@ -2384,6 +2456,7 @@
               <a:rPr lang="en-US"/>
               <a:t>Third level</a:t>
             </a:r>
+            <a:endParaRPr lang="en-US"/>
           </a:p>
           <a:p>
             <a:pPr lvl="3"/>
@@ -2391,6 +2464,7 @@
               <a:rPr lang="en-US"/>
               <a:t>Fourth level</a:t>
             </a:r>
+            <a:endParaRPr lang="en-US"/>
           </a:p>
           <a:p>
             <a:pPr lvl="4"/>
@@ -2419,7 +2493,6 @@
           <a:p>
             <a:fld id="{543EB65D-0392-4F35-9D9B-0FDD8550FF40}" type="datetimeFigureOut">
               <a:rPr lang="en-IN" smtClean="0"/>
-              <a:t>17-6-25</a:t>
             </a:fld>
             <a:endParaRPr lang="en-IN"/>
           </a:p>
@@ -2461,7 +2534,6 @@
           <a:p>
             <a:fld id="{9416594B-F0F6-4308-8ACA-55168D86F493}" type="slidenum">
               <a:rPr lang="en-IN" smtClean="0"/>
-              <a:t>‹#›</a:t>
             </a:fld>
             <a:endParaRPr lang="en-IN"/>
           </a:p>
@@ -2492,15 +2564,22 @@
         </p:spPr>
       </p:pic>
     </p:spTree>
-    <p:extLst>
-      <p:ext uri="{BB962C8B-B14F-4D97-AF65-F5344CB8AC3E}">
-        <p14:creationId xmlns:p14="http://schemas.microsoft.com/office/powerpoint/2010/main" val="2523222459"/>
-      </p:ext>
-    </p:extLst>
   </p:cSld>
   <p:clrMapOvr>
     <a:masterClrMapping/>
   </p:clrMapOvr>
+  <mc:AlternateContent xmlns:mc="http://schemas.openxmlformats.org/markup-compatibility/2006">
+    <mc:Choice xmlns:p15="http://schemas.microsoft.com/office/powerpoint/2012/main" Requires="p15">
+      <p:transition xmlns:p14="http://schemas.microsoft.com/office/powerpoint/2010/main" spd="slow" Requires="p14" p14:dur="1000">
+        <p15:prstTrans prst="peelOff"/>
+      </p:transition>
+    </mc:Choice>
+    <mc:Fallback>
+      <p:transition spd="slow">
+        <p:fade/>
+      </p:transition>
+    </mc:Fallback>
+  </mc:AlternateContent>
 </p:sldLayout>
 </file>
 
@@ -2611,6 +2690,7 @@
               <a:rPr lang="en-US"/>
               <a:t>Click to edit Master text styles</a:t>
             </a:r>
+            <a:endParaRPr lang="en-US"/>
           </a:p>
         </p:txBody>
       </p:sp>
@@ -2639,6 +2719,7 @@
               <a:rPr lang="en-US"/>
               <a:t>Click to edit Master text styles</a:t>
             </a:r>
+            <a:endParaRPr lang="en-US"/>
           </a:p>
           <a:p>
             <a:pPr lvl="1"/>
@@ -2646,6 +2727,7 @@
               <a:rPr lang="en-US"/>
               <a:t>Second level</a:t>
             </a:r>
+            <a:endParaRPr lang="en-US"/>
           </a:p>
           <a:p>
             <a:pPr lvl="2"/>
@@ -2653,6 +2735,7 @@
               <a:rPr lang="en-US"/>
               <a:t>Third level</a:t>
             </a:r>
+            <a:endParaRPr lang="en-US"/>
           </a:p>
           <a:p>
             <a:pPr lvl="3"/>
@@ -2660,6 +2743,7 @@
               <a:rPr lang="en-US"/>
               <a:t>Fourth level</a:t>
             </a:r>
+            <a:endParaRPr lang="en-US"/>
           </a:p>
           <a:p>
             <a:pPr lvl="4"/>
@@ -2733,6 +2817,7 @@
               <a:rPr lang="en-US"/>
               <a:t>Click to edit Master text styles</a:t>
             </a:r>
+            <a:endParaRPr lang="en-US"/>
           </a:p>
         </p:txBody>
       </p:sp>
@@ -2761,6 +2846,7 @@
               <a:rPr lang="en-US"/>
               <a:t>Click to edit Master text styles</a:t>
             </a:r>
+            <a:endParaRPr lang="en-US"/>
           </a:p>
           <a:p>
             <a:pPr lvl="1"/>
@@ -2768,6 +2854,7 @@
               <a:rPr lang="en-US"/>
               <a:t>Second level</a:t>
             </a:r>
+            <a:endParaRPr lang="en-US"/>
           </a:p>
           <a:p>
             <a:pPr lvl="2"/>
@@ -2775,6 +2862,7 @@
               <a:rPr lang="en-US"/>
               <a:t>Third level</a:t>
             </a:r>
+            <a:endParaRPr lang="en-US"/>
           </a:p>
           <a:p>
             <a:pPr lvl="3"/>
@@ -2782,6 +2870,7 @@
               <a:rPr lang="en-US"/>
               <a:t>Fourth level</a:t>
             </a:r>
+            <a:endParaRPr lang="en-US"/>
           </a:p>
           <a:p>
             <a:pPr lvl="4"/>
@@ -2810,7 +2899,6 @@
           <a:p>
             <a:fld id="{543EB65D-0392-4F35-9D9B-0FDD8550FF40}" type="datetimeFigureOut">
               <a:rPr lang="en-IN" smtClean="0"/>
-              <a:t>17-6-25</a:t>
             </a:fld>
             <a:endParaRPr lang="en-IN"/>
           </a:p>
@@ -2852,22 +2940,28 @@
           <a:p>
             <a:fld id="{9416594B-F0F6-4308-8ACA-55168D86F493}" type="slidenum">
               <a:rPr lang="en-IN" smtClean="0"/>
-              <a:t>‹#›</a:t>
             </a:fld>
             <a:endParaRPr lang="en-IN"/>
           </a:p>
         </p:txBody>
       </p:sp>
     </p:spTree>
-    <p:extLst>
-      <p:ext uri="{BB962C8B-B14F-4D97-AF65-F5344CB8AC3E}">
-        <p14:creationId xmlns:p14="http://schemas.microsoft.com/office/powerpoint/2010/main" val="680606406"/>
-      </p:ext>
-    </p:extLst>
   </p:cSld>
   <p:clrMapOvr>
     <a:masterClrMapping/>
   </p:clrMapOvr>
+  <mc:AlternateContent xmlns:mc="http://schemas.openxmlformats.org/markup-compatibility/2006">
+    <mc:Choice xmlns:p15="http://schemas.microsoft.com/office/powerpoint/2012/main" Requires="p15">
+      <p:transition xmlns:p14="http://schemas.microsoft.com/office/powerpoint/2010/main" spd="slow" Requires="p14" p14:dur="1000">
+        <p15:prstTrans prst="peelOff"/>
+      </p:transition>
+    </mc:Choice>
+    <mc:Fallback>
+      <p:transition spd="slow">
+        <p:fade/>
+      </p:transition>
+    </mc:Fallback>
+  </mc:AlternateContent>
 </p:sldLayout>
 </file>
 
@@ -2928,7 +3022,6 @@
           <a:p>
             <a:fld id="{543EB65D-0392-4F35-9D9B-0FDD8550FF40}" type="datetimeFigureOut">
               <a:rPr lang="en-IN" smtClean="0"/>
-              <a:t>17-6-25</a:t>
             </a:fld>
             <a:endParaRPr lang="en-IN"/>
           </a:p>
@@ -2970,22 +3063,28 @@
           <a:p>
             <a:fld id="{9416594B-F0F6-4308-8ACA-55168D86F493}" type="slidenum">
               <a:rPr lang="en-IN" smtClean="0"/>
-              <a:t>‹#›</a:t>
             </a:fld>
             <a:endParaRPr lang="en-IN"/>
           </a:p>
         </p:txBody>
       </p:sp>
     </p:spTree>
-    <p:extLst>
-      <p:ext uri="{BB962C8B-B14F-4D97-AF65-F5344CB8AC3E}">
-        <p14:creationId xmlns:p14="http://schemas.microsoft.com/office/powerpoint/2010/main" val="381234227"/>
-      </p:ext>
-    </p:extLst>
   </p:cSld>
   <p:clrMapOvr>
     <a:masterClrMapping/>
   </p:clrMapOvr>
+  <mc:AlternateContent xmlns:mc="http://schemas.openxmlformats.org/markup-compatibility/2006">
+    <mc:Choice xmlns:p15="http://schemas.microsoft.com/office/powerpoint/2012/main" Requires="p15">
+      <p:transition xmlns:p14="http://schemas.microsoft.com/office/powerpoint/2010/main" spd="slow" Requires="p14" p14:dur="1000">
+        <p15:prstTrans prst="peelOff"/>
+      </p:transition>
+    </mc:Choice>
+    <mc:Fallback>
+      <p:transition spd="slow">
+        <p:fade/>
+      </p:transition>
+    </mc:Fallback>
+  </mc:AlternateContent>
 </p:sldLayout>
 </file>
 
@@ -3023,7 +3122,6 @@
           <a:p>
             <a:fld id="{543EB65D-0392-4F35-9D9B-0FDD8550FF40}" type="datetimeFigureOut">
               <a:rPr lang="en-IN" smtClean="0"/>
-              <a:t>17-6-25</a:t>
             </a:fld>
             <a:endParaRPr lang="en-IN"/>
           </a:p>
@@ -3065,22 +3163,28 @@
           <a:p>
             <a:fld id="{9416594B-F0F6-4308-8ACA-55168D86F493}" type="slidenum">
               <a:rPr lang="en-IN" smtClean="0"/>
-              <a:t>‹#›</a:t>
             </a:fld>
             <a:endParaRPr lang="en-IN"/>
           </a:p>
         </p:txBody>
       </p:sp>
     </p:spTree>
-    <p:extLst>
-      <p:ext uri="{BB962C8B-B14F-4D97-AF65-F5344CB8AC3E}">
-        <p14:creationId xmlns:p14="http://schemas.microsoft.com/office/powerpoint/2010/main" val="1844440293"/>
-      </p:ext>
-    </p:extLst>
   </p:cSld>
   <p:clrMapOvr>
     <a:masterClrMapping/>
   </p:clrMapOvr>
+  <mc:AlternateContent xmlns:mc="http://schemas.openxmlformats.org/markup-compatibility/2006">
+    <mc:Choice xmlns:p15="http://schemas.microsoft.com/office/powerpoint/2012/main" Requires="p15">
+      <p:transition xmlns:p14="http://schemas.microsoft.com/office/powerpoint/2010/main" spd="slow" Requires="p14" p14:dur="1000">
+        <p15:prstTrans prst="peelOff"/>
+      </p:transition>
+    </mc:Choice>
+    <mc:Fallback>
+      <p:transition spd="slow">
+        <p:fade/>
+      </p:transition>
+    </mc:Fallback>
+  </mc:AlternateContent>
 </p:sldLayout>
 </file>
 
@@ -3186,6 +3290,7 @@
               <a:rPr lang="en-US"/>
               <a:t>Click to edit Master text styles</a:t>
             </a:r>
+            <a:endParaRPr lang="en-US"/>
           </a:p>
           <a:p>
             <a:pPr lvl="1"/>
@@ -3193,6 +3298,7 @@
               <a:rPr lang="en-US"/>
               <a:t>Second level</a:t>
             </a:r>
+            <a:endParaRPr lang="en-US"/>
           </a:p>
           <a:p>
             <a:pPr lvl="2"/>
@@ -3200,6 +3306,7 @@
               <a:rPr lang="en-US"/>
               <a:t>Third level</a:t>
             </a:r>
+            <a:endParaRPr lang="en-US"/>
           </a:p>
           <a:p>
             <a:pPr lvl="3"/>
@@ -3207,6 +3314,7 @@
               <a:rPr lang="en-US"/>
               <a:t>Fourth level</a:t>
             </a:r>
+            <a:endParaRPr lang="en-US"/>
           </a:p>
           <a:p>
             <a:pPr lvl="4"/>
@@ -3280,6 +3388,7 @@
               <a:rPr lang="en-US"/>
               <a:t>Click to edit Master text styles</a:t>
             </a:r>
+            <a:endParaRPr lang="en-US"/>
           </a:p>
         </p:txBody>
       </p:sp>
@@ -3300,7 +3409,6 @@
           <a:p>
             <a:fld id="{543EB65D-0392-4F35-9D9B-0FDD8550FF40}" type="datetimeFigureOut">
               <a:rPr lang="en-IN" smtClean="0"/>
-              <a:t>17-6-25</a:t>
             </a:fld>
             <a:endParaRPr lang="en-IN"/>
           </a:p>
@@ -3342,22 +3450,28 @@
           <a:p>
             <a:fld id="{9416594B-F0F6-4308-8ACA-55168D86F493}" type="slidenum">
               <a:rPr lang="en-IN" smtClean="0"/>
-              <a:t>‹#›</a:t>
             </a:fld>
             <a:endParaRPr lang="en-IN"/>
           </a:p>
         </p:txBody>
       </p:sp>
     </p:spTree>
-    <p:extLst>
-      <p:ext uri="{BB962C8B-B14F-4D97-AF65-F5344CB8AC3E}">
-        <p14:creationId xmlns:p14="http://schemas.microsoft.com/office/powerpoint/2010/main" val="109088767"/>
-      </p:ext>
-    </p:extLst>
   </p:cSld>
   <p:clrMapOvr>
     <a:masterClrMapping/>
   </p:clrMapOvr>
+  <mc:AlternateContent xmlns:mc="http://schemas.openxmlformats.org/markup-compatibility/2006">
+    <mc:Choice xmlns:p15="http://schemas.microsoft.com/office/powerpoint/2012/main" Requires="p15">
+      <p:transition xmlns:p14="http://schemas.microsoft.com/office/powerpoint/2010/main" spd="slow" Requires="p14" p14:dur="1000">
+        <p15:prstTrans prst="peelOff"/>
+      </p:transition>
+    </mc:Choice>
+    <mc:Fallback>
+      <p:transition spd="slow">
+        <p:fade/>
+      </p:transition>
+    </mc:Fallback>
+  </mc:AlternateContent>
 </p:sldLayout>
 </file>
 
@@ -3537,6 +3651,7 @@
               <a:rPr lang="en-US"/>
               <a:t>Click to edit Master text styles</a:t>
             </a:r>
+            <a:endParaRPr lang="en-US"/>
           </a:p>
         </p:txBody>
       </p:sp>
@@ -3557,7 +3672,6 @@
           <a:p>
             <a:fld id="{543EB65D-0392-4F35-9D9B-0FDD8550FF40}" type="datetimeFigureOut">
               <a:rPr lang="en-IN" smtClean="0"/>
-              <a:t>17-6-25</a:t>
             </a:fld>
             <a:endParaRPr lang="en-IN"/>
           </a:p>
@@ -3599,22 +3713,28 @@
           <a:p>
             <a:fld id="{9416594B-F0F6-4308-8ACA-55168D86F493}" type="slidenum">
               <a:rPr lang="en-IN" smtClean="0"/>
-              <a:t>‹#›</a:t>
             </a:fld>
             <a:endParaRPr lang="en-IN"/>
           </a:p>
         </p:txBody>
       </p:sp>
     </p:spTree>
-    <p:extLst>
-      <p:ext uri="{BB962C8B-B14F-4D97-AF65-F5344CB8AC3E}">
-        <p14:creationId xmlns:p14="http://schemas.microsoft.com/office/powerpoint/2010/main" val="915428841"/>
-      </p:ext>
-    </p:extLst>
   </p:cSld>
   <p:clrMapOvr>
     <a:masterClrMapping/>
   </p:clrMapOvr>
+  <mc:AlternateContent xmlns:mc="http://schemas.openxmlformats.org/markup-compatibility/2006">
+    <mc:Choice xmlns:p15="http://schemas.microsoft.com/office/powerpoint/2012/main" Requires="p15">
+      <p:transition xmlns:p14="http://schemas.microsoft.com/office/powerpoint/2010/main" spd="slow" Requires="p14" p14:dur="1000">
+        <p15:prstTrans prst="peelOff"/>
+      </p:transition>
+    </mc:Choice>
+    <mc:Fallback>
+      <p:transition spd="slow">
+        <p:fade/>
+      </p:transition>
+    </mc:Fallback>
+  </mc:AlternateContent>
 </p:sldLayout>
 </file>
 
@@ -3703,6 +3823,7 @@
               <a:rPr lang="en-US"/>
               <a:t>Click to edit Master text styles</a:t>
             </a:r>
+            <a:endParaRPr lang="en-US"/>
           </a:p>
           <a:p>
             <a:pPr lvl="1"/>
@@ -3710,6 +3831,7 @@
               <a:rPr lang="en-US"/>
               <a:t>Second level</a:t>
             </a:r>
+            <a:endParaRPr lang="en-US"/>
           </a:p>
           <a:p>
             <a:pPr lvl="2"/>
@@ -3717,6 +3839,7 @@
               <a:rPr lang="en-US"/>
               <a:t>Third level</a:t>
             </a:r>
+            <a:endParaRPr lang="en-US"/>
           </a:p>
           <a:p>
             <a:pPr lvl="3"/>
@@ -3724,6 +3847,7 @@
               <a:rPr lang="en-US"/>
               <a:t>Fourth level</a:t>
             </a:r>
+            <a:endParaRPr lang="en-US"/>
           </a:p>
           <a:p>
             <a:pPr lvl="4"/>
@@ -3770,7 +3894,6 @@
           <a:p>
             <a:fld id="{543EB65D-0392-4F35-9D9B-0FDD8550FF40}" type="datetimeFigureOut">
               <a:rPr lang="en-IN" smtClean="0"/>
-              <a:t>17-6-25</a:t>
             </a:fld>
             <a:endParaRPr lang="en-IN"/>
           </a:p>
@@ -3813,6 +3936,7 @@
               <a:rPr lang="en-IN" dirty="0"/>
               <a:t>Short Term Training – Python Programming</a:t>
             </a:r>
+            <a:endParaRPr lang="en-IN" dirty="0"/>
           </a:p>
         </p:txBody>
       </p:sp>
@@ -3851,33 +3975,39 @@
           <a:p>
             <a:fld id="{9416594B-F0F6-4308-8ACA-55168D86F493}" type="slidenum">
               <a:rPr lang="en-IN" smtClean="0"/>
-              <a:t>‹#›</a:t>
             </a:fld>
             <a:endParaRPr lang="en-IN"/>
           </a:p>
         </p:txBody>
       </p:sp>
     </p:spTree>
-    <p:extLst>
-      <p:ext uri="{BB962C8B-B14F-4D97-AF65-F5344CB8AC3E}">
-        <p14:creationId xmlns:p14="http://schemas.microsoft.com/office/powerpoint/2010/main" val="721481901"/>
-      </p:ext>
-    </p:extLst>
   </p:cSld>
   <p:clrMap bg1="lt1" tx1="dk1" bg2="lt2" tx2="dk2" accent1="accent1" accent2="accent2" accent3="accent3" accent4="accent4" accent5="accent5" accent6="accent6" hlink="hlink" folHlink="folHlink"/>
   <p:sldLayoutIdLst>
-    <p:sldLayoutId id="2147483661" r:id="rId1"/>
-    <p:sldLayoutId id="2147483662" r:id="rId2"/>
-    <p:sldLayoutId id="2147483663" r:id="rId3"/>
-    <p:sldLayoutId id="2147483664" r:id="rId4"/>
-    <p:sldLayoutId id="2147483665" r:id="rId5"/>
-    <p:sldLayoutId id="2147483666" r:id="rId6"/>
-    <p:sldLayoutId id="2147483667" r:id="rId7"/>
-    <p:sldLayoutId id="2147483668" r:id="rId8"/>
-    <p:sldLayoutId id="2147483669" r:id="rId9"/>
-    <p:sldLayoutId id="2147483670" r:id="rId10"/>
-    <p:sldLayoutId id="2147483671" r:id="rId11"/>
+    <p:sldLayoutId id="2147483649" r:id="rId1"/>
+    <p:sldLayoutId id="2147483650" r:id="rId2"/>
+    <p:sldLayoutId id="2147483651" r:id="rId3"/>
+    <p:sldLayoutId id="2147483652" r:id="rId4"/>
+    <p:sldLayoutId id="2147483653" r:id="rId5"/>
+    <p:sldLayoutId id="2147483654" r:id="rId6"/>
+    <p:sldLayoutId id="2147483655" r:id="rId7"/>
+    <p:sldLayoutId id="2147483656" r:id="rId8"/>
+    <p:sldLayoutId id="2147483657" r:id="rId9"/>
+    <p:sldLayoutId id="2147483658" r:id="rId10"/>
+    <p:sldLayoutId id="2147483659" r:id="rId11"/>
   </p:sldLayoutIdLst>
+  <mc:AlternateContent xmlns:mc="http://schemas.openxmlformats.org/markup-compatibility/2006">
+    <mc:Choice xmlns:p15="http://schemas.microsoft.com/office/powerpoint/2012/main" Requires="p15">
+      <p:transition xmlns:p14="http://schemas.microsoft.com/office/powerpoint/2010/main" spd="slow" Requires="p14" p14:dur="1000">
+        <p15:prstTrans prst="peelOff"/>
+      </p:transition>
+    </mc:Choice>
+    <mc:Fallback>
+      <p:transition spd="slow">
+        <p:fade/>
+      </p:transition>
+    </mc:Fallback>
+  </mc:AlternateContent>
   <p:txStyles>
     <p:titleStyle>
       <a:lvl1pPr algn="l" defTabSz="914400" rtl="0" eaLnBrk="1" latinLnBrk="0" hangingPunct="1">
@@ -3906,7 +4036,7 @@
         <a:spcBef>
           <a:spcPts val="1000"/>
         </a:spcBef>
-        <a:buFont typeface="Arial" panose="020B0604020202020204" pitchFamily="34" charset="0"/>
+        <a:buFont typeface="Arial" panose="020B0604020202090204" pitchFamily="34" charset="0"/>
         <a:buChar char="•"/>
         <a:defRPr sz="2800" kern="1200">
           <a:solidFill>
@@ -3924,7 +4054,7 @@
         <a:spcBef>
           <a:spcPts val="500"/>
         </a:spcBef>
-        <a:buFont typeface="Arial" panose="020B0604020202020204" pitchFamily="34" charset="0"/>
+        <a:buFont typeface="Arial" panose="020B0604020202090204" pitchFamily="34" charset="0"/>
         <a:buChar char="•"/>
         <a:defRPr sz="2400" kern="1200">
           <a:solidFill>
@@ -3942,7 +4072,7 @@
         <a:spcBef>
           <a:spcPts val="500"/>
         </a:spcBef>
-        <a:buFont typeface="Arial" panose="020B0604020202020204" pitchFamily="34" charset="0"/>
+        <a:buFont typeface="Arial" panose="020B0604020202090204" pitchFamily="34" charset="0"/>
         <a:buChar char="•"/>
         <a:defRPr sz="2000" kern="1200">
           <a:solidFill>
@@ -3960,7 +4090,7 @@
         <a:spcBef>
           <a:spcPts val="500"/>
         </a:spcBef>
-        <a:buFont typeface="Arial" panose="020B0604020202020204" pitchFamily="34" charset="0"/>
+        <a:buFont typeface="Arial" panose="020B0604020202090204" pitchFamily="34" charset="0"/>
         <a:buChar char="•"/>
         <a:defRPr sz="1800" kern="1200">
           <a:solidFill>
@@ -3978,7 +4108,7 @@
         <a:spcBef>
           <a:spcPts val="500"/>
         </a:spcBef>
-        <a:buFont typeface="Arial" panose="020B0604020202020204" pitchFamily="34" charset="0"/>
+        <a:buFont typeface="Arial" panose="020B0604020202090204" pitchFamily="34" charset="0"/>
         <a:buChar char="•"/>
         <a:defRPr sz="1800" kern="1200">
           <a:solidFill>
@@ -3996,7 +4126,7 @@
         <a:spcBef>
           <a:spcPts val="500"/>
         </a:spcBef>
-        <a:buFont typeface="Arial" panose="020B0604020202020204" pitchFamily="34" charset="0"/>
+        <a:buFont typeface="Arial" panose="020B0604020202090204" pitchFamily="34" charset="0"/>
         <a:buChar char="•"/>
         <a:defRPr sz="1800" kern="1200">
           <a:solidFill>
@@ -4014,7 +4144,7 @@
         <a:spcBef>
           <a:spcPts val="500"/>
         </a:spcBef>
-        <a:buFont typeface="Arial" panose="020B0604020202020204" pitchFamily="34" charset="0"/>
+        <a:buFont typeface="Arial" panose="020B0604020202090204" pitchFamily="34" charset="0"/>
         <a:buChar char="•"/>
         <a:defRPr sz="1800" kern="1200">
           <a:solidFill>
@@ -4032,7 +4162,7 @@
         <a:spcBef>
           <a:spcPts val="500"/>
         </a:spcBef>
-        <a:buFont typeface="Arial" panose="020B0604020202020204" pitchFamily="34" charset="0"/>
+        <a:buFont typeface="Arial" panose="020B0604020202090204" pitchFamily="34" charset="0"/>
         <a:buChar char="•"/>
         <a:defRPr sz="1800" kern="1200">
           <a:solidFill>
@@ -4050,7 +4180,7 @@
         <a:spcBef>
           <a:spcPts val="500"/>
         </a:spcBef>
-        <a:buFont typeface="Arial" panose="020B0604020202020204" pitchFamily="34" charset="0"/>
+        <a:buFont typeface="Arial" panose="020B0604020202090204" pitchFamily="34" charset="0"/>
         <a:buChar char="•"/>
         <a:defRPr sz="1800" kern="1200">
           <a:solidFill>
@@ -4217,6 +4347,19 @@
               </a:rPr>
               <a:t>Exception Handling</a:t>
             </a:r>
+            <a:endParaRPr lang="en-US" sz="4050" dirty="0">
+              <a:ln w="0"/>
+              <a:solidFill>
+                <a:schemeClr val="accent1"/>
+              </a:solidFill>
+              <a:effectLst>
+                <a:outerShdw blurRad="38100" dist="38100" dir="2700000" algn="tl">
+                  <a:srgbClr val="000000">
+                    <a:alpha val="43137"/>
+                  </a:srgbClr>
+                </a:outerShdw>
+              </a:effectLst>
+            </a:endParaRPr>
           </a:p>
         </p:txBody>
       </p:sp>
@@ -4229,7 +4372,7 @@
           <p:nvPr/>
         </p:nvPicPr>
         <p:blipFill>
-          <a:blip r:embed="rId2">
+          <a:blip r:embed="rId1">
             <a:extLst>
               <a:ext uri="{28A0092B-C50C-407E-A947-70E740481C1C}">
                 <a14:useLocalDpi xmlns:a14="http://schemas.microsoft.com/office/drawing/2010/main" val="0"/>
@@ -4242,7 +4385,7 @@
         </p:blipFill>
         <p:spPr>
           <a:xfrm>
-            <a:off x="3114675" y="1000125"/>
+            <a:off x="3114675" y="1356360"/>
             <a:ext cx="2914650" cy="2428875"/>
           </a:xfrm>
           <a:prstGeom prst="rect">
@@ -4252,20 +4395,14 @@
       </p:pic>
       <p:pic>
         <p:nvPicPr>
-          <p:cNvPr id="3" name="Picture 2">
-            <a:extLst>
-              <a:ext uri="{FF2B5EF4-FFF2-40B4-BE49-F238E27FC236}">
-                <a16:creationId xmlns:a16="http://schemas.microsoft.com/office/drawing/2014/main" id="{EEA40CE6-DF73-4BD9-85AD-516CCB153C02}"/>
-              </a:ext>
-            </a:extLst>
-          </p:cNvPr>
+          <p:cNvPr id="3" name="Picture 2"/>
           <p:cNvPicPr>
             <a:picLocks noChangeAspect="1"/>
           </p:cNvPicPr>
           <p:nvPr/>
         </p:nvPicPr>
         <p:blipFill>
-          <a:blip r:embed="rId3" cstate="print">
+          <a:blip r:embed="rId2" cstate="print">
             <a:extLst>
               <a:ext uri="{28A0092B-C50C-407E-A947-70E740481C1C}">
                 <a14:useLocalDpi xmlns:a14="http://schemas.microsoft.com/office/drawing/2010/main" val="0"/>
@@ -4287,15 +4424,22 @@
         </p:spPr>
       </p:pic>
     </p:spTree>
-    <p:extLst>
-      <p:ext uri="{BB962C8B-B14F-4D97-AF65-F5344CB8AC3E}">
-        <p14:creationId xmlns:p14="http://schemas.microsoft.com/office/powerpoint/2010/main" val="2958748458"/>
-      </p:ext>
-    </p:extLst>
   </p:cSld>
   <p:clrMapOvr>
     <a:masterClrMapping/>
   </p:clrMapOvr>
+  <mc:AlternateContent xmlns:mc="http://schemas.openxmlformats.org/markup-compatibility/2006">
+    <mc:Choice xmlns:p15="http://schemas.microsoft.com/office/powerpoint/2012/main" Requires="p15">
+      <p:transition xmlns:p14="http://schemas.microsoft.com/office/powerpoint/2010/main" spd="slow" Requires="p14" p14:dur="1000">
+        <p15:prstTrans prst="peelOff"/>
+      </p:transition>
+    </mc:Choice>
+    <mc:Fallback>
+      <p:transition spd="slow">
+        <p:fade/>
+      </p:transition>
+    </mc:Fallback>
+  </mc:AlternateContent>
 </p:sld>
 </file>
 
@@ -4318,13 +4462,7 @@
       </p:grpSpPr>
       <p:sp>
         <p:nvSpPr>
-          <p:cNvPr id="2" name="Title 1">
-            <a:extLst>
-              <a:ext uri="{FF2B5EF4-FFF2-40B4-BE49-F238E27FC236}">
-                <a16:creationId xmlns:a16="http://schemas.microsoft.com/office/drawing/2014/main" id="{67897CE1-A77C-147D-5F51-9A56245FFE5A}"/>
-              </a:ext>
-            </a:extLst>
-          </p:cNvPr>
+          <p:cNvPr id="2" name="Title 1"/>
           <p:cNvSpPr>
             <a:spLocks noGrp="1"/>
           </p:cNvSpPr>
@@ -4334,30 +4472,33 @@
         </p:nvSpPr>
         <p:spPr>
           <a:xfrm>
-            <a:off x="628650" y="-181951"/>
-            <a:ext cx="7886700" cy="1325563"/>
+            <a:off x="504825" y="335771"/>
+            <a:ext cx="7381875" cy="383381"/>
           </a:xfrm>
         </p:spPr>
         <p:txBody>
-          <a:bodyPr/>
+          <a:bodyPr>
+            <a:noAutofit/>
+          </a:bodyPr>
           <a:lstStyle/>
           <a:p>
             <a:r>
-              <a:rPr lang="en-US" b="1" dirty="0"/>
-              <a:t>Handling I/O Exceptions</a:t>
-            </a:r>
-          </a:p>
-        </p:txBody>
-      </p:sp>
-      <p:sp>
-        <p:nvSpPr>
-          <p:cNvPr id="3" name="Content Placeholder 2">
-            <a:extLst>
-              <a:ext uri="{FF2B5EF4-FFF2-40B4-BE49-F238E27FC236}">
-                <a16:creationId xmlns:a16="http://schemas.microsoft.com/office/drawing/2014/main" id="{F398C4FF-475A-AA9F-35D9-FDA1711FE6F0}"/>
-              </a:ext>
-            </a:extLst>
-          </p:cNvPr>
+              <a:rPr lang="en-US" sz="3200" dirty="0">
+                <a:latin typeface="Times New Roman" panose="02020503050405090304" pitchFamily="18" charset="0"/>
+                <a:cs typeface="Times New Roman" panose="02020503050405090304" pitchFamily="18" charset="0"/>
+              </a:rPr>
+              <a:t>Assert Statement</a:t>
+            </a:r>
+            <a:endParaRPr lang="en-US" sz="3200" dirty="0">
+              <a:latin typeface="Times New Roman" panose="02020503050405090304" pitchFamily="18" charset="0"/>
+              <a:cs typeface="Times New Roman" panose="02020503050405090304" pitchFamily="18" charset="0"/>
+            </a:endParaRPr>
+          </a:p>
+        </p:txBody>
+      </p:sp>
+      <p:sp>
+        <p:nvSpPr>
+          <p:cNvPr id="3" name="Content Placeholder 2"/>
           <p:cNvSpPr>
             <a:spLocks noGrp="1"/>
           </p:cNvSpPr>
@@ -4367,8 +4508,8 @@
         </p:nvSpPr>
         <p:spPr>
           <a:xfrm>
-            <a:off x="628650" y="1253330"/>
-            <a:ext cx="7886700" cy="5497207"/>
+            <a:off x="504825" y="1559500"/>
+            <a:ext cx="8261488" cy="3728918"/>
           </a:xfrm>
         </p:spPr>
         <p:txBody>
@@ -4378,325 +4519,279 @@
           <a:lstStyle/>
           <a:p>
             <a:pPr marL="0" indent="0">
-              <a:buNone/>
-            </a:pPr>
-            <a:r>
-              <a:rPr lang="en-US" sz="2400" dirty="0"/>
-              <a:t>Common when working with files, databases, or network requests.</a:t>
-            </a:r>
-            <a:endParaRPr lang="en-GB" sz="2400" dirty="0"/>
-          </a:p>
-          <a:p>
-            <a:pPr marL="0" indent="0">
-              <a:buNone/>
-            </a:pPr>
-            <a:endParaRPr lang="en-GB" sz="2400" dirty="0">
+              <a:lnSpc>
+                <a:spcPct val="150000"/>
+              </a:lnSpc>
+              <a:buNone/>
+            </a:pPr>
+            <a:endParaRPr lang="en-US" sz="1350" dirty="0">
+              <a:latin typeface="Times New Roman" panose="02020503050405090304" pitchFamily="18" charset="0"/>
+              <a:cs typeface="Times New Roman" panose="02020503050405090304" pitchFamily="18" charset="0"/>
+            </a:endParaRPr>
+          </a:p>
+          <a:p>
+            <a:pPr>
+              <a:buFont typeface="Wingdings" panose="05000000000000000000" pitchFamily="2" charset="2"/>
+              <a:buChar char="ü"/>
+            </a:pPr>
+            <a:endParaRPr lang="en-US" sz="1350" dirty="0">
+              <a:latin typeface="Times New Roman" panose="02020503050405090304" pitchFamily="18" charset="0"/>
+              <a:cs typeface="Times New Roman" panose="02020503050405090304" pitchFamily="18" charset="0"/>
+            </a:endParaRPr>
+          </a:p>
+          <a:p>
+            <a:pPr>
+              <a:buFont typeface="Wingdings" panose="05000000000000000000" pitchFamily="2" charset="2"/>
+              <a:buChar char="ü"/>
+            </a:pPr>
+            <a:endParaRPr lang="en-US" sz="1350" dirty="0">
+              <a:latin typeface="Times New Roman" panose="02020503050405090304" pitchFamily="18" charset="0"/>
+              <a:cs typeface="Times New Roman" panose="02020503050405090304" pitchFamily="18" charset="0"/>
+            </a:endParaRPr>
+          </a:p>
+          <a:p>
+            <a:pPr>
+              <a:buFont typeface="Wingdings" panose="05000000000000000000" pitchFamily="2" charset="2"/>
+              <a:buChar char="ü"/>
+            </a:pPr>
+            <a:endParaRPr lang="en-US" sz="1350" dirty="0">
+              <a:latin typeface="Times New Roman" panose="02020503050405090304" pitchFamily="18" charset="0"/>
+              <a:cs typeface="Times New Roman" panose="02020503050405090304" pitchFamily="18" charset="0"/>
+            </a:endParaRPr>
+          </a:p>
+        </p:txBody>
+      </p:sp>
+      <p:sp>
+        <p:nvSpPr>
+          <p:cNvPr id="4" name="Rectangle 3"/>
+          <p:cNvSpPr/>
+          <p:nvPr/>
+        </p:nvSpPr>
+        <p:spPr>
+          <a:xfrm>
+            <a:off x="372405" y="902602"/>
+            <a:ext cx="8271428" cy="3415030"/>
+          </a:xfrm>
+          <a:prstGeom prst="rect">
+            <a:avLst/>
+          </a:prstGeom>
+        </p:spPr>
+        <p:txBody>
+          <a:bodyPr wrap="square">
+            <a:spAutoFit/>
+          </a:bodyPr>
+          <a:lstStyle/>
+          <a:p>
+            <a:pPr marL="214630" indent="-214630">
+              <a:lnSpc>
+                <a:spcPct val="150000"/>
+              </a:lnSpc>
+              <a:buFont typeface="Wingdings" panose="05000000000000000000" pitchFamily="2" charset="2"/>
+              <a:buChar char="ü"/>
+            </a:pPr>
+            <a:r>
+              <a:rPr lang="en-US" sz="2400" dirty="0">
+                <a:latin typeface="Times New Roman" panose="02020503050405090304" pitchFamily="18" charset="0"/>
+                <a:cs typeface="Times New Roman" panose="02020503050405090304" pitchFamily="18" charset="0"/>
+              </a:rPr>
+              <a:t>The assert statement is intended for debugging statements </a:t>
+            </a:r>
+            <a:endParaRPr lang="en-US" sz="2400" dirty="0">
+              <a:latin typeface="Times New Roman" panose="02020503050405090304" pitchFamily="18" charset="0"/>
+              <a:cs typeface="Times New Roman" panose="02020503050405090304" pitchFamily="18" charset="0"/>
+            </a:endParaRPr>
+          </a:p>
+          <a:p>
+            <a:pPr marL="214630" indent="-214630">
+              <a:lnSpc>
+                <a:spcPct val="150000"/>
+              </a:lnSpc>
+              <a:buFont typeface="Wingdings" panose="05000000000000000000" pitchFamily="2" charset="2"/>
+              <a:buChar char="ü"/>
+            </a:pPr>
+            <a:r>
+              <a:rPr lang="en-US" sz="2400" dirty="0">
+                <a:latin typeface="Times New Roman" panose="02020503050405090304" pitchFamily="18" charset="0"/>
+                <a:cs typeface="Times New Roman" panose="02020503050405090304" pitchFamily="18" charset="0"/>
+              </a:rPr>
+              <a:t>It raises an exception as soon as the condition is False </a:t>
+            </a:r>
+            <a:endParaRPr lang="en-US" sz="2400" dirty="0">
+              <a:latin typeface="Times New Roman" panose="02020503050405090304" pitchFamily="18" charset="0"/>
+              <a:cs typeface="Times New Roman" panose="02020503050405090304" pitchFamily="18" charset="0"/>
+            </a:endParaRPr>
+          </a:p>
+          <a:p>
+            <a:pPr marL="214630" indent="-214630">
+              <a:lnSpc>
+                <a:spcPct val="150000"/>
+              </a:lnSpc>
+              <a:buFont typeface="Wingdings" panose="05000000000000000000" pitchFamily="2" charset="2"/>
+              <a:buChar char="ü"/>
+            </a:pPr>
+            <a:r>
+              <a:rPr lang="en-US" sz="2400" dirty="0">
+                <a:latin typeface="Times New Roman" panose="02020503050405090304" pitchFamily="18" charset="0"/>
+                <a:cs typeface="Times New Roman" panose="02020503050405090304" pitchFamily="18" charset="0"/>
+              </a:rPr>
+              <a:t>The caller gets an exception which will go into </a:t>
+            </a:r>
+            <a:r>
+              <a:rPr lang="en-US" sz="2400" b="1" dirty="0" err="1">
+                <a:latin typeface="Times New Roman" panose="02020503050405090304" pitchFamily="18" charset="0"/>
+                <a:cs typeface="Times New Roman" panose="02020503050405090304" pitchFamily="18" charset="0"/>
+              </a:rPr>
+              <a:t>stderr</a:t>
+            </a:r>
+            <a:r>
+              <a:rPr lang="en-US" sz="2400" dirty="0">
+                <a:latin typeface="Times New Roman" panose="02020503050405090304" pitchFamily="18" charset="0"/>
+                <a:cs typeface="Times New Roman" panose="02020503050405090304" pitchFamily="18" charset="0"/>
+              </a:rPr>
+              <a:t> or </a:t>
+            </a:r>
+            <a:r>
+              <a:rPr lang="en-US" sz="2400" b="1" dirty="0">
+                <a:latin typeface="Times New Roman" panose="02020503050405090304" pitchFamily="18" charset="0"/>
+                <a:cs typeface="Times New Roman" panose="02020503050405090304" pitchFamily="18" charset="0"/>
+              </a:rPr>
+              <a:t>syslog</a:t>
+            </a:r>
+            <a:endParaRPr lang="en-US" sz="2400" b="1" dirty="0">
+              <a:latin typeface="Times New Roman" panose="02020503050405090304" pitchFamily="18" charset="0"/>
+              <a:cs typeface="Times New Roman" panose="02020503050405090304" pitchFamily="18" charset="0"/>
+            </a:endParaRPr>
+          </a:p>
+          <a:p>
+            <a:pPr>
+              <a:lnSpc>
+                <a:spcPct val="150000"/>
+              </a:lnSpc>
+            </a:pPr>
+            <a:r>
+              <a:rPr lang="en-US" sz="2400" dirty="0">
+                <a:solidFill>
+                  <a:srgbClr val="7030A0"/>
+                </a:solidFill>
+                <a:latin typeface="Victor Mono Regular" panose="00000509000000000000" charset="0"/>
+                <a:cs typeface="Victor Mono Regular" panose="00000509000000000000" charset="0"/>
+              </a:rPr>
+              <a:t>	</a:t>
+            </a:r>
+            <a:r>
+              <a:rPr lang="en-IN" sz="2400" dirty="0">
+                <a:solidFill>
+                  <a:srgbClr val="7030A0"/>
+                </a:solidFill>
+                <a:latin typeface="Victor Mono Regular" panose="00000509000000000000" charset="0"/>
+                <a:cs typeface="Victor Mono Regular" panose="00000509000000000000" charset="0"/>
+              </a:rPr>
+              <a:t>a</a:t>
+            </a:r>
+            <a:r>
+              <a:rPr lang="en-US" sz="2400" dirty="0" err="1">
+                <a:solidFill>
+                  <a:srgbClr val="7030A0"/>
+                </a:solidFill>
+                <a:latin typeface="Victor Mono Regular" panose="00000509000000000000" charset="0"/>
+                <a:cs typeface="Victor Mono Regular" panose="00000509000000000000" charset="0"/>
+              </a:rPr>
+              <a:t>ssert</a:t>
+            </a:r>
+            <a:r>
+              <a:rPr lang="en-US" sz="2400" dirty="0">
+                <a:solidFill>
+                  <a:srgbClr val="7030A0"/>
+                </a:solidFill>
+                <a:latin typeface="Victor Mono Regular" panose="00000509000000000000" charset="0"/>
+                <a:cs typeface="Victor Mono Regular" panose="00000509000000000000" charset="0"/>
+              </a:rPr>
+              <a:t> &lt;</a:t>
+            </a:r>
+            <a:r>
+              <a:rPr lang="en-US" sz="2400" dirty="0" err="1">
+                <a:solidFill>
+                  <a:srgbClr val="7030A0"/>
+                </a:solidFill>
+                <a:latin typeface="Victor Mono Regular" panose="00000509000000000000" charset="0"/>
+                <a:cs typeface="Victor Mono Regular" panose="00000509000000000000" charset="0"/>
+              </a:rPr>
+              <a:t>some_test</a:t>
+            </a:r>
+            <a:r>
+              <a:rPr lang="en-US" sz="2400" dirty="0">
+                <a:solidFill>
+                  <a:srgbClr val="7030A0"/>
+                </a:solidFill>
+                <a:latin typeface="Victor Mono Regular" panose="00000509000000000000" charset="0"/>
+                <a:cs typeface="Victor Mono Regular" panose="00000509000000000000" charset="0"/>
+              </a:rPr>
+              <a:t>&gt;, &lt;message&gt;</a:t>
+            </a:r>
+            <a:endParaRPr lang="en-US" sz="2400" dirty="0">
               <a:solidFill>
-                <a:schemeClr val="accent2">
-                  <a:lumMod val="50000"/>
-                </a:schemeClr>
+                <a:srgbClr val="7030A0"/>
               </a:solidFill>
               <a:latin typeface="Consolas" panose="020B0609020204030204" pitchFamily="49" charset="0"/>
-            </a:endParaRPr>
-          </a:p>
-          <a:p>
-            <a:pPr marL="0" indent="0">
-              <a:buNone/>
-            </a:pPr>
-            <a:r>
-              <a:rPr lang="en-GB" sz="2400" dirty="0">
-                <a:latin typeface="Consolas" panose="020B0609020204030204" pitchFamily="49" charset="0"/>
-              </a:rPr>
-              <a:t>try</a:t>
-            </a:r>
+              <a:cs typeface="Times New Roman" panose="02020503050405090304" pitchFamily="18" charset="0"/>
+            </a:endParaRPr>
+          </a:p>
+          <a:p>
+            <a:pPr marL="214630" indent="-214630">
+              <a:buFont typeface="Wingdings" panose="05000000000000000000" pitchFamily="2" charset="2"/>
+              <a:buChar char="ü"/>
+            </a:pPr>
             <a:r>
               <a:rPr lang="en-US" sz="2400" dirty="0">
-                <a:latin typeface="Consolas" panose="020B0609020204030204" pitchFamily="49" charset="0"/>
-              </a:rPr>
-              <a:t>:</a:t>
-            </a:r>
-            <a:endParaRPr lang="en-GB" sz="2400" dirty="0">
-              <a:latin typeface="Consolas" panose="020B0609020204030204" pitchFamily="49" charset="0"/>
-            </a:endParaRPr>
-          </a:p>
-          <a:p>
-            <a:pPr marL="0" indent="0">
-              <a:buNone/>
-            </a:pPr>
+                <a:latin typeface="Times New Roman" panose="02020503050405090304" pitchFamily="18" charset="0"/>
+                <a:cs typeface="Times New Roman" panose="02020503050405090304" pitchFamily="18" charset="0"/>
+              </a:rPr>
+              <a:t>The line above can be "read" as: If &lt;</a:t>
+            </a:r>
+            <a:r>
+              <a:rPr lang="en-US" sz="2400" dirty="0" err="1">
+                <a:latin typeface="Times New Roman" panose="02020503050405090304" pitchFamily="18" charset="0"/>
+                <a:cs typeface="Times New Roman" panose="02020503050405090304" pitchFamily="18" charset="0"/>
+              </a:rPr>
+              <a:t>some_test</a:t>
+            </a:r>
             <a:r>
               <a:rPr lang="en-US" sz="2400" dirty="0">
-                <a:latin typeface="Consolas" panose="020B0609020204030204" pitchFamily="49" charset="0"/>
-              </a:rPr>
-              <a:t>    </a:t>
-            </a:r>
-            <a:r>
-              <a:rPr lang="en-US" sz="2400" dirty="0">
-                <a:solidFill>
-                  <a:schemeClr val="bg1">
-                    <a:lumMod val="50000"/>
-                  </a:schemeClr>
-                </a:solidFill>
-                <a:latin typeface="Consolas" panose="020B0609020204030204" pitchFamily="49" charset="0"/>
-              </a:rPr>
-              <a:t>file = open("</a:t>
-            </a:r>
-            <a:r>
-              <a:rPr lang="en-US" sz="2400" dirty="0" err="1">
-                <a:solidFill>
-                  <a:schemeClr val="bg1">
-                    <a:lumMod val="50000"/>
-                  </a:schemeClr>
-                </a:solidFill>
-                <a:latin typeface="Consolas" panose="020B0609020204030204" pitchFamily="49" charset="0"/>
-              </a:rPr>
-              <a:t>data.txt</a:t>
-            </a:r>
-            <a:r>
-              <a:rPr lang="en-US" sz="2400" dirty="0">
-                <a:solidFill>
-                  <a:schemeClr val="bg1">
-                    <a:lumMod val="50000"/>
-                  </a:schemeClr>
-                </a:solidFill>
-                <a:latin typeface="Consolas" panose="020B0609020204030204" pitchFamily="49" charset="0"/>
-              </a:rPr>
-              <a:t>", "r")</a:t>
-            </a:r>
-            <a:endParaRPr lang="en-GB" sz="2400" dirty="0">
-              <a:solidFill>
-                <a:schemeClr val="bg1">
-                  <a:lumMod val="50000"/>
-                </a:schemeClr>
-              </a:solidFill>
-              <a:latin typeface="Consolas" panose="020B0609020204030204" pitchFamily="49" charset="0"/>
-            </a:endParaRPr>
-          </a:p>
-          <a:p>
-            <a:pPr marL="0" indent="0">
-              <a:buNone/>
-            </a:pPr>
-            <a:r>
-              <a:rPr lang="en-US" sz="2400" dirty="0">
-                <a:solidFill>
-                  <a:schemeClr val="bg1">
-                    <a:lumMod val="50000"/>
-                  </a:schemeClr>
-                </a:solidFill>
-                <a:latin typeface="Consolas" panose="020B0609020204030204" pitchFamily="49" charset="0"/>
-              </a:rPr>
-              <a:t>    print(</a:t>
-            </a:r>
-            <a:r>
-              <a:rPr lang="en-US" sz="2400" dirty="0" err="1">
-                <a:solidFill>
-                  <a:schemeClr val="bg1">
-                    <a:lumMod val="50000"/>
-                  </a:schemeClr>
-                </a:solidFill>
-                <a:latin typeface="Consolas" panose="020B0609020204030204" pitchFamily="49" charset="0"/>
-              </a:rPr>
-              <a:t>file.read</a:t>
-            </a:r>
-            <a:r>
-              <a:rPr lang="en-US" sz="2400" dirty="0">
-                <a:solidFill>
-                  <a:schemeClr val="bg1">
-                    <a:lumMod val="50000"/>
-                  </a:schemeClr>
-                </a:solidFill>
-                <a:latin typeface="Consolas" panose="020B0609020204030204" pitchFamily="49" charset="0"/>
-              </a:rPr>
-              <a:t>())</a:t>
-            </a:r>
-            <a:endParaRPr lang="en-GB" sz="2400" dirty="0">
-              <a:solidFill>
-                <a:schemeClr val="bg1">
-                  <a:lumMod val="50000"/>
-                </a:schemeClr>
-              </a:solidFill>
-              <a:latin typeface="Consolas" panose="020B0609020204030204" pitchFamily="49" charset="0"/>
-            </a:endParaRPr>
-          </a:p>
-          <a:p>
-            <a:pPr marL="0" indent="0">
-              <a:buNone/>
-            </a:pPr>
-            <a:r>
-              <a:rPr lang="en-US" sz="2400" dirty="0">
-                <a:latin typeface="Consolas" panose="020B0609020204030204" pitchFamily="49" charset="0"/>
-              </a:rPr>
-              <a:t>except </a:t>
-            </a:r>
-            <a:r>
-              <a:rPr lang="en-US" sz="2400" dirty="0" err="1">
-                <a:latin typeface="Consolas" panose="020B0609020204030204" pitchFamily="49" charset="0"/>
-              </a:rPr>
-              <a:t>FileNotFoundError</a:t>
-            </a:r>
-            <a:r>
-              <a:rPr lang="en-US" sz="2400" dirty="0">
-                <a:latin typeface="Consolas" panose="020B0609020204030204" pitchFamily="49" charset="0"/>
-              </a:rPr>
-              <a:t>:</a:t>
-            </a:r>
-            <a:endParaRPr lang="en-GB" sz="2400" dirty="0">
-              <a:latin typeface="Consolas" panose="020B0609020204030204" pitchFamily="49" charset="0"/>
-            </a:endParaRPr>
-          </a:p>
-          <a:p>
-            <a:pPr marL="0" indent="0">
-              <a:buNone/>
-            </a:pPr>
-            <a:r>
-              <a:rPr lang="en-US" sz="2400" dirty="0">
-                <a:solidFill>
-                  <a:schemeClr val="bg1">
-                    <a:lumMod val="50000"/>
-                  </a:schemeClr>
-                </a:solidFill>
-                <a:latin typeface="Consolas" panose="020B0609020204030204" pitchFamily="49" charset="0"/>
-              </a:rPr>
-              <a:t>    print(</a:t>
-            </a:r>
-            <a:r>
-              <a:rPr lang="en-GB" sz="2400" dirty="0">
-                <a:solidFill>
-                  <a:schemeClr val="bg1">
-                    <a:lumMod val="50000"/>
-                  </a:schemeClr>
-                </a:solidFill>
-                <a:latin typeface="Consolas" panose="020B0609020204030204" pitchFamily="49" charset="0"/>
-              </a:rPr>
-              <a:t>“</a:t>
-            </a:r>
-            <a:r>
-              <a:rPr lang="en-US" sz="2400" dirty="0">
-                <a:solidFill>
-                  <a:schemeClr val="bg1">
-                    <a:lumMod val="50000"/>
-                  </a:schemeClr>
-                </a:solidFill>
-                <a:latin typeface="Consolas" panose="020B0609020204030204" pitchFamily="49" charset="0"/>
-              </a:rPr>
-              <a:t>Error: File not </a:t>
-            </a:r>
-            <a:r>
-              <a:rPr lang="en-GB" sz="2400" dirty="0">
-                <a:solidFill>
-                  <a:schemeClr val="bg1">
-                    <a:lumMod val="50000"/>
-                  </a:schemeClr>
-                </a:solidFill>
-                <a:latin typeface="Consolas" panose="020B0609020204030204" pitchFamily="49" charset="0"/>
-              </a:rPr>
-              <a:t>found!”)</a:t>
-            </a:r>
-          </a:p>
-          <a:p>
-            <a:pPr marL="0" indent="0">
-              <a:buNone/>
-            </a:pPr>
-            <a:r>
-              <a:rPr lang="en-GB" sz="2400" dirty="0">
-                <a:latin typeface="Consolas" panose="020B0609020204030204" pitchFamily="49" charset="0"/>
-              </a:rPr>
-              <a:t>finally</a:t>
-            </a:r>
-            <a:r>
-              <a:rPr lang="en-US" sz="2400" dirty="0">
-                <a:latin typeface="Consolas" panose="020B0609020204030204" pitchFamily="49" charset="0"/>
-              </a:rPr>
-              <a:t>:</a:t>
-            </a:r>
-            <a:endParaRPr lang="en-GB" sz="2400" dirty="0">
-              <a:latin typeface="Consolas" panose="020B0609020204030204" pitchFamily="49" charset="0"/>
-            </a:endParaRPr>
-          </a:p>
-          <a:p>
-            <a:pPr marL="0" indent="0">
-              <a:buNone/>
-            </a:pPr>
-            <a:r>
-              <a:rPr lang="en-US" sz="2400" dirty="0">
-                <a:solidFill>
-                  <a:schemeClr val="bg1">
-                    <a:lumMod val="50000"/>
-                  </a:schemeClr>
-                </a:solidFill>
-                <a:latin typeface="Consolas" panose="020B0609020204030204" pitchFamily="49" charset="0"/>
-              </a:rPr>
-              <a:t>    </a:t>
-            </a:r>
-            <a:r>
-              <a:rPr lang="en-US" sz="2400" dirty="0" err="1">
-                <a:solidFill>
-                  <a:schemeClr val="bg1">
-                    <a:lumMod val="50000"/>
-                  </a:schemeClr>
-                </a:solidFill>
-                <a:latin typeface="Consolas" panose="020B0609020204030204" pitchFamily="49" charset="0"/>
-              </a:rPr>
-              <a:t>file.close</a:t>
-            </a:r>
-            <a:r>
-              <a:rPr lang="en-US" sz="2400" dirty="0">
-                <a:solidFill>
-                  <a:schemeClr val="bg1">
-                    <a:lumMod val="50000"/>
-                  </a:schemeClr>
-                </a:solidFill>
-                <a:latin typeface="Consolas" panose="020B0609020204030204" pitchFamily="49" charset="0"/>
-              </a:rPr>
-              <a:t>()  </a:t>
-            </a:r>
-            <a:endParaRPr lang="en-GB" sz="2400" dirty="0">
-              <a:solidFill>
-                <a:schemeClr val="bg1">
-                  <a:lumMod val="50000"/>
-                </a:schemeClr>
-              </a:solidFill>
-              <a:latin typeface="Consolas" panose="020B0609020204030204" pitchFamily="49" charset="0"/>
-            </a:endParaRPr>
-          </a:p>
-          <a:p>
-            <a:pPr marL="0" indent="0">
-              <a:buNone/>
-            </a:pPr>
-            <a:r>
-              <a:rPr lang="en-GB" sz="2400" dirty="0">
-                <a:solidFill>
-                  <a:schemeClr val="accent2">
-                    <a:lumMod val="50000"/>
-                  </a:schemeClr>
-                </a:solidFill>
-                <a:latin typeface="Consolas" panose="020B0609020204030204" pitchFamily="49" charset="0"/>
-              </a:rPr>
-              <a:t>    </a:t>
-            </a:r>
-            <a:r>
-              <a:rPr lang="en-US" sz="2400" dirty="0">
-                <a:solidFill>
-                  <a:schemeClr val="bg1">
-                    <a:lumMod val="50000"/>
-                  </a:schemeClr>
-                </a:solidFill>
-                <a:latin typeface="Consolas" panose="020B0609020204030204" pitchFamily="49" charset="0"/>
-              </a:rPr>
-              <a:t># Ensures file is always closed</a:t>
-            </a:r>
+                <a:latin typeface="Times New Roman" panose="02020503050405090304" pitchFamily="18" charset="0"/>
+                <a:cs typeface="Times New Roman" panose="02020503050405090304" pitchFamily="18" charset="0"/>
+              </a:rPr>
+              <a:t>&gt; evaluates to False, an exception is raised and &lt;message&gt; will be output </a:t>
+            </a:r>
+            <a:endParaRPr lang="en-US" sz="2400" dirty="0">
+              <a:latin typeface="Times New Roman" panose="02020503050405090304" pitchFamily="18" charset="0"/>
+              <a:cs typeface="Times New Roman" panose="02020503050405090304" pitchFamily="18" charset="0"/>
+            </a:endParaRPr>
+          </a:p>
+          <a:p>
+            <a:endParaRPr lang="en-US" sz="2400" dirty="0">
+              <a:latin typeface="Victor Mono Regular" panose="00000509000000000000" charset="0"/>
+              <a:cs typeface="Victor Mono Regular" panose="00000509000000000000" charset="0"/>
+            </a:endParaRPr>
           </a:p>
         </p:txBody>
       </p:sp>
     </p:spTree>
-    <p:extLst>
-      <p:ext uri="{BB962C8B-B14F-4D97-AF65-F5344CB8AC3E}">
-        <p14:creationId xmlns:p14="http://schemas.microsoft.com/office/powerpoint/2010/main" val="633989419"/>
-      </p:ext>
-    </p:extLst>
   </p:cSld>
   <p:clrMapOvr>
     <a:masterClrMapping/>
   </p:clrMapOvr>
+  <mc:AlternateContent xmlns:mc="http://schemas.openxmlformats.org/markup-compatibility/2006">
+    <mc:Choice xmlns:p15="http://schemas.microsoft.com/office/powerpoint/2012/main" Requires="p15">
+      <p:transition xmlns:p14="http://schemas.microsoft.com/office/powerpoint/2010/main" spd="slow" Requires="p14" p14:dur="1000">
+        <p15:prstTrans prst="peelOff"/>
+      </p:transition>
+    </mc:Choice>
+    <mc:Fallback>
+      <p:transition spd="slow">
+        <p:fade/>
+      </p:transition>
+    </mc:Fallback>
+  </mc:AlternateContent>
 </p:sld>
 </file>
 
@@ -4741,11 +4836,22 @@
           <a:p>
             <a:r>
               <a:rPr lang="en-US" sz="3200" dirty="0">
-                <a:latin typeface="Times New Roman" panose="02020603050405020304" pitchFamily="18" charset="0"/>
-                <a:cs typeface="Times New Roman" panose="02020603050405020304" pitchFamily="18" charset="0"/>
-              </a:rPr>
-              <a:t>Assert Statement</a:t>
-            </a:r>
+                <a:latin typeface="Times New Roman" panose="02020503050405090304" pitchFamily="18" charset="0"/>
+                <a:cs typeface="Times New Roman" panose="02020503050405090304" pitchFamily="18" charset="0"/>
+              </a:rPr>
+              <a:t>Assert Statement </a:t>
+            </a:r>
+            <a:r>
+              <a:rPr lang="en-US" sz="1600" dirty="0">
+                <a:latin typeface="Times New Roman" panose="02020503050405090304" pitchFamily="18" charset="0"/>
+                <a:cs typeface="Times New Roman" panose="02020503050405090304" pitchFamily="18" charset="0"/>
+              </a:rPr>
+              <a:t>(cont.)</a:t>
+            </a:r>
+            <a:endParaRPr lang="en-US" sz="1600" dirty="0">
+              <a:latin typeface="Times New Roman" panose="02020503050405090304" pitchFamily="18" charset="0"/>
+              <a:cs typeface="Times New Roman" panose="02020503050405090304" pitchFamily="18" charset="0"/>
+            </a:endParaRPr>
           </a:p>
         </p:txBody>
       </p:sp>
@@ -4778,8 +4884,8 @@
               <a:buNone/>
             </a:pPr>
             <a:endParaRPr lang="en-US" sz="1350" dirty="0">
-              <a:latin typeface="Times New Roman" panose="02020603050405020304" pitchFamily="18" charset="0"/>
-              <a:cs typeface="Times New Roman" panose="02020603050405020304" pitchFamily="18" charset="0"/>
+              <a:latin typeface="Times New Roman" panose="02020503050405090304" pitchFamily="18" charset="0"/>
+              <a:cs typeface="Times New Roman" panose="02020503050405090304" pitchFamily="18" charset="0"/>
             </a:endParaRPr>
           </a:p>
           <a:p>
@@ -4788,8 +4894,8 @@
               <a:buChar char="ü"/>
             </a:pPr>
             <a:endParaRPr lang="en-US" sz="1350" dirty="0">
-              <a:latin typeface="Times New Roman" panose="02020603050405020304" pitchFamily="18" charset="0"/>
-              <a:cs typeface="Times New Roman" panose="02020603050405020304" pitchFamily="18" charset="0"/>
+              <a:latin typeface="Times New Roman" panose="02020503050405090304" pitchFamily="18" charset="0"/>
+              <a:cs typeface="Times New Roman" panose="02020503050405090304" pitchFamily="18" charset="0"/>
             </a:endParaRPr>
           </a:p>
           <a:p>
@@ -4798,8 +4904,8 @@
               <a:buChar char="ü"/>
             </a:pPr>
             <a:endParaRPr lang="en-US" sz="1350" dirty="0">
-              <a:latin typeface="Times New Roman" panose="02020603050405020304" pitchFamily="18" charset="0"/>
-              <a:cs typeface="Times New Roman" panose="02020603050405020304" pitchFamily="18" charset="0"/>
+              <a:latin typeface="Times New Roman" panose="02020503050405090304" pitchFamily="18" charset="0"/>
+              <a:cs typeface="Times New Roman" panose="02020503050405090304" pitchFamily="18" charset="0"/>
             </a:endParaRPr>
           </a:p>
           <a:p>
@@ -4808,8 +4914,8 @@
               <a:buChar char="ü"/>
             </a:pPr>
             <a:endParaRPr lang="en-US" sz="1350" dirty="0">
-              <a:latin typeface="Times New Roman" panose="02020603050405020304" pitchFamily="18" charset="0"/>
-              <a:cs typeface="Times New Roman" panose="02020603050405020304" pitchFamily="18" charset="0"/>
+              <a:latin typeface="Times New Roman" panose="02020503050405090304" pitchFamily="18" charset="0"/>
+              <a:cs typeface="Times New Roman" panose="02020503050405090304" pitchFamily="18" charset="0"/>
             </a:endParaRPr>
           </a:p>
         </p:txBody>
@@ -4822,8 +4928,8 @@
         </p:nvSpPr>
         <p:spPr>
           <a:xfrm>
-            <a:off x="372405" y="902602"/>
-            <a:ext cx="8271428" cy="6063198"/>
+            <a:off x="98425" y="902335"/>
+            <a:ext cx="9045575" cy="3938270"/>
           </a:xfrm>
           <a:prstGeom prst="rect">
             <a:avLst/>
@@ -4835,527 +4941,320 @@
           </a:bodyPr>
           <a:lstStyle/>
           <a:p>
-            <a:pPr marL="214313" indent="-214313">
+            <a:pPr indent="0">
               <a:lnSpc>
                 <a:spcPct val="150000"/>
               </a:lnSpc>
               <a:buFont typeface="Wingdings" panose="05000000000000000000" pitchFamily="2" charset="2"/>
-              <a:buChar char="ü"/>
+              <a:buNone/>
             </a:pPr>
             <a:r>
               <a:rPr lang="en-US" sz="2000" dirty="0">
-                <a:latin typeface="Times New Roman" panose="02020603050405020304" pitchFamily="18" charset="0"/>
-                <a:cs typeface="Times New Roman" panose="02020603050405020304" pitchFamily="18" charset="0"/>
-              </a:rPr>
-              <a:t>The assert statement is intended for debugging statements </a:t>
-            </a:r>
-          </a:p>
-          <a:p>
-            <a:pPr marL="214313" indent="-214313">
-              <a:lnSpc>
-                <a:spcPct val="150000"/>
-              </a:lnSpc>
-              <a:buFont typeface="Wingdings" panose="05000000000000000000" pitchFamily="2" charset="2"/>
-              <a:buChar char="ü"/>
-            </a:pPr>
+                <a:latin typeface="Times New Roman" panose="02020503050405090304" pitchFamily="18" charset="0"/>
+                <a:cs typeface="Times New Roman" panose="02020503050405090304" pitchFamily="18" charset="0"/>
+              </a:rPr>
+              <a:t>Example:</a:t>
+            </a:r>
+            <a:endParaRPr lang="en-US" sz="2000" dirty="0">
+              <a:latin typeface="Times New Roman" panose="02020503050405090304" pitchFamily="18" charset="0"/>
+              <a:cs typeface="Times New Roman" panose="02020503050405090304" pitchFamily="18" charset="0"/>
+            </a:endParaRPr>
+          </a:p>
+          <a:p>
             <a:r>
               <a:rPr lang="en-US" sz="2000" dirty="0">
-                <a:latin typeface="Times New Roman" panose="02020603050405020304" pitchFamily="18" charset="0"/>
-                <a:cs typeface="Times New Roman" panose="02020603050405020304" pitchFamily="18" charset="0"/>
-              </a:rPr>
-              <a:t>It raises an exception as soon as the condition is False </a:t>
-            </a:r>
-          </a:p>
-          <a:p>
-            <a:pPr marL="214313" indent="-214313">
-              <a:lnSpc>
-                <a:spcPct val="150000"/>
-              </a:lnSpc>
-              <a:buFont typeface="Wingdings" panose="05000000000000000000" pitchFamily="2" charset="2"/>
-              <a:buChar char="ü"/>
-            </a:pPr>
+                <a:latin typeface="Victor Mono Regular" panose="00000509000000000000" charset="0"/>
+                <a:cs typeface="Victor Mono Regular" panose="00000509000000000000" charset="0"/>
+              </a:rPr>
+              <a:t>while (</a:t>
+            </a:r>
             <a:r>
               <a:rPr lang="en-US" sz="2000" dirty="0">
-                <a:latin typeface="Times New Roman" panose="02020603050405020304" pitchFamily="18" charset="0"/>
-                <a:cs typeface="Times New Roman" panose="02020603050405020304" pitchFamily="18" charset="0"/>
-              </a:rPr>
-              <a:t>The caller gets an exception which will go into </a:t>
-            </a:r>
-            <a:r>
-              <a:rPr lang="en-US" sz="2000" b="1" dirty="0" err="1">
-                <a:latin typeface="Times New Roman" panose="02020603050405020304" pitchFamily="18" charset="0"/>
-                <a:cs typeface="Times New Roman" panose="02020603050405020304" pitchFamily="18" charset="0"/>
-              </a:rPr>
-              <a:t>stderr</a:t>
-            </a:r>
-            <a:r>
+                <a:latin typeface="Victor Mono Regular" panose="00000509000000000000" charset="0"/>
+                <a:cs typeface="Victor Mono Regular" panose="00000509000000000000" charset="0"/>
+              </a:rPr>
+              <a:t>True):</a:t>
+            </a:r>
+            <a:br>
               <a:rPr lang="en-US" sz="2000" dirty="0">
-                <a:latin typeface="Times New Roman" panose="02020603050405020304" pitchFamily="18" charset="0"/>
-                <a:cs typeface="Times New Roman" panose="02020603050405020304" pitchFamily="18" charset="0"/>
-              </a:rPr>
-              <a:t> or </a:t>
-            </a:r>
-            <a:r>
-              <a:rPr lang="en-US" sz="2000" b="1" dirty="0">
-                <a:latin typeface="Times New Roman" panose="02020603050405020304" pitchFamily="18" charset="0"/>
-                <a:cs typeface="Times New Roman" panose="02020603050405020304" pitchFamily="18" charset="0"/>
-              </a:rPr>
-              <a:t>syslog</a:t>
-            </a:r>
-          </a:p>
-          <a:p>
-            <a:pPr>
-              <a:lnSpc>
-                <a:spcPct val="150000"/>
-              </a:lnSpc>
-            </a:pPr>
-            <a:r>
-              <a:rPr lang="en-US" sz="1600" dirty="0">
-                <a:solidFill>
-                  <a:srgbClr val="7030A0"/>
-                </a:solidFill>
-                <a:latin typeface="Consolas" panose="020B0609020204030204" pitchFamily="49" charset="0"/>
-                <a:cs typeface="Times New Roman" panose="02020603050405020304" pitchFamily="18" charset="0"/>
-              </a:rPr>
-              <a:t>	</a:t>
-            </a:r>
-            <a:r>
-              <a:rPr lang="en-IN" sz="1600" dirty="0">
-                <a:solidFill>
-                  <a:srgbClr val="7030A0"/>
-                </a:solidFill>
-                <a:latin typeface="Consolas" panose="020B0609020204030204" pitchFamily="49" charset="0"/>
-                <a:cs typeface="Times New Roman" panose="02020603050405020304" pitchFamily="18" charset="0"/>
-              </a:rPr>
-              <a:t>a</a:t>
-            </a:r>
-            <a:r>
-              <a:rPr lang="en-US" sz="1600" dirty="0" err="1">
-                <a:solidFill>
-                  <a:srgbClr val="7030A0"/>
-                </a:solidFill>
-                <a:latin typeface="Consolas" panose="020B0609020204030204" pitchFamily="49" charset="0"/>
-                <a:cs typeface="Times New Roman" panose="02020603050405020304" pitchFamily="18" charset="0"/>
-              </a:rPr>
-              <a:t>ssert</a:t>
-            </a:r>
-            <a:r>
-              <a:rPr lang="en-US" sz="1600" dirty="0">
-                <a:solidFill>
-                  <a:srgbClr val="7030A0"/>
-                </a:solidFill>
-                <a:latin typeface="Consolas" panose="020B0609020204030204" pitchFamily="49" charset="0"/>
-                <a:cs typeface="Times New Roman" panose="02020603050405020304" pitchFamily="18" charset="0"/>
-              </a:rPr>
-              <a:t> &lt;</a:t>
-            </a:r>
-            <a:r>
-              <a:rPr lang="en-US" sz="1600" dirty="0" err="1">
-                <a:solidFill>
-                  <a:srgbClr val="7030A0"/>
-                </a:solidFill>
-                <a:latin typeface="Consolas" panose="020B0609020204030204" pitchFamily="49" charset="0"/>
-                <a:cs typeface="Times New Roman" panose="02020603050405020304" pitchFamily="18" charset="0"/>
-              </a:rPr>
-              <a:t>some_test</a:t>
-            </a:r>
-            <a:r>
-              <a:rPr lang="en-US" sz="1600" dirty="0">
-                <a:solidFill>
-                  <a:srgbClr val="7030A0"/>
-                </a:solidFill>
-                <a:latin typeface="Consolas" panose="020B0609020204030204" pitchFamily="49" charset="0"/>
-                <a:cs typeface="Times New Roman" panose="02020603050405020304" pitchFamily="18" charset="0"/>
-              </a:rPr>
-              <a:t>&gt;, &lt;message&gt;</a:t>
-            </a:r>
-          </a:p>
-          <a:p>
-            <a:pPr marL="214313" indent="-214313">
-              <a:buFont typeface="Wingdings" panose="05000000000000000000" pitchFamily="2" charset="2"/>
-              <a:buChar char="ü"/>
-            </a:pPr>
+                <a:latin typeface="Victor Mono Regular" panose="00000509000000000000" charset="0"/>
+                <a:cs typeface="Victor Mono Regular" panose="00000509000000000000" charset="0"/>
+              </a:rPr>
+            </a:br>
             <a:r>
               <a:rPr lang="en-US" sz="2000" dirty="0">
-                <a:latin typeface="Times New Roman" panose="02020603050405020304" pitchFamily="18" charset="0"/>
-                <a:cs typeface="Times New Roman" panose="02020603050405020304" pitchFamily="18" charset="0"/>
-              </a:rPr>
-              <a:t>The line above can be "read" as: If &lt;</a:t>
+                <a:latin typeface="Victor Mono Regular" panose="00000509000000000000" charset="0"/>
+                <a:cs typeface="Victor Mono Regular" panose="00000509000000000000" charset="0"/>
+              </a:rPr>
+              <a:t>    try:</a:t>
+            </a:r>
+            <a:br>
+              <a:rPr lang="en-US" sz="2000" dirty="0">
+                <a:latin typeface="Victor Mono Regular" panose="00000509000000000000" charset="0"/>
+                <a:cs typeface="Victor Mono Regular" panose="00000509000000000000" charset="0"/>
+              </a:rPr>
+            </a:br>
+            <a:r>
+              <a:rPr lang="en-US" sz="2000" dirty="0">
+                <a:latin typeface="Victor Mono Regular" panose="00000509000000000000" charset="0"/>
+                <a:cs typeface="Victor Mono Regular" panose="00000509000000000000" charset="0"/>
+              </a:rPr>
+              <a:t>        x=</a:t>
             </a:r>
             <a:r>
               <a:rPr lang="en-US" sz="2000" dirty="0" err="1">
-                <a:latin typeface="Times New Roman" panose="02020603050405020304" pitchFamily="18" charset="0"/>
-                <a:cs typeface="Times New Roman" panose="02020603050405020304" pitchFamily="18" charset="0"/>
-              </a:rPr>
-              <a:t>some_test</a:t>
+                <a:latin typeface="Victor Mono Regular" panose="00000509000000000000" charset="0"/>
+                <a:cs typeface="Victor Mono Regular" panose="00000509000000000000" charset="0"/>
+              </a:rPr>
+              <a:t>int</a:t>
             </a:r>
             <a:r>
               <a:rPr lang="en-US" sz="2000" dirty="0">
-                <a:latin typeface="Times New Roman" panose="02020603050405020304" pitchFamily="18" charset="0"/>
-                <a:cs typeface="Times New Roman" panose="02020603050405020304" pitchFamily="18" charset="0"/>
-              </a:rPr>
-              <a:t>&gt; evaluates to False, an exception is raised and &lt;message&gt; will be output </a:t>
-            </a:r>
-          </a:p>
-          <a:p>
-            <a:endParaRPr lang="en-US" dirty="0">
-              <a:latin typeface="Times New Roman" panose="02020603050405020304" pitchFamily="18" charset="0"/>
-              <a:cs typeface="Times New Roman" panose="02020603050405020304" pitchFamily="18" charset="0"/>
-            </a:endParaRPr>
-          </a:p>
-          <a:p>
-            <a:r>
-              <a:rPr lang="en-US" dirty="0">
-                <a:latin typeface="Times New Roman" panose="02020603050405020304" pitchFamily="18" charset="0"/>
-                <a:cs typeface="Times New Roman" panose="02020603050405020304" pitchFamily="18" charset="0"/>
-              </a:rPr>
-              <a:t>Example:</a:t>
-            </a:r>
-          </a:p>
-          <a:p>
-            <a:r>
-              <a:rPr lang="en-US" b="1" dirty="0">
-                <a:latin typeface="Consolas" panose="020B0609020204030204" pitchFamily="49" charset="0"/>
-              </a:rPr>
-              <a:t>while </a:t>
-            </a:r>
-            <a:r>
-              <a:rPr lang="en-US" dirty="0">
-                <a:latin typeface="Consolas" panose="020B0609020204030204" pitchFamily="49" charset="0"/>
-              </a:rPr>
-              <a:t>(</a:t>
-            </a:r>
-            <a:r>
-              <a:rPr lang="en-US" b="1" dirty="0">
-                <a:latin typeface="Consolas" panose="020B0609020204030204" pitchFamily="49" charset="0"/>
-              </a:rPr>
-              <a:t>True</a:t>
-            </a:r>
-            <a:r>
-              <a:rPr lang="en-US" dirty="0">
-                <a:latin typeface="Consolas" panose="020B0609020204030204" pitchFamily="49" charset="0"/>
-              </a:rPr>
-              <a:t>):</a:t>
+                <a:latin typeface="Victor Mono Regular" panose="00000509000000000000" charset="0"/>
+                <a:cs typeface="Victor Mono Regular" panose="00000509000000000000" charset="0"/>
+              </a:rPr>
+              <a:t>( input("input value for x:\n"</a:t>
+            </a:r>
+            <a:r>
+              <a:rPr lang="en-US" sz="2000" dirty="0">
+                <a:latin typeface="Victor Mono Regular" panose="00000509000000000000" charset="0"/>
+                <a:cs typeface="Victor Mono Regular" panose="00000509000000000000" charset="0"/>
+              </a:rPr>
+              <a:t>))</a:t>
             </a:r>
             <a:br>
-              <a:rPr lang="en-US" dirty="0">
-                <a:latin typeface="Consolas" panose="020B0609020204030204" pitchFamily="49" charset="0"/>
+              <a:rPr lang="en-US" sz="2000" dirty="0">
+                <a:latin typeface="Victor Mono Regular" panose="00000509000000000000" charset="0"/>
+                <a:cs typeface="Victor Mono Regular" panose="00000509000000000000" charset="0"/>
               </a:rPr>
             </a:br>
             <a:r>
-              <a:rPr lang="en-US" dirty="0">
-                <a:latin typeface="Consolas" panose="020B0609020204030204" pitchFamily="49" charset="0"/>
-              </a:rPr>
-              <a:t>    </a:t>
-            </a:r>
-            <a:r>
-              <a:rPr lang="en-US" b="1" dirty="0">
-                <a:latin typeface="Consolas" panose="020B0609020204030204" pitchFamily="49" charset="0"/>
-              </a:rPr>
-              <a:t>try</a:t>
-            </a:r>
-            <a:r>
-              <a:rPr lang="en-US" dirty="0">
-                <a:latin typeface="Consolas" panose="020B0609020204030204" pitchFamily="49" charset="0"/>
-              </a:rPr>
-              <a:t>:</a:t>
+              <a:rPr lang="en-US" sz="2000" dirty="0">
+                <a:latin typeface="Victor Mono Regular" panose="00000509000000000000" charset="0"/>
+                <a:cs typeface="Victor Mono Regular" panose="00000509000000000000" charset="0"/>
+              </a:rPr>
+              <a:t>        assert(x&gt;500)</a:t>
+            </a:r>
+            <a:r>
+              <a:rPr lang="en-GB" sz="2000" dirty="0">
+                <a:latin typeface="Victor Mono Regular" panose="00000509000000000000" charset="0"/>
+                <a:cs typeface="Victor Mono Regular" panose="00000509000000000000" charset="0"/>
+              </a:rPr>
+              <a:t> </a:t>
+            </a:r>
+            <a:r>
+              <a:rPr lang="en-US" sz="2000" dirty="0">
+                <a:latin typeface="Victor Mono Regular" panose="00000509000000000000" charset="0"/>
+                <a:cs typeface="Victor Mono Regular" panose="00000509000000000000" charset="0"/>
+              </a:rPr>
+              <a:t>,</a:t>
+            </a:r>
+            <a:r>
+              <a:rPr lang="en-GB" sz="2000" dirty="0">
+                <a:latin typeface="Victor Mono Regular" panose="00000509000000000000" charset="0"/>
+                <a:cs typeface="Victor Mono Regular" panose="00000509000000000000" charset="0"/>
+              </a:rPr>
+              <a:t> </a:t>
+            </a:r>
+            <a:r>
+              <a:rPr lang="en-US" sz="2000" dirty="0">
+                <a:latin typeface="Victor Mono Regular" panose="00000509000000000000" charset="0"/>
+                <a:cs typeface="Victor Mono Regular" panose="00000509000000000000" charset="0"/>
+              </a:rPr>
+              <a:t>"Value must be greater than 500"</a:t>
             </a:r>
             <a:br>
-              <a:rPr lang="en-US" dirty="0">
-                <a:latin typeface="Consolas" panose="020B0609020204030204" pitchFamily="49" charset="0"/>
+              <a:rPr lang="en-US" sz="2000" dirty="0">
+                <a:latin typeface="Victor Mono Regular" panose="00000509000000000000" charset="0"/>
+                <a:cs typeface="Victor Mono Regular" panose="00000509000000000000" charset="0"/>
               </a:rPr>
             </a:br>
             <a:r>
-              <a:rPr lang="en-US" dirty="0">
-                <a:latin typeface="Consolas" panose="020B0609020204030204" pitchFamily="49" charset="0"/>
-              </a:rPr>
-              <a:t>        x=</a:t>
-            </a:r>
-            <a:r>
-              <a:rPr lang="en-US" dirty="0" err="1">
-                <a:latin typeface="Consolas" panose="020B0609020204030204" pitchFamily="49" charset="0"/>
+              <a:rPr lang="en-US" sz="2000" dirty="0">
+                <a:latin typeface="Victor Mono Regular" panose="00000509000000000000" charset="0"/>
+                <a:cs typeface="Victor Mono Regular" panose="00000509000000000000" charset="0"/>
+              </a:rPr>
+              <a:t>        y=</a:t>
+            </a:r>
+            <a:r>
+              <a:rPr lang="en-US" sz="2000" dirty="0" err="1">
+                <a:latin typeface="Victor Mono Regular" panose="00000509000000000000" charset="0"/>
+                <a:cs typeface="Victor Mono Regular" panose="00000509000000000000" charset="0"/>
               </a:rPr>
               <a:t>int</a:t>
             </a:r>
             <a:r>
-              <a:rPr lang="en-US" dirty="0">
-                <a:latin typeface="Consolas" panose="020B0609020204030204" pitchFamily="49" charset="0"/>
-              </a:rPr>
-              <a:t>( input(</a:t>
-            </a:r>
-            <a:r>
-              <a:rPr lang="en-US" b="1" dirty="0">
-                <a:latin typeface="Consolas" panose="020B0609020204030204" pitchFamily="49" charset="0"/>
-              </a:rPr>
-              <a:t>"input value for x:\n"</a:t>
-            </a:r>
-            <a:r>
-              <a:rPr lang="en-US" dirty="0">
-                <a:latin typeface="Consolas" panose="020B0609020204030204" pitchFamily="49" charset="0"/>
-              </a:rPr>
-              <a:t>))</a:t>
+              <a:rPr lang="en-US" sz="2000" dirty="0">
+                <a:latin typeface="Victor Mono Regular" panose="00000509000000000000" charset="0"/>
+                <a:cs typeface="Victor Mono Regular" panose="00000509000000000000" charset="0"/>
+              </a:rPr>
+              <a:t> (input (</a:t>
+            </a:r>
+            <a:r>
+              <a:rPr lang="en-US" sz="2000" dirty="0">
+                <a:latin typeface="Victor Mono Regular" panose="00000509000000000000" charset="0"/>
+                <a:cs typeface="Victor Mono Regular" panose="00000509000000000000" charset="0"/>
+              </a:rPr>
+              <a:t>"input value of y:\n"))</a:t>
             </a:r>
             <a:br>
-              <a:rPr lang="en-US" dirty="0">
-                <a:latin typeface="Consolas" panose="020B0609020204030204" pitchFamily="49" charset="0"/>
+              <a:rPr lang="en-US" sz="2000" dirty="0">
+                <a:latin typeface="Victor Mono Regular" panose="00000509000000000000" charset="0"/>
+                <a:cs typeface="Victor Mono Regular" panose="00000509000000000000" charset="0"/>
               </a:rPr>
             </a:br>
             <a:r>
-              <a:rPr lang="en-US" dirty="0">
-                <a:latin typeface="Consolas" panose="020B0609020204030204" pitchFamily="49" charset="0"/>
+              <a:rPr lang="en-US" sz="2000" dirty="0">
+                <a:latin typeface="Victor Mono Regular" panose="00000509000000000000" charset="0"/>
+                <a:cs typeface="Victor Mono Regular" panose="00000509000000000000" charset="0"/>
+              </a:rPr>
+              <a:t>        z=x/y</a:t>
+            </a:r>
+            <a:br>
+              <a:rPr lang="en-US" sz="2000" dirty="0">
+                <a:latin typeface="Victor Mono Regular" panose="00000509000000000000" charset="0"/>
+                <a:cs typeface="Victor Mono Regular" panose="00000509000000000000" charset="0"/>
+              </a:rPr>
+            </a:br>
+            <a:r>
+              <a:rPr lang="en-US" sz="2000" dirty="0">
+                <a:latin typeface="Victor Mono Regular" panose="00000509000000000000" charset="0"/>
+                <a:cs typeface="Victor Mono Regular" panose="00000509000000000000" charset="0"/>
+              </a:rPr>
+              <a:t>        print("result is:"+</a:t>
+            </a:r>
+            <a:r>
+              <a:rPr lang="en-US" sz="2000" dirty="0" err="1">
+                <a:latin typeface="Victor Mono Regular" panose="00000509000000000000" charset="0"/>
+                <a:cs typeface="Victor Mono Regular" panose="00000509000000000000" charset="0"/>
+              </a:rPr>
+              <a:t>str</a:t>
+            </a:r>
+            <a:r>
+              <a:rPr lang="en-US" sz="2000" dirty="0">
+                <a:latin typeface="Victor Mono Regular" panose="00000509000000000000" charset="0"/>
+                <a:cs typeface="Victor Mono Regular" panose="00000509000000000000" charset="0"/>
+              </a:rPr>
+              <a:t>(z))</a:t>
+            </a:r>
+            <a:br>
+              <a:rPr lang="en-US" sz="2000" dirty="0">
+                <a:latin typeface="Victor Mono Regular" panose="00000509000000000000" charset="0"/>
+                <a:cs typeface="Victor Mono Regular" panose="00000509000000000000" charset="0"/>
+              </a:rPr>
+            </a:br>
+            <a:r>
+              <a:rPr lang="en-US" sz="2000" dirty="0">
+                <a:latin typeface="Victor Mono Regular" panose="00000509000000000000" charset="0"/>
+                <a:cs typeface="Victor Mono Regular" panose="00000509000000000000" charset="0"/>
+              </a:rPr>
+              <a:t>    except (</a:t>
+            </a:r>
+            <a:r>
+              <a:rPr lang="en-US" sz="2000" dirty="0" err="1">
+                <a:latin typeface="Victor Mono Regular" panose="00000509000000000000" charset="0"/>
+                <a:cs typeface="Victor Mono Regular" panose="00000509000000000000" charset="0"/>
+              </a:rPr>
+              <a:t>ZeroDivisionError</a:t>
+            </a:r>
+            <a:r>
+              <a:rPr lang="en-US" sz="2000" dirty="0">
+                <a:latin typeface="Victor Mono Regular" panose="00000509000000000000" charset="0"/>
+                <a:cs typeface="Victor Mono Regular" panose="00000509000000000000" charset="0"/>
+              </a:rPr>
+              <a:t> ,</a:t>
+            </a:r>
+            <a:r>
+              <a:rPr lang="en-US" sz="2000" dirty="0" err="1">
+                <a:latin typeface="Victor Mono Regular" panose="00000509000000000000" charset="0"/>
+                <a:cs typeface="Victor Mono Regular" panose="00000509000000000000" charset="0"/>
+              </a:rPr>
+              <a:t>ValueError,AssertionError</a:t>
+            </a:r>
+            <a:r>
+              <a:rPr lang="en-US" sz="2000" dirty="0">
+                <a:latin typeface="Victor Mono Regular" panose="00000509000000000000" charset="0"/>
+                <a:cs typeface="Victor Mono Regular" panose="00000509000000000000" charset="0"/>
+              </a:rPr>
+              <a:t> ) as </a:t>
+            </a:r>
+            <a:r>
+              <a:rPr lang="en-US" sz="2000" dirty="0">
+                <a:latin typeface="Victor Mono Regular" panose="00000509000000000000" charset="0"/>
+                <a:cs typeface="Victor Mono Regular" panose="00000509000000000000" charset="0"/>
+              </a:rPr>
+              <a:t>v:</a:t>
+            </a:r>
+            <a:br>
+              <a:rPr lang="en-US" sz="2000" dirty="0">
+                <a:latin typeface="Victor Mono Regular" panose="00000509000000000000" charset="0"/>
+                <a:cs typeface="Victor Mono Regular" panose="00000509000000000000" charset="0"/>
+              </a:rPr>
+            </a:br>
+            <a:r>
+              <a:rPr lang="en-US" sz="2000" dirty="0">
+                <a:latin typeface="Victor Mono Regular" panose="00000509000000000000" charset="0"/>
+                <a:cs typeface="Victor Mono Regular" panose="00000509000000000000" charset="0"/>
+              </a:rPr>
+              <a:t>        print(v)</a:t>
+            </a:r>
+            <a:br>
+              <a:rPr lang="en-US" sz="2000" dirty="0">
+                <a:latin typeface="Victor Mono Regular" panose="00000509000000000000" charset="0"/>
+                <a:cs typeface="Victor Mono Regular" panose="00000509000000000000" charset="0"/>
+              </a:rPr>
+            </a:br>
+            <a:r>
+              <a:rPr lang="en-US" sz="2000" dirty="0">
+                <a:latin typeface="Victor Mono Regular" panose="00000509000000000000" charset="0"/>
+                <a:cs typeface="Victor Mono Regular" panose="00000509000000000000" charset="0"/>
+              </a:rPr>
+              <a:t>    else:</a:t>
+            </a:r>
+            <a:br>
+              <a:rPr lang="en-US" sz="2000" dirty="0">
+                <a:latin typeface="Victor Mono Regular" panose="00000509000000000000" charset="0"/>
+                <a:cs typeface="Victor Mono Regular" panose="00000509000000000000" charset="0"/>
+              </a:rPr>
+            </a:br>
+            <a:r>
+              <a:rPr lang="en-US" sz="2000" dirty="0">
+                <a:latin typeface="Victor Mono Regular" panose="00000509000000000000" charset="0"/>
+                <a:cs typeface="Victor Mono Regular" panose="00000509000000000000" charset="0"/>
               </a:rPr>
               <a:t>        </a:t>
             </a:r>
             <a:r>
-              <a:rPr lang="en-US" b="1" dirty="0">
-                <a:latin typeface="Consolas" panose="020B0609020204030204" pitchFamily="49" charset="0"/>
-              </a:rPr>
-              <a:t>assert</a:t>
-            </a:r>
-            <a:r>
-              <a:rPr lang="en-US" dirty="0">
-                <a:latin typeface="Consolas" panose="020B0609020204030204" pitchFamily="49" charset="0"/>
-              </a:rPr>
-              <a:t>(x&gt;500)</a:t>
-            </a:r>
-            <a:r>
-              <a:rPr lang="en-GB" dirty="0">
-                <a:latin typeface="Consolas" panose="020B0609020204030204" pitchFamily="49" charset="0"/>
-              </a:rPr>
-              <a:t> </a:t>
-            </a:r>
-            <a:r>
-              <a:rPr lang="en-US" dirty="0">
-                <a:latin typeface="Consolas" panose="020B0609020204030204" pitchFamily="49" charset="0"/>
-              </a:rPr>
-              <a:t>,</a:t>
-            </a:r>
-            <a:r>
-              <a:rPr lang="en-GB" dirty="0">
-                <a:latin typeface="Consolas" panose="020B0609020204030204" pitchFamily="49" charset="0"/>
-              </a:rPr>
-              <a:t> </a:t>
-            </a:r>
-            <a:r>
-              <a:rPr lang="en-US" b="1" dirty="0">
-                <a:latin typeface="Consolas" panose="020B0609020204030204" pitchFamily="49" charset="0"/>
-              </a:rPr>
-              <a:t>"Value must be greater than 500"</a:t>
-            </a:r>
-            <a:br>
-              <a:rPr lang="en-US" b="1" dirty="0">
-                <a:latin typeface="Consolas" panose="020B0609020204030204" pitchFamily="49" charset="0"/>
-              </a:rPr>
-            </a:br>
-            <a:r>
-              <a:rPr lang="en-US" b="1" dirty="0">
-                <a:latin typeface="Consolas" panose="020B0609020204030204" pitchFamily="49" charset="0"/>
-              </a:rPr>
-              <a:t>        </a:t>
-            </a:r>
-            <a:r>
-              <a:rPr lang="en-US" dirty="0">
-                <a:latin typeface="Consolas" panose="020B0609020204030204" pitchFamily="49" charset="0"/>
-              </a:rPr>
-              <a:t>y=</a:t>
-            </a:r>
-            <a:r>
-              <a:rPr lang="en-US" dirty="0" err="1">
-                <a:latin typeface="Consolas" panose="020B0609020204030204" pitchFamily="49" charset="0"/>
-              </a:rPr>
-              <a:t>int</a:t>
-            </a:r>
-            <a:r>
-              <a:rPr lang="en-US" dirty="0">
-                <a:latin typeface="Consolas" panose="020B0609020204030204" pitchFamily="49" charset="0"/>
-              </a:rPr>
-              <a:t> (input (</a:t>
-            </a:r>
-            <a:r>
-              <a:rPr lang="en-US" b="1" dirty="0">
-                <a:latin typeface="Consolas" panose="020B0609020204030204" pitchFamily="49" charset="0"/>
-              </a:rPr>
-              <a:t>"input value of y:\n"</a:t>
-            </a:r>
-            <a:r>
-              <a:rPr lang="en-US" dirty="0">
-                <a:latin typeface="Consolas" panose="020B0609020204030204" pitchFamily="49" charset="0"/>
-              </a:rPr>
-              <a:t>))</a:t>
-            </a:r>
-            <a:br>
-              <a:rPr lang="en-US" dirty="0">
-                <a:latin typeface="Consolas" panose="020B0609020204030204" pitchFamily="49" charset="0"/>
-              </a:rPr>
-            </a:br>
-            <a:r>
-              <a:rPr lang="en-US" dirty="0">
-                <a:latin typeface="Consolas" panose="020B0609020204030204" pitchFamily="49" charset="0"/>
-              </a:rPr>
-              <a:t>        z=x/y</a:t>
-            </a:r>
-            <a:br>
-              <a:rPr lang="en-US" dirty="0">
-                <a:latin typeface="Consolas" panose="020B0609020204030204" pitchFamily="49" charset="0"/>
-              </a:rPr>
-            </a:br>
-            <a:r>
-              <a:rPr lang="en-US" dirty="0">
-                <a:latin typeface="Consolas" panose="020B0609020204030204" pitchFamily="49" charset="0"/>
-              </a:rPr>
-              <a:t>        print(</a:t>
-            </a:r>
-            <a:r>
-              <a:rPr lang="en-US" b="1" dirty="0">
-                <a:latin typeface="Consolas" panose="020B0609020204030204" pitchFamily="49" charset="0"/>
-              </a:rPr>
-              <a:t>"result is:"</a:t>
-            </a:r>
-            <a:r>
-              <a:rPr lang="en-US" dirty="0">
-                <a:latin typeface="Consolas" panose="020B0609020204030204" pitchFamily="49" charset="0"/>
-              </a:rPr>
-              <a:t>+</a:t>
-            </a:r>
-            <a:r>
-              <a:rPr lang="en-US" dirty="0" err="1">
-                <a:latin typeface="Consolas" panose="020B0609020204030204" pitchFamily="49" charset="0"/>
-              </a:rPr>
-              <a:t>str</a:t>
-            </a:r>
-            <a:r>
-              <a:rPr lang="en-US" dirty="0">
-                <a:latin typeface="Consolas" panose="020B0609020204030204" pitchFamily="49" charset="0"/>
-              </a:rPr>
-              <a:t>(z))</a:t>
-            </a:r>
-            <a:br>
-              <a:rPr lang="en-US" dirty="0">
-                <a:latin typeface="Consolas" panose="020B0609020204030204" pitchFamily="49" charset="0"/>
-              </a:rPr>
-            </a:br>
-            <a:r>
-              <a:rPr lang="en-US" dirty="0">
-                <a:latin typeface="Consolas" panose="020B0609020204030204" pitchFamily="49" charset="0"/>
-              </a:rPr>
-              <a:t>    </a:t>
-            </a:r>
-            <a:r>
-              <a:rPr lang="en-US" b="1" dirty="0">
-                <a:latin typeface="Consolas" panose="020B0609020204030204" pitchFamily="49" charset="0"/>
-              </a:rPr>
-              <a:t>except </a:t>
-            </a:r>
-            <a:r>
-              <a:rPr lang="en-US" dirty="0">
-                <a:latin typeface="Consolas" panose="020B0609020204030204" pitchFamily="49" charset="0"/>
-              </a:rPr>
-              <a:t>(</a:t>
-            </a:r>
-            <a:r>
-              <a:rPr lang="en-US" dirty="0" err="1">
-                <a:latin typeface="Consolas" panose="020B0609020204030204" pitchFamily="49" charset="0"/>
-              </a:rPr>
-              <a:t>ZeroDivisionError</a:t>
-            </a:r>
-            <a:r>
-              <a:rPr lang="en-US" dirty="0">
-                <a:latin typeface="Consolas" panose="020B0609020204030204" pitchFamily="49" charset="0"/>
-              </a:rPr>
-              <a:t> ,</a:t>
-            </a:r>
-            <a:r>
-              <a:rPr lang="en-US" dirty="0" err="1">
-                <a:latin typeface="Consolas" panose="020B0609020204030204" pitchFamily="49" charset="0"/>
-              </a:rPr>
-              <a:t>ValueError,AssertionError</a:t>
-            </a:r>
-            <a:r>
-              <a:rPr lang="en-US" dirty="0">
-                <a:latin typeface="Consolas" panose="020B0609020204030204" pitchFamily="49" charset="0"/>
-              </a:rPr>
-              <a:t> ) </a:t>
-            </a:r>
-            <a:r>
-              <a:rPr lang="en-US" b="1" dirty="0">
-                <a:latin typeface="Consolas" panose="020B0609020204030204" pitchFamily="49" charset="0"/>
-              </a:rPr>
-              <a:t>as </a:t>
-            </a:r>
-            <a:r>
-              <a:rPr lang="en-US" dirty="0">
-                <a:latin typeface="Consolas" panose="020B0609020204030204" pitchFamily="49" charset="0"/>
-              </a:rPr>
-              <a:t>v:</a:t>
-            </a:r>
-            <a:br>
-              <a:rPr lang="en-US" dirty="0">
-                <a:latin typeface="Consolas" panose="020B0609020204030204" pitchFamily="49" charset="0"/>
-              </a:rPr>
-            </a:br>
-            <a:r>
-              <a:rPr lang="en-US" dirty="0">
-                <a:latin typeface="Consolas" panose="020B0609020204030204" pitchFamily="49" charset="0"/>
-              </a:rPr>
-              <a:t>        print(v)</a:t>
-            </a:r>
-            <a:br>
-              <a:rPr lang="en-US" dirty="0">
-                <a:latin typeface="Consolas" panose="020B0609020204030204" pitchFamily="49" charset="0"/>
-              </a:rPr>
-            </a:br>
-            <a:r>
-              <a:rPr lang="en-US" dirty="0">
-                <a:latin typeface="Consolas" panose="020B0609020204030204" pitchFamily="49" charset="0"/>
-              </a:rPr>
-              <a:t>    </a:t>
-            </a:r>
-            <a:r>
-              <a:rPr lang="en-US" b="1" dirty="0">
-                <a:latin typeface="Consolas" panose="020B0609020204030204" pitchFamily="49" charset="0"/>
-              </a:rPr>
-              <a:t>else</a:t>
-            </a:r>
-            <a:r>
-              <a:rPr lang="en-US" dirty="0">
-                <a:latin typeface="Consolas" panose="020B0609020204030204" pitchFamily="49" charset="0"/>
-              </a:rPr>
-              <a:t>:</a:t>
-            </a:r>
-            <a:br>
-              <a:rPr lang="en-US" dirty="0">
-                <a:latin typeface="Consolas" panose="020B0609020204030204" pitchFamily="49" charset="0"/>
-              </a:rPr>
-            </a:br>
-            <a:r>
-              <a:rPr lang="en-US" dirty="0">
-                <a:latin typeface="Consolas" panose="020B0609020204030204" pitchFamily="49" charset="0"/>
-              </a:rPr>
-              <a:t>        </a:t>
-            </a:r>
-            <a:r>
-              <a:rPr lang="en-US" b="1" dirty="0">
-                <a:latin typeface="Consolas" panose="020B0609020204030204" pitchFamily="49" charset="0"/>
+              <a:rPr lang="en-US" sz="2000" dirty="0">
+                <a:latin typeface="Victor Mono Regular" panose="00000509000000000000" charset="0"/>
+                <a:cs typeface="Victor Mono Regular" panose="00000509000000000000" charset="0"/>
               </a:rPr>
               <a:t>break</a:t>
             </a:r>
-            <a:endParaRPr lang="en-US" dirty="0">
-              <a:latin typeface="Consolas" panose="020B0609020204030204" pitchFamily="49" charset="0"/>
-              <a:cs typeface="Times New Roman" panose="02020603050405020304" pitchFamily="18" charset="0"/>
+            <a:endParaRPr lang="en-US" sz="2000" dirty="0">
+              <a:latin typeface="Victor Mono Regular" panose="00000509000000000000" charset="0"/>
+              <a:cs typeface="Victor Mono Regular" panose="00000509000000000000" charset="0"/>
             </a:endParaRPr>
           </a:p>
         </p:txBody>
       </p:sp>
     </p:spTree>
-    <p:extLst>
-      <p:ext uri="{BB962C8B-B14F-4D97-AF65-F5344CB8AC3E}">
-        <p14:creationId xmlns:p14="http://schemas.microsoft.com/office/powerpoint/2010/main" val="3302898918"/>
-      </p:ext>
-    </p:extLst>
   </p:cSld>
   <p:clrMapOvr>
     <a:masterClrMapping/>
   </p:clrMapOvr>
+  <mc:AlternateContent xmlns:mc="http://schemas.openxmlformats.org/markup-compatibility/2006">
+    <mc:Choice xmlns:p15="http://schemas.microsoft.com/office/powerpoint/2012/main" Requires="p15">
+      <p:transition xmlns:p14="http://schemas.microsoft.com/office/powerpoint/2010/main" spd="slow" Requires="p14" p14:dur="1000">
+        <p15:prstTrans prst="peelOff"/>
+      </p:transition>
+    </mc:Choice>
+    <mc:Fallback>
+      <p:transition spd="slow">
+        <p:fade/>
+      </p:transition>
+    </mc:Fallback>
+  </mc:AlternateContent>
 </p:sld>
 </file>
 
@@ -5400,11 +5299,15 @@
           <a:p>
             <a:r>
               <a:rPr lang="en-US" sz="3200" dirty="0">
-                <a:latin typeface="Times New Roman" panose="02020603050405020304" pitchFamily="18" charset="0"/>
-                <a:cs typeface="Times New Roman" panose="02020603050405020304" pitchFamily="18" charset="0"/>
+                <a:latin typeface="Times New Roman" panose="02020503050405090304" pitchFamily="18" charset="0"/>
+                <a:cs typeface="Times New Roman" panose="02020503050405090304" pitchFamily="18" charset="0"/>
               </a:rPr>
               <a:t>Custom/User Defined Exceptions</a:t>
             </a:r>
+            <a:endParaRPr lang="en-US" sz="3200" dirty="0">
+              <a:latin typeface="Times New Roman" panose="02020503050405090304" pitchFamily="18" charset="0"/>
+              <a:cs typeface="Times New Roman" panose="02020503050405090304" pitchFamily="18" charset="0"/>
+            </a:endParaRPr>
           </a:p>
         </p:txBody>
       </p:sp>
@@ -5417,7 +5320,7 @@
         <p:spPr>
           <a:xfrm>
             <a:off x="303130" y="847182"/>
-            <a:ext cx="8271428" cy="5632311"/>
+            <a:ext cx="8271428" cy="5631180"/>
           </a:xfrm>
           <a:prstGeom prst="rect">
             <a:avLst/>
@@ -5430,462 +5333,510 @@
           <a:lstStyle/>
           <a:p>
             <a:r>
-              <a:rPr lang="en-US" sz="2000" b="1" dirty="0">
-                <a:latin typeface="Consolas" panose="020B0609020204030204" pitchFamily="49" charset="0"/>
+              <a:rPr lang="en-US" sz="2000" dirty="0">
+                <a:latin typeface="Victor Mono Regular" panose="00000509000000000000" charset="0"/>
+                <a:cs typeface="Victor Mono Regular" panose="00000509000000000000" charset="0"/>
               </a:rPr>
               <a:t>#Creating Custom Exception:</a:t>
             </a:r>
-          </a:p>
-          <a:p>
-            <a:r>
-              <a:rPr lang="en-US" sz="2000" b="1" dirty="0">
-                <a:latin typeface="Consolas" panose="020B0609020204030204" pitchFamily="49" charset="0"/>
+            <a:endParaRPr lang="en-US" sz="2000" dirty="0">
+              <a:latin typeface="Victor Mono Regular" panose="00000509000000000000" charset="0"/>
+              <a:cs typeface="Victor Mono Regular" panose="00000509000000000000" charset="0"/>
+            </a:endParaRPr>
+          </a:p>
+          <a:p>
+            <a:r>
+              <a:rPr lang="en-US" sz="2000" dirty="0">
+                <a:latin typeface="Victor Mono Regular" panose="00000509000000000000" charset="0"/>
+                <a:cs typeface="Victor Mono Regular" panose="00000509000000000000" charset="0"/>
               </a:rPr>
               <a:t>class </a:t>
             </a:r>
             <a:r>
               <a:rPr lang="en-US" sz="2000" dirty="0" err="1">
-                <a:latin typeface="Consolas" panose="020B0609020204030204" pitchFamily="49" charset="0"/>
+                <a:latin typeface="Victor Mono Regular" panose="00000509000000000000" charset="0"/>
+                <a:cs typeface="Victor Mono Regular" panose="00000509000000000000" charset="0"/>
               </a:rPr>
               <a:t>MyException</a:t>
             </a:r>
             <a:r>
               <a:rPr lang="en-US" sz="2000" dirty="0">
-                <a:latin typeface="Consolas" panose="020B0609020204030204" pitchFamily="49" charset="0"/>
+                <a:latin typeface="Victor Mono Regular" panose="00000509000000000000" charset="0"/>
+                <a:cs typeface="Victor Mono Regular" panose="00000509000000000000" charset="0"/>
               </a:rPr>
               <a:t>(Exception):</a:t>
             </a:r>
             <a:br>
               <a:rPr lang="en-US" sz="2000" dirty="0">
-                <a:latin typeface="Consolas" panose="020B0609020204030204" pitchFamily="49" charset="0"/>
+                <a:latin typeface="Victor Mono Regular" panose="00000509000000000000" charset="0"/>
+                <a:cs typeface="Victor Mono Regular" panose="00000509000000000000" charset="0"/>
               </a:rPr>
             </a:br>
             <a:r>
               <a:rPr lang="en-US" sz="2000" dirty="0">
-                <a:latin typeface="Consolas" panose="020B0609020204030204" pitchFamily="49" charset="0"/>
+                <a:latin typeface="Victor Mono Regular" panose="00000509000000000000" charset="0"/>
+                <a:cs typeface="Victor Mono Regular" panose="00000509000000000000" charset="0"/>
               </a:rPr>
               <a:t>    </a:t>
             </a:r>
             <a:r>
-              <a:rPr lang="en-US" sz="2000" b="1" dirty="0" err="1">
-                <a:latin typeface="Consolas" panose="020B0609020204030204" pitchFamily="49" charset="0"/>
+              <a:rPr lang="en-US" sz="2000" dirty="0" err="1">
+                <a:latin typeface="Victor Mono Regular" panose="00000509000000000000" charset="0"/>
+                <a:cs typeface="Victor Mono Regular" panose="00000509000000000000" charset="0"/>
               </a:rPr>
               <a:t>def</a:t>
             </a:r>
             <a:r>
-              <a:rPr lang="en-US" sz="2000" b="1" dirty="0">
-                <a:latin typeface="Consolas" panose="020B0609020204030204" pitchFamily="49" charset="0"/>
-              </a:rPr>
-              <a:t> </a:t>
-            </a:r>
-            <a:r>
               <a:rPr lang="en-US" sz="2000" dirty="0">
-                <a:latin typeface="Consolas" panose="020B0609020204030204" pitchFamily="49" charset="0"/>
-              </a:rPr>
-              <a:t>__</a:t>
+                <a:latin typeface="Victor Mono Regular" panose="00000509000000000000" charset="0"/>
+                <a:cs typeface="Victor Mono Regular" panose="00000509000000000000" charset="0"/>
+              </a:rPr>
+              <a:t> __</a:t>
             </a:r>
             <a:r>
               <a:rPr lang="en-US" sz="2000" dirty="0" err="1">
-                <a:latin typeface="Consolas" panose="020B0609020204030204" pitchFamily="49" charset="0"/>
+                <a:latin typeface="Victor Mono Regular" panose="00000509000000000000" charset="0"/>
+                <a:cs typeface="Victor Mono Regular" panose="00000509000000000000" charset="0"/>
               </a:rPr>
               <a:t>init</a:t>
             </a:r>
             <a:r>
               <a:rPr lang="en-US" sz="2000" dirty="0">
-                <a:latin typeface="Consolas" panose="020B0609020204030204" pitchFamily="49" charset="0"/>
+                <a:latin typeface="Victor Mono Regular" panose="00000509000000000000" charset="0"/>
+                <a:cs typeface="Victor Mono Regular" panose="00000509000000000000" charset="0"/>
               </a:rPr>
               <a:t>__(</a:t>
             </a:r>
             <a:r>
               <a:rPr lang="en-US" sz="2000" dirty="0" err="1">
-                <a:latin typeface="Consolas" panose="020B0609020204030204" pitchFamily="49" charset="0"/>
+                <a:latin typeface="Victor Mono Regular" panose="00000509000000000000" charset="0"/>
+                <a:cs typeface="Victor Mono Regular" panose="00000509000000000000" charset="0"/>
               </a:rPr>
               <a:t>self,message</a:t>
             </a:r>
             <a:r>
               <a:rPr lang="en-US" sz="2000" dirty="0">
-                <a:latin typeface="Consolas" panose="020B0609020204030204" pitchFamily="49" charset="0"/>
-              </a:rPr>
-              <a:t>=</a:t>
-            </a:r>
-            <a:r>
-              <a:rPr lang="en-US" sz="2000" b="1" dirty="0">
-                <a:latin typeface="Consolas" panose="020B0609020204030204" pitchFamily="49" charset="0"/>
-              </a:rPr>
-              <a:t>"Salary must be greater than 10000"</a:t>
+                <a:latin typeface="Victor Mono Regular" panose="00000509000000000000" charset="0"/>
+                <a:cs typeface="Victor Mono Regular" panose="00000509000000000000" charset="0"/>
+              </a:rPr>
+              <a:t>="Salary must be greater than 10000"</a:t>
             </a:r>
             <a:r>
               <a:rPr lang="en-US" sz="2000" dirty="0">
-                <a:latin typeface="Consolas" panose="020B0609020204030204" pitchFamily="49" charset="0"/>
+                <a:latin typeface="Victor Mono Regular" panose="00000509000000000000" charset="0"/>
+                <a:cs typeface="Victor Mono Regular" panose="00000509000000000000" charset="0"/>
               </a:rPr>
               <a:t>):</a:t>
             </a:r>
             <a:br>
               <a:rPr lang="en-US" sz="2000" dirty="0">
-                <a:latin typeface="Consolas" panose="020B0609020204030204" pitchFamily="49" charset="0"/>
+                <a:latin typeface="Victor Mono Regular" panose="00000509000000000000" charset="0"/>
+                <a:cs typeface="Victor Mono Regular" panose="00000509000000000000" charset="0"/>
               </a:rPr>
             </a:br>
             <a:r>
               <a:rPr lang="en-US" sz="2000" dirty="0">
-                <a:latin typeface="Consolas" panose="020B0609020204030204" pitchFamily="49" charset="0"/>
+                <a:latin typeface="Victor Mono Regular" panose="00000509000000000000" charset="0"/>
+                <a:cs typeface="Victor Mono Regular" panose="00000509000000000000" charset="0"/>
               </a:rPr>
               <a:t>        </a:t>
             </a:r>
             <a:r>
               <a:rPr lang="en-US" sz="2000" dirty="0" err="1">
-                <a:latin typeface="Consolas" panose="020B0609020204030204" pitchFamily="49" charset="0"/>
+                <a:latin typeface="Victor Mono Regular" panose="00000509000000000000" charset="0"/>
+                <a:cs typeface="Victor Mono Regular" panose="00000509000000000000" charset="0"/>
               </a:rPr>
               <a:t>self.message</a:t>
             </a:r>
             <a:r>
               <a:rPr lang="en-US" sz="2000" dirty="0">
-                <a:latin typeface="Consolas" panose="020B0609020204030204" pitchFamily="49" charset="0"/>
+                <a:latin typeface="Victor Mono Regular" panose="00000509000000000000" charset="0"/>
+                <a:cs typeface="Victor Mono Regular" panose="00000509000000000000" charset="0"/>
               </a:rPr>
               <a:t>=message</a:t>
             </a:r>
-          </a:p>
-          <a:p>
             <a:endParaRPr lang="en-US" sz="2000" dirty="0">
-              <a:latin typeface="Consolas" panose="020B0609020204030204" pitchFamily="49" charset="0"/>
-            </a:endParaRPr>
-          </a:p>
-          <a:p>
-            <a:r>
-              <a:rPr lang="en-US" sz="2000" b="1" dirty="0">
-                <a:latin typeface="Consolas" panose="020B0609020204030204" pitchFamily="49" charset="0"/>
+              <a:latin typeface="Victor Mono Regular" panose="00000509000000000000" charset="0"/>
+              <a:cs typeface="Victor Mono Regular" panose="00000509000000000000" charset="0"/>
+            </a:endParaRPr>
+          </a:p>
+          <a:p>
+            <a:endParaRPr lang="en-US" sz="2000" dirty="0">
+              <a:latin typeface="Victor Mono Regular" panose="00000509000000000000" charset="0"/>
+              <a:cs typeface="Victor Mono Regular" panose="00000509000000000000" charset="0"/>
+            </a:endParaRPr>
+          </a:p>
+          <a:p>
+            <a:r>
+              <a:rPr lang="en-US" sz="2000" dirty="0">
+                <a:latin typeface="Victor Mono Regular" panose="00000509000000000000" charset="0"/>
+                <a:cs typeface="Victor Mono Regular" panose="00000509000000000000" charset="0"/>
               </a:rPr>
               <a:t>#Raising Custom Exception:</a:t>
             </a:r>
             <a:br>
               <a:rPr lang="en-US" sz="2000" dirty="0">
-                <a:latin typeface="Consolas" panose="020B0609020204030204" pitchFamily="49" charset="0"/>
+                <a:latin typeface="Victor Mono Regular" panose="00000509000000000000" charset="0"/>
+                <a:cs typeface="Victor Mono Regular" panose="00000509000000000000" charset="0"/>
               </a:rPr>
             </a:br>
             <a:r>
-              <a:rPr lang="en-US" sz="2000" b="1" dirty="0" err="1">
-                <a:latin typeface="Consolas" panose="020B0609020204030204" pitchFamily="49" charset="0"/>
+              <a:rPr lang="en-US" sz="2000" dirty="0" err="1">
+                <a:latin typeface="Victor Mono Regular" panose="00000509000000000000" charset="0"/>
+                <a:cs typeface="Victor Mono Regular" panose="00000509000000000000" charset="0"/>
               </a:rPr>
               <a:t>def</a:t>
             </a:r>
             <a:r>
-              <a:rPr lang="en-US" sz="2000" b="1" dirty="0">
-                <a:latin typeface="Consolas" panose="020B0609020204030204" pitchFamily="49" charset="0"/>
+              <a:rPr lang="en-US" sz="2000" dirty="0">
+                <a:latin typeface="Victor Mono Regular" panose="00000509000000000000" charset="0"/>
+                <a:cs typeface="Victor Mono Regular" panose="00000509000000000000" charset="0"/>
               </a:rPr>
               <a:t> </a:t>
             </a:r>
             <a:r>
               <a:rPr lang="en-US" sz="2000" dirty="0" err="1">
-                <a:latin typeface="Consolas" panose="020B0609020204030204" pitchFamily="49" charset="0"/>
+                <a:latin typeface="Victor Mono Regular" panose="00000509000000000000" charset="0"/>
+                <a:cs typeface="Victor Mono Regular" panose="00000509000000000000" charset="0"/>
               </a:rPr>
               <a:t>inputSalary</a:t>
             </a:r>
             <a:r>
               <a:rPr lang="en-US" sz="2000" dirty="0">
-                <a:latin typeface="Consolas" panose="020B0609020204030204" pitchFamily="49" charset="0"/>
+                <a:latin typeface="Victor Mono Regular" panose="00000509000000000000" charset="0"/>
+                <a:cs typeface="Victor Mono Regular" panose="00000509000000000000" charset="0"/>
               </a:rPr>
               <a:t>(</a:t>
             </a:r>
             <a:r>
               <a:rPr lang="en-US" sz="2000" dirty="0" err="1">
-                <a:latin typeface="Consolas" panose="020B0609020204030204" pitchFamily="49" charset="0"/>
+                <a:latin typeface="Victor Mono Regular" panose="00000509000000000000" charset="0"/>
+                <a:cs typeface="Victor Mono Regular" panose="00000509000000000000" charset="0"/>
               </a:rPr>
               <a:t>sal</a:t>
             </a:r>
             <a:r>
               <a:rPr lang="en-US" sz="2000" dirty="0">
-                <a:latin typeface="Consolas" panose="020B0609020204030204" pitchFamily="49" charset="0"/>
+                <a:latin typeface="Victor Mono Regular" panose="00000509000000000000" charset="0"/>
+                <a:cs typeface="Victor Mono Regular" panose="00000509000000000000" charset="0"/>
               </a:rPr>
               <a:t>):</a:t>
             </a:r>
             <a:br>
               <a:rPr lang="en-US" sz="2000" dirty="0">
-                <a:latin typeface="Consolas" panose="020B0609020204030204" pitchFamily="49" charset="0"/>
+                <a:latin typeface="Victor Mono Regular" panose="00000509000000000000" charset="0"/>
+                <a:cs typeface="Victor Mono Regular" panose="00000509000000000000" charset="0"/>
               </a:rPr>
             </a:br>
             <a:r>
               <a:rPr lang="en-US" sz="2000" dirty="0">
-                <a:latin typeface="Consolas" panose="020B0609020204030204" pitchFamily="49" charset="0"/>
-              </a:rPr>
-              <a:t>    </a:t>
-            </a:r>
-            <a:r>
-              <a:rPr lang="en-US" sz="2000" b="1" dirty="0">
-                <a:latin typeface="Consolas" panose="020B0609020204030204" pitchFamily="49" charset="0"/>
-              </a:rPr>
-              <a:t>if </a:t>
+                <a:latin typeface="Victor Mono Regular" panose="00000509000000000000" charset="0"/>
+                <a:cs typeface="Victor Mono Regular" panose="00000509000000000000" charset="0"/>
+              </a:rPr>
+              <a:t>    if </a:t>
             </a:r>
             <a:r>
               <a:rPr lang="en-US" sz="2000" dirty="0" err="1">
-                <a:latin typeface="Consolas" panose="020B0609020204030204" pitchFamily="49" charset="0"/>
-              </a:rPr>
-              <a:t>sal</a:t>
+                <a:latin typeface="Victor Mono Regular" panose="00000509000000000000" charset="0"/>
+                <a:cs typeface="Victor Mono Regular" panose="00000509000000000000" charset="0"/>
+              </a:rPr>
+              <a:t>sal </a:t>
             </a:r>
             <a:r>
               <a:rPr lang="en-US" sz="2000" dirty="0">
-                <a:latin typeface="Consolas" panose="020B0609020204030204" pitchFamily="49" charset="0"/>
-              </a:rPr>
-              <a:t>&lt;10000:</a:t>
+                <a:latin typeface="Victor Mono Regular" panose="00000509000000000000" charset="0"/>
+                <a:cs typeface="Victor Mono Regular" panose="00000509000000000000" charset="0"/>
+              </a:rPr>
+              <a:t>&lt; 10000:</a:t>
             </a:r>
             <a:br>
               <a:rPr lang="en-US" sz="2000" dirty="0">
-                <a:latin typeface="Consolas" panose="020B0609020204030204" pitchFamily="49" charset="0"/>
+                <a:latin typeface="Victor Mono Regular" panose="00000509000000000000" charset="0"/>
+                <a:cs typeface="Victor Mono Regular" panose="00000509000000000000" charset="0"/>
               </a:rPr>
             </a:br>
             <a:r>
               <a:rPr lang="en-US" sz="2000" dirty="0">
-                <a:latin typeface="Consolas" panose="020B0609020204030204" pitchFamily="49" charset="0"/>
-              </a:rPr>
-              <a:t>        </a:t>
-            </a:r>
-            <a:r>
-              <a:rPr lang="en-US" sz="2000" b="1" dirty="0">
-                <a:latin typeface="Consolas" panose="020B0609020204030204" pitchFamily="49" charset="0"/>
-              </a:rPr>
-              <a:t>raise </a:t>
+                <a:latin typeface="Victor Mono Regular" panose="00000509000000000000" charset="0"/>
+                <a:cs typeface="Victor Mono Regular" panose="00000509000000000000" charset="0"/>
+              </a:rPr>
+              <a:t>        raise </a:t>
             </a:r>
             <a:r>
               <a:rPr lang="en-US" sz="2000" dirty="0" err="1">
-                <a:latin typeface="Consolas" panose="020B0609020204030204" pitchFamily="49" charset="0"/>
+                <a:latin typeface="Victor Mono Regular" panose="00000509000000000000" charset="0"/>
+                <a:cs typeface="Victor Mono Regular" panose="00000509000000000000" charset="0"/>
               </a:rPr>
               <a:t>MyException</a:t>
             </a:r>
             <a:r>
               <a:rPr lang="en-US" sz="2000" dirty="0">
-                <a:latin typeface="Consolas" panose="020B0609020204030204" pitchFamily="49" charset="0"/>
+                <a:latin typeface="Victor Mono Regular" panose="00000509000000000000" charset="0"/>
+                <a:cs typeface="Victor Mono Regular" panose="00000509000000000000" charset="0"/>
               </a:rPr>
               <a:t>()</a:t>
             </a:r>
             <a:br>
               <a:rPr lang="en-US" sz="2000" dirty="0">
-                <a:latin typeface="Consolas" panose="020B0609020204030204" pitchFamily="49" charset="0"/>
+                <a:latin typeface="Victor Mono Regular" panose="00000509000000000000" charset="0"/>
+                <a:cs typeface="Victor Mono Regular" panose="00000509000000000000" charset="0"/>
               </a:rPr>
             </a:br>
             <a:r>
               <a:rPr lang="en-US" sz="2000" dirty="0">
-                <a:latin typeface="Consolas" panose="020B0609020204030204" pitchFamily="49" charset="0"/>
+                <a:latin typeface="Victor Mono Regular" panose="00000509000000000000" charset="0"/>
+                <a:cs typeface="Victor Mono Regular" panose="00000509000000000000" charset="0"/>
               </a:rPr>
               <a:t>    print(</a:t>
             </a:r>
             <a:r>
-              <a:rPr lang="en-US" sz="2000" b="1" dirty="0">
-                <a:latin typeface="Consolas" panose="020B0609020204030204" pitchFamily="49" charset="0"/>
-              </a:rPr>
-              <a:t>"salary is:"</a:t>
-            </a:r>
-            <a:r>
               <a:rPr lang="en-US" sz="2000" dirty="0">
-                <a:latin typeface="Consolas" panose="020B0609020204030204" pitchFamily="49" charset="0"/>
-              </a:rPr>
-              <a:t>+</a:t>
+                <a:latin typeface="Victor Mono Regular" panose="00000509000000000000" charset="0"/>
+                <a:cs typeface="Victor Mono Regular" panose="00000509000000000000" charset="0"/>
+              </a:rPr>
+              <a:t>"salary is:"+</a:t>
             </a:r>
             <a:r>
               <a:rPr lang="en-US" sz="2000" dirty="0" err="1">
-                <a:latin typeface="Consolas" panose="020B0609020204030204" pitchFamily="49" charset="0"/>
+                <a:latin typeface="Victor Mono Regular" panose="00000509000000000000" charset="0"/>
+                <a:cs typeface="Victor Mono Regular" panose="00000509000000000000" charset="0"/>
               </a:rPr>
               <a:t>str</a:t>
             </a:r>
             <a:r>
               <a:rPr lang="en-US" sz="2000" dirty="0">
-                <a:latin typeface="Consolas" panose="020B0609020204030204" pitchFamily="49" charset="0"/>
+                <a:latin typeface="Victor Mono Regular" panose="00000509000000000000" charset="0"/>
+                <a:cs typeface="Victor Mono Regular" panose="00000509000000000000" charset="0"/>
               </a:rPr>
               <a:t>(</a:t>
             </a:r>
             <a:r>
               <a:rPr lang="en-US" sz="2000" dirty="0" err="1">
-                <a:latin typeface="Consolas" panose="020B0609020204030204" pitchFamily="49" charset="0"/>
+                <a:latin typeface="Victor Mono Regular" panose="00000509000000000000" charset="0"/>
+                <a:cs typeface="Victor Mono Regular" panose="00000509000000000000" charset="0"/>
               </a:rPr>
               <a:t>sal</a:t>
             </a:r>
             <a:r>
               <a:rPr lang="en-US" sz="2000" dirty="0">
-                <a:latin typeface="Consolas" panose="020B0609020204030204" pitchFamily="49" charset="0"/>
+                <a:latin typeface="Victor Mono Regular" panose="00000509000000000000" charset="0"/>
+                <a:cs typeface="Victor Mono Regular" panose="00000509000000000000" charset="0"/>
               </a:rPr>
               <a:t>))</a:t>
             </a:r>
-          </a:p>
-          <a:p>
-            <a:endParaRPr lang="en-US" sz="2000" b="1" dirty="0">
-              <a:latin typeface="Consolas" panose="020B0609020204030204" pitchFamily="49" charset="0"/>
-            </a:endParaRPr>
-          </a:p>
-          <a:p>
-            <a:r>
-              <a:rPr lang="en-US" sz="2000" b="1" dirty="0">
-                <a:latin typeface="Consolas" panose="020B0609020204030204" pitchFamily="49" charset="0"/>
+            <a:endParaRPr lang="en-US" sz="2000" dirty="0">
+              <a:latin typeface="Victor Mono Regular" panose="00000509000000000000" charset="0"/>
+              <a:cs typeface="Victor Mono Regular" panose="00000509000000000000" charset="0"/>
+            </a:endParaRPr>
+          </a:p>
+          <a:p>
+            <a:endParaRPr lang="en-US" sz="2000" dirty="0">
+              <a:latin typeface="Victor Mono Regular" panose="00000509000000000000" charset="0"/>
+              <a:cs typeface="Victor Mono Regular" panose="00000509000000000000" charset="0"/>
+            </a:endParaRPr>
+          </a:p>
+          <a:p>
+            <a:r>
+              <a:rPr lang="en-US" sz="2000" dirty="0">
+                <a:latin typeface="Victor Mono Regular" panose="00000509000000000000" charset="0"/>
+                <a:cs typeface="Victor Mono Regular" panose="00000509000000000000" charset="0"/>
               </a:rPr>
               <a:t>#Using Custom Exception:</a:t>
             </a:r>
-          </a:p>
-          <a:p>
-            <a:r>
-              <a:rPr lang="en-US" sz="2000" b="1" dirty="0">
-                <a:latin typeface="Consolas" panose="020B0609020204030204" pitchFamily="49" charset="0"/>
+            <a:endParaRPr lang="en-US" sz="2000" dirty="0">
+              <a:latin typeface="Victor Mono Regular" panose="00000509000000000000" charset="0"/>
+              <a:cs typeface="Victor Mono Regular" panose="00000509000000000000" charset="0"/>
+            </a:endParaRPr>
+          </a:p>
+          <a:p>
+            <a:r>
+              <a:rPr lang="en-US" sz="2000" dirty="0">
+                <a:latin typeface="Victor Mono Regular" panose="00000509000000000000" charset="0"/>
+                <a:cs typeface="Victor Mono Regular" panose="00000509000000000000" charset="0"/>
               </a:rPr>
               <a:t>try</a:t>
             </a:r>
             <a:r>
               <a:rPr lang="en-US" sz="2000" dirty="0">
-                <a:latin typeface="Consolas" panose="020B0609020204030204" pitchFamily="49" charset="0"/>
+                <a:latin typeface="Victor Mono Regular" panose="00000509000000000000" charset="0"/>
+                <a:cs typeface="Victor Mono Regular" panose="00000509000000000000" charset="0"/>
               </a:rPr>
               <a:t>:</a:t>
             </a:r>
             <a:br>
               <a:rPr lang="en-US" sz="2000" dirty="0">
-                <a:latin typeface="Consolas" panose="020B0609020204030204" pitchFamily="49" charset="0"/>
+                <a:latin typeface="Victor Mono Regular" panose="00000509000000000000" charset="0"/>
+                <a:cs typeface="Victor Mono Regular" panose="00000509000000000000" charset="0"/>
               </a:rPr>
             </a:br>
             <a:r>
               <a:rPr lang="en-US" sz="2000" dirty="0">
-                <a:latin typeface="Consolas" panose="020B0609020204030204" pitchFamily="49" charset="0"/>
+                <a:latin typeface="Victor Mono Regular" panose="00000509000000000000" charset="0"/>
+                <a:cs typeface="Victor Mono Regular" panose="00000509000000000000" charset="0"/>
               </a:rPr>
               <a:t>    </a:t>
             </a:r>
             <a:r>
               <a:rPr lang="en-US" sz="2000" dirty="0" err="1">
-                <a:latin typeface="Consolas" panose="020B0609020204030204" pitchFamily="49" charset="0"/>
-              </a:rPr>
-              <a:t>sal</a:t>
+                <a:latin typeface="Victor Mono Regular" panose="00000509000000000000" charset="0"/>
+                <a:cs typeface="Victor Mono Regular" panose="00000509000000000000" charset="0"/>
+              </a:rPr>
+              <a:t>sal </a:t>
             </a:r>
             <a:r>
               <a:rPr lang="en-US" sz="2000" dirty="0">
-                <a:latin typeface="Consolas" panose="020B0609020204030204" pitchFamily="49" charset="0"/>
-              </a:rPr>
-              <a:t>=</a:t>
+                <a:latin typeface="Victor Mono Regular" panose="00000509000000000000" charset="0"/>
+                <a:cs typeface="Victor Mono Regular" panose="00000509000000000000" charset="0"/>
+              </a:rPr>
+              <a:t>= </a:t>
             </a:r>
             <a:r>
               <a:rPr lang="en-US" sz="2000" dirty="0" err="1">
-                <a:latin typeface="Consolas" panose="020B0609020204030204" pitchFamily="49" charset="0"/>
+                <a:latin typeface="Victor Mono Regular" panose="00000509000000000000" charset="0"/>
+                <a:cs typeface="Victor Mono Regular" panose="00000509000000000000" charset="0"/>
               </a:rPr>
               <a:t>int</a:t>
             </a:r>
             <a:r>
               <a:rPr lang="en-US" sz="2000" dirty="0">
-                <a:latin typeface="Consolas" panose="020B0609020204030204" pitchFamily="49" charset="0"/>
-              </a:rPr>
-              <a:t>(input(</a:t>
-            </a:r>
-            <a:r>
-              <a:rPr lang="en-US" sz="2000" b="1" dirty="0">
-                <a:latin typeface="Consolas" panose="020B0609020204030204" pitchFamily="49" charset="0"/>
-              </a:rPr>
-              <a:t>"Input your salary:\n"</a:t>
+                <a:latin typeface="Victor Mono Regular" panose="00000509000000000000" charset="0"/>
+                <a:cs typeface="Victor Mono Regular" panose="00000509000000000000" charset="0"/>
+              </a:rPr>
+              <a:t>(input("Input your salary:\n"</a:t>
             </a:r>
             <a:r>
               <a:rPr lang="en-US" sz="2000" dirty="0">
-                <a:latin typeface="Consolas" panose="020B0609020204030204" pitchFamily="49" charset="0"/>
+                <a:latin typeface="Victor Mono Regular" panose="00000509000000000000" charset="0"/>
+                <a:cs typeface="Victor Mono Regular" panose="00000509000000000000" charset="0"/>
               </a:rPr>
               <a:t>))</a:t>
             </a:r>
             <a:br>
               <a:rPr lang="en-US" sz="2000" dirty="0">
-                <a:latin typeface="Consolas" panose="020B0609020204030204" pitchFamily="49" charset="0"/>
+                <a:latin typeface="Victor Mono Regular" panose="00000509000000000000" charset="0"/>
+                <a:cs typeface="Victor Mono Regular" panose="00000509000000000000" charset="0"/>
               </a:rPr>
             </a:br>
             <a:r>
               <a:rPr lang="en-US" sz="2000" dirty="0">
-                <a:latin typeface="Consolas" panose="020B0609020204030204" pitchFamily="49" charset="0"/>
+                <a:latin typeface="Victor Mono Regular" panose="00000509000000000000" charset="0"/>
+                <a:cs typeface="Victor Mono Regular" panose="00000509000000000000" charset="0"/>
               </a:rPr>
               <a:t>    </a:t>
             </a:r>
             <a:r>
               <a:rPr lang="en-US" sz="2000" dirty="0" err="1">
-                <a:latin typeface="Consolas" panose="020B0609020204030204" pitchFamily="49" charset="0"/>
+                <a:latin typeface="Victor Mono Regular" panose="00000509000000000000" charset="0"/>
+                <a:cs typeface="Victor Mono Regular" panose="00000509000000000000" charset="0"/>
               </a:rPr>
               <a:t>inputSalary</a:t>
             </a:r>
             <a:r>
               <a:rPr lang="en-US" sz="2000" dirty="0">
-                <a:latin typeface="Consolas" panose="020B0609020204030204" pitchFamily="49" charset="0"/>
+                <a:latin typeface="Victor Mono Regular" panose="00000509000000000000" charset="0"/>
+                <a:cs typeface="Victor Mono Regular" panose="00000509000000000000" charset="0"/>
               </a:rPr>
               <a:t>(</a:t>
             </a:r>
             <a:r>
               <a:rPr lang="en-US" sz="2000" dirty="0" err="1">
-                <a:latin typeface="Consolas" panose="020B0609020204030204" pitchFamily="49" charset="0"/>
+                <a:latin typeface="Victor Mono Regular" panose="00000509000000000000" charset="0"/>
+                <a:cs typeface="Victor Mono Regular" panose="00000509000000000000" charset="0"/>
               </a:rPr>
               <a:t>sal</a:t>
             </a:r>
             <a:r>
               <a:rPr lang="en-US" sz="2000" dirty="0">
-                <a:latin typeface="Consolas" panose="020B0609020204030204" pitchFamily="49" charset="0"/>
+                <a:latin typeface="Victor Mono Regular" panose="00000509000000000000" charset="0"/>
+                <a:cs typeface="Victor Mono Regular" panose="00000509000000000000" charset="0"/>
               </a:rPr>
               <a:t>)</a:t>
             </a:r>
             <a:br>
               <a:rPr lang="en-US" sz="2000" dirty="0">
-                <a:latin typeface="Consolas" panose="020B0609020204030204" pitchFamily="49" charset="0"/>
+                <a:latin typeface="Victor Mono Regular" panose="00000509000000000000" charset="0"/>
+                <a:cs typeface="Victor Mono Regular" panose="00000509000000000000" charset="0"/>
               </a:rPr>
             </a:br>
             <a:r>
-              <a:rPr lang="en-US" sz="2000" b="1" dirty="0">
-                <a:latin typeface="Consolas" panose="020B0609020204030204" pitchFamily="49" charset="0"/>
+              <a:rPr lang="en-US" sz="2000" dirty="0">
+                <a:latin typeface="Victor Mono Regular" panose="00000509000000000000" charset="0"/>
+                <a:cs typeface="Victor Mono Regular" panose="00000509000000000000" charset="0"/>
               </a:rPr>
               <a:t>except </a:t>
             </a:r>
             <a:r>
               <a:rPr lang="en-US" sz="2000" dirty="0" err="1">
-                <a:latin typeface="Consolas" panose="020B0609020204030204" pitchFamily="49" charset="0"/>
+                <a:latin typeface="Victor Mono Regular" panose="00000509000000000000" charset="0"/>
+                <a:cs typeface="Victor Mono Regular" panose="00000509000000000000" charset="0"/>
               </a:rPr>
               <a:t>MyException</a:t>
             </a:r>
             <a:r>
               <a:rPr lang="en-US" sz="2000" dirty="0">
-                <a:latin typeface="Consolas" panose="020B0609020204030204" pitchFamily="49" charset="0"/>
-              </a:rPr>
-              <a:t> </a:t>
-            </a:r>
-            <a:r>
-              <a:rPr lang="en-US" sz="2000" b="1" dirty="0">
-                <a:latin typeface="Consolas" panose="020B0609020204030204" pitchFamily="49" charset="0"/>
-              </a:rPr>
-              <a:t>as </a:t>
+                <a:latin typeface="Victor Mono Regular" panose="00000509000000000000" charset="0"/>
+                <a:cs typeface="Victor Mono Regular" panose="00000509000000000000" charset="0"/>
+              </a:rPr>
+              <a:t> as </a:t>
             </a:r>
             <a:r>
               <a:rPr lang="en-US" sz="2000" dirty="0">
-                <a:latin typeface="Consolas" panose="020B0609020204030204" pitchFamily="49" charset="0"/>
+                <a:latin typeface="Victor Mono Regular" panose="00000509000000000000" charset="0"/>
+                <a:cs typeface="Victor Mono Regular" panose="00000509000000000000" charset="0"/>
               </a:rPr>
               <a:t>e:</a:t>
             </a:r>
             <a:br>
               <a:rPr lang="en-US" sz="2000" dirty="0">
-                <a:latin typeface="Consolas" panose="020B0609020204030204" pitchFamily="49" charset="0"/>
+                <a:latin typeface="Victor Mono Regular" panose="00000509000000000000" charset="0"/>
+                <a:cs typeface="Victor Mono Regular" panose="00000509000000000000" charset="0"/>
               </a:rPr>
             </a:br>
             <a:r>
               <a:rPr lang="en-US" sz="2000" dirty="0">
-                <a:latin typeface="Consolas" panose="020B0609020204030204" pitchFamily="49" charset="0"/>
+                <a:latin typeface="Victor Mono Regular" panose="00000509000000000000" charset="0"/>
+                <a:cs typeface="Victor Mono Regular" panose="00000509000000000000" charset="0"/>
               </a:rPr>
               <a:t>    print(</a:t>
             </a:r>
             <a:r>
               <a:rPr lang="en-US" sz="2000" dirty="0" err="1">
-                <a:latin typeface="Consolas" panose="020B0609020204030204" pitchFamily="49" charset="0"/>
+                <a:latin typeface="Victor Mono Regular" panose="00000509000000000000" charset="0"/>
+                <a:cs typeface="Victor Mono Regular" panose="00000509000000000000" charset="0"/>
               </a:rPr>
               <a:t>e.message</a:t>
             </a:r>
             <a:r>
               <a:rPr lang="en-US" sz="2000" dirty="0">
-                <a:latin typeface="Consolas" panose="020B0609020204030204" pitchFamily="49" charset="0"/>
+                <a:latin typeface="Victor Mono Regular" panose="00000509000000000000" charset="0"/>
+                <a:cs typeface="Victor Mono Regular" panose="00000509000000000000" charset="0"/>
               </a:rPr>
               <a:t>)</a:t>
             </a:r>
-            <a:endParaRPr lang="en-US" sz="2000" b="1" dirty="0">
-              <a:latin typeface="Consolas" panose="020B0609020204030204" pitchFamily="49" charset="0"/>
-              <a:cs typeface="Times New Roman" panose="02020603050405020304" pitchFamily="18" charset="0"/>
+            <a:endParaRPr lang="en-US" sz="2000" dirty="0">
+              <a:latin typeface="Victor Mono Regular" panose="00000509000000000000" charset="0"/>
+              <a:cs typeface="Victor Mono Regular" panose="00000509000000000000" charset="0"/>
             </a:endParaRPr>
           </a:p>
         </p:txBody>
       </p:sp>
     </p:spTree>
-    <p:extLst>
-      <p:ext uri="{BB962C8B-B14F-4D97-AF65-F5344CB8AC3E}">
-        <p14:creationId xmlns:p14="http://schemas.microsoft.com/office/powerpoint/2010/main" val="341392299"/>
-      </p:ext>
-    </p:extLst>
   </p:cSld>
   <p:clrMapOvr>
     <a:masterClrMapping/>
   </p:clrMapOvr>
+  <mc:AlternateContent xmlns:mc="http://schemas.openxmlformats.org/markup-compatibility/2006">
+    <mc:Choice xmlns:p15="http://schemas.microsoft.com/office/powerpoint/2012/main" Requires="p15">
+      <p:transition xmlns:p14="http://schemas.microsoft.com/office/powerpoint/2010/main" spd="slow" Requires="p14" p14:dur="1000">
+        <p15:prstTrans prst="peelOff"/>
+      </p:transition>
+    </mc:Choice>
+    <mc:Fallback>
+      <p:transition spd="slow">
+        <p:fade/>
+      </p:transition>
+    </mc:Fallback>
+  </mc:AlternateContent>
 </p:sld>
 </file>
 
@@ -5930,11 +5881,15 @@
           <a:p>
             <a:r>
               <a:rPr lang="en-US" sz="3200" dirty="0">
-                <a:latin typeface="Times New Roman" panose="02020603050405020304" pitchFamily="18" charset="0"/>
-                <a:cs typeface="Times New Roman" panose="02020603050405020304" pitchFamily="18" charset="0"/>
+                <a:latin typeface="Times New Roman" panose="02020503050405090304" pitchFamily="18" charset="0"/>
+                <a:cs typeface="Times New Roman" panose="02020503050405090304" pitchFamily="18" charset="0"/>
               </a:rPr>
               <a:t>Ignore Errors</a:t>
             </a:r>
+            <a:endParaRPr lang="en-US" sz="3200" dirty="0">
+              <a:latin typeface="Times New Roman" panose="02020503050405090304" pitchFamily="18" charset="0"/>
+              <a:cs typeface="Times New Roman" panose="02020503050405090304" pitchFamily="18" charset="0"/>
+            </a:endParaRPr>
           </a:p>
         </p:txBody>
       </p:sp>
@@ -5967,8 +5922,8 @@
               <a:buNone/>
             </a:pPr>
             <a:endParaRPr lang="en-US" sz="1350" dirty="0">
-              <a:latin typeface="Times New Roman" panose="02020603050405020304" pitchFamily="18" charset="0"/>
-              <a:cs typeface="Times New Roman" panose="02020603050405020304" pitchFamily="18" charset="0"/>
+              <a:latin typeface="Times New Roman" panose="02020503050405090304" pitchFamily="18" charset="0"/>
+              <a:cs typeface="Times New Roman" panose="02020503050405090304" pitchFamily="18" charset="0"/>
             </a:endParaRPr>
           </a:p>
           <a:p>
@@ -5977,8 +5932,8 @@
               <a:buChar char="ü"/>
             </a:pPr>
             <a:endParaRPr lang="en-US" sz="1350" dirty="0">
-              <a:latin typeface="Times New Roman" panose="02020603050405020304" pitchFamily="18" charset="0"/>
-              <a:cs typeface="Times New Roman" panose="02020603050405020304" pitchFamily="18" charset="0"/>
+              <a:latin typeface="Times New Roman" panose="02020503050405090304" pitchFamily="18" charset="0"/>
+              <a:cs typeface="Times New Roman" panose="02020503050405090304" pitchFamily="18" charset="0"/>
             </a:endParaRPr>
           </a:p>
           <a:p>
@@ -5987,8 +5942,8 @@
               <a:buChar char="ü"/>
             </a:pPr>
             <a:endParaRPr lang="en-US" sz="1350" dirty="0">
-              <a:latin typeface="Times New Roman" panose="02020603050405020304" pitchFamily="18" charset="0"/>
-              <a:cs typeface="Times New Roman" panose="02020603050405020304" pitchFamily="18" charset="0"/>
+              <a:latin typeface="Times New Roman" panose="02020503050405090304" pitchFamily="18" charset="0"/>
+              <a:cs typeface="Times New Roman" panose="02020503050405090304" pitchFamily="18" charset="0"/>
             </a:endParaRPr>
           </a:p>
           <a:p>
@@ -5997,8 +5952,8 @@
               <a:buChar char="ü"/>
             </a:pPr>
             <a:endParaRPr lang="en-US" sz="1350" dirty="0">
-              <a:latin typeface="Times New Roman" panose="02020603050405020304" pitchFamily="18" charset="0"/>
-              <a:cs typeface="Times New Roman" panose="02020603050405020304" pitchFamily="18" charset="0"/>
+              <a:latin typeface="Times New Roman" panose="02020503050405090304" pitchFamily="18" charset="0"/>
+              <a:cs typeface="Times New Roman" panose="02020503050405090304" pitchFamily="18" charset="0"/>
             </a:endParaRPr>
           </a:p>
         </p:txBody>
@@ -6011,8 +5966,8 @@
         </p:nvSpPr>
         <p:spPr>
           <a:xfrm>
-            <a:off x="504824" y="879970"/>
-            <a:ext cx="8261489" cy="6586418"/>
+            <a:off x="504825" y="880110"/>
+            <a:ext cx="8261350" cy="5774690"/>
           </a:xfrm>
           <a:prstGeom prst="rect">
             <a:avLst/>
@@ -6020,28 +5975,32 @@
         </p:spPr>
         <p:txBody>
           <a:bodyPr wrap="square">
-            <a:spAutoFit/>
+            <a:noAutofit/>
           </a:bodyPr>
           <a:lstStyle/>
           <a:p>
             <a:endParaRPr lang="en-GB" sz="2000" dirty="0">
-              <a:latin typeface="Times New Roman" panose="02020603050405020304" pitchFamily="18" charset="0"/>
-              <a:cs typeface="Times New Roman" panose="02020603050405020304" pitchFamily="18" charset="0"/>
+              <a:latin typeface="Times New Roman" panose="02020503050405090304" pitchFamily="18" charset="0"/>
+              <a:cs typeface="Times New Roman" panose="02020503050405090304" pitchFamily="18" charset="0"/>
             </a:endParaRPr>
           </a:p>
           <a:p>
             <a:r>
               <a:rPr lang="en-US" sz="2400" dirty="0">
-                <a:latin typeface="Times New Roman" panose="02020603050405020304" pitchFamily="18" charset="0"/>
-                <a:cs typeface="Times New Roman" panose="02020603050405020304" pitchFamily="18" charset="0"/>
+                <a:latin typeface="Times New Roman" panose="02020503050405090304" pitchFamily="18" charset="0"/>
+                <a:cs typeface="Times New Roman" panose="02020503050405090304" pitchFamily="18" charset="0"/>
               </a:rPr>
               <a:t>Errors can be ignored without handling them in the program. We can do this using pass in except block of error handling section like below. </a:t>
             </a:r>
+            <a:endParaRPr lang="en-US" sz="2400" dirty="0">
+              <a:latin typeface="Times New Roman" panose="02020503050405090304" pitchFamily="18" charset="0"/>
+              <a:cs typeface="Times New Roman" panose="02020503050405090304" pitchFamily="18" charset="0"/>
+            </a:endParaRPr>
           </a:p>
           <a:p>
             <a:endParaRPr lang="en-US" dirty="0">
-              <a:latin typeface="Times New Roman" panose="02020603050405020304" pitchFamily="18" charset="0"/>
-              <a:cs typeface="Times New Roman" panose="02020603050405020304" pitchFamily="18" charset="0"/>
+              <a:latin typeface="Times New Roman" panose="02020503050405090304" pitchFamily="18" charset="0"/>
+              <a:cs typeface="Times New Roman" panose="02020503050405090304" pitchFamily="18" charset="0"/>
             </a:endParaRPr>
           </a:p>
           <a:p>
@@ -6050,11 +6009,18 @@
                 <a:solidFill>
                   <a:srgbClr val="7030A0"/>
                 </a:solidFill>
-                <a:latin typeface="Consolas" panose="020B0609020204030204" pitchFamily="49" charset="0"/>
-                <a:cs typeface="Times New Roman" panose="02020603050405020304" pitchFamily="18" charset="0"/>
+                <a:latin typeface="Victor Mono Regular" panose="00000509000000000000" charset="0"/>
+                <a:cs typeface="Victor Mono Regular" panose="00000509000000000000" charset="0"/>
               </a:rPr>
               <a:t>try: </a:t>
             </a:r>
+            <a:endParaRPr lang="en-US" sz="2400" dirty="0">
+              <a:solidFill>
+                <a:srgbClr val="7030A0"/>
+              </a:solidFill>
+              <a:latin typeface="Victor Mono Regular" panose="00000509000000000000" charset="0"/>
+              <a:cs typeface="Victor Mono Regular" panose="00000509000000000000" charset="0"/>
+            </a:endParaRPr>
           </a:p>
           <a:p>
             <a:r>
@@ -6062,8 +6028,8 @@
                 <a:solidFill>
                   <a:srgbClr val="7030A0"/>
                 </a:solidFill>
-                <a:latin typeface="Consolas" panose="020B0609020204030204" pitchFamily="49" charset="0"/>
-                <a:cs typeface="Times New Roman" panose="02020603050405020304" pitchFamily="18" charset="0"/>
+                <a:latin typeface="Victor Mono Regular" panose="00000509000000000000" charset="0"/>
+                <a:cs typeface="Victor Mono Regular" panose="00000509000000000000" charset="0"/>
               </a:rPr>
               <a:t>	data = </a:t>
             </a:r>
@@ -6072,8 +6038,8 @@
                 <a:solidFill>
                   <a:srgbClr val="7030A0"/>
                 </a:solidFill>
-                <a:latin typeface="Consolas" panose="020B0609020204030204" pitchFamily="49" charset="0"/>
-                <a:cs typeface="Times New Roman" panose="02020603050405020304" pitchFamily="18" charset="0"/>
+                <a:latin typeface="Victor Mono Regular" panose="00000509000000000000" charset="0"/>
+                <a:cs typeface="Victor Mono Regular" panose="00000509000000000000" charset="0"/>
               </a:rPr>
               <a:t>something_that_can_go_wrong</a:t>
             </a:r>
@@ -6082,11 +6048,18 @@
                 <a:solidFill>
                   <a:srgbClr val="7030A0"/>
                 </a:solidFill>
-                <a:latin typeface="Consolas" panose="020B0609020204030204" pitchFamily="49" charset="0"/>
-                <a:cs typeface="Times New Roman" panose="02020603050405020304" pitchFamily="18" charset="0"/>
+                <a:latin typeface="Victor Mono Regular" panose="00000509000000000000" charset="0"/>
+                <a:cs typeface="Victor Mono Regular" panose="00000509000000000000" charset="0"/>
               </a:rPr>
               <a:t> </a:t>
             </a:r>
+            <a:endParaRPr lang="en-US" sz="2400" dirty="0">
+              <a:solidFill>
+                <a:srgbClr val="7030A0"/>
+              </a:solidFill>
+              <a:latin typeface="Victor Mono Regular" panose="00000509000000000000" charset="0"/>
+              <a:cs typeface="Victor Mono Regular" panose="00000509000000000000" charset="0"/>
+            </a:endParaRPr>
           </a:p>
           <a:p>
             <a:r>
@@ -6094,11 +6067,18 @@
                 <a:solidFill>
                   <a:srgbClr val="7030A0"/>
                 </a:solidFill>
-                <a:latin typeface="Consolas" panose="020B0609020204030204" pitchFamily="49" charset="0"/>
-                <a:cs typeface="Times New Roman" panose="02020603050405020304" pitchFamily="18" charset="0"/>
+                <a:latin typeface="Victor Mono Regular" panose="00000509000000000000" charset="0"/>
+                <a:cs typeface="Victor Mono Regular" panose="00000509000000000000" charset="0"/>
               </a:rPr>
               <a:t>except: </a:t>
             </a:r>
+            <a:endParaRPr lang="en-US" sz="2400" dirty="0">
+              <a:solidFill>
+                <a:srgbClr val="7030A0"/>
+              </a:solidFill>
+              <a:latin typeface="Victor Mono Regular" panose="00000509000000000000" charset="0"/>
+              <a:cs typeface="Victor Mono Regular" panose="00000509000000000000" charset="0"/>
+            </a:endParaRPr>
           </a:p>
           <a:p>
             <a:r>
@@ -6106,90 +6086,105 @@
                 <a:solidFill>
                   <a:srgbClr val="7030A0"/>
                 </a:solidFill>
-                <a:latin typeface="Consolas" panose="020B0609020204030204" pitchFamily="49" charset="0"/>
-                <a:cs typeface="Times New Roman" panose="02020603050405020304" pitchFamily="18" charset="0"/>
+                <a:latin typeface="Victor Mono Regular" panose="00000509000000000000" charset="0"/>
+                <a:cs typeface="Victor Mono Regular" panose="00000509000000000000" charset="0"/>
               </a:rPr>
               <a:t>	pass </a:t>
             </a:r>
+            <a:endParaRPr lang="en-US" sz="2400" dirty="0">
+              <a:solidFill>
+                <a:srgbClr val="7030A0"/>
+              </a:solidFill>
+              <a:latin typeface="Victor Mono Regular" panose="00000509000000000000" charset="0"/>
+              <a:cs typeface="Victor Mono Regular" panose="00000509000000000000" charset="0"/>
+            </a:endParaRPr>
           </a:p>
           <a:p>
             <a:endParaRPr lang="en-US" dirty="0">
-              <a:latin typeface="Times New Roman" panose="02020603050405020304" pitchFamily="18" charset="0"/>
-              <a:cs typeface="Times New Roman" panose="02020603050405020304" pitchFamily="18" charset="0"/>
+              <a:latin typeface="Times New Roman" panose="02020503050405090304" pitchFamily="18" charset="0"/>
+              <a:cs typeface="Times New Roman" panose="02020503050405090304" pitchFamily="18" charset="0"/>
             </a:endParaRPr>
           </a:p>
           <a:p>
             <a:endParaRPr lang="en-US" dirty="0">
-              <a:latin typeface="Times New Roman" panose="02020603050405020304" pitchFamily="18" charset="0"/>
-              <a:cs typeface="Times New Roman" panose="02020603050405020304" pitchFamily="18" charset="0"/>
+              <a:latin typeface="Times New Roman" panose="02020503050405090304" pitchFamily="18" charset="0"/>
+              <a:cs typeface="Times New Roman" panose="02020503050405090304" pitchFamily="18" charset="0"/>
             </a:endParaRPr>
           </a:p>
           <a:p>
             <a:endParaRPr lang="en-US" dirty="0">
-              <a:latin typeface="Times New Roman" panose="02020603050405020304" pitchFamily="18" charset="0"/>
-              <a:cs typeface="Times New Roman" panose="02020603050405020304" pitchFamily="18" charset="0"/>
+              <a:latin typeface="Times New Roman" panose="02020503050405090304" pitchFamily="18" charset="0"/>
+              <a:cs typeface="Times New Roman" panose="02020503050405090304" pitchFamily="18" charset="0"/>
             </a:endParaRPr>
           </a:p>
           <a:p>
             <a:endParaRPr lang="en-US" dirty="0">
-              <a:latin typeface="Times New Roman" panose="02020603050405020304" pitchFamily="18" charset="0"/>
-              <a:cs typeface="Times New Roman" panose="02020603050405020304" pitchFamily="18" charset="0"/>
+              <a:latin typeface="Times New Roman" panose="02020503050405090304" pitchFamily="18" charset="0"/>
+              <a:cs typeface="Times New Roman" panose="02020503050405090304" pitchFamily="18" charset="0"/>
             </a:endParaRPr>
           </a:p>
           <a:p>
             <a:endParaRPr lang="en-US" dirty="0">
-              <a:latin typeface="Times New Roman" panose="02020603050405020304" pitchFamily="18" charset="0"/>
-              <a:cs typeface="Times New Roman" panose="02020603050405020304" pitchFamily="18" charset="0"/>
+              <a:latin typeface="Times New Roman" panose="02020503050405090304" pitchFamily="18" charset="0"/>
+              <a:cs typeface="Times New Roman" panose="02020503050405090304" pitchFamily="18" charset="0"/>
             </a:endParaRPr>
           </a:p>
           <a:p>
             <a:endParaRPr lang="en-US" dirty="0">
-              <a:latin typeface="Times New Roman" panose="02020603050405020304" pitchFamily="18" charset="0"/>
-              <a:cs typeface="Times New Roman" panose="02020603050405020304" pitchFamily="18" charset="0"/>
+              <a:latin typeface="Times New Roman" panose="02020503050405090304" pitchFamily="18" charset="0"/>
+              <a:cs typeface="Times New Roman" panose="02020503050405090304" pitchFamily="18" charset="0"/>
             </a:endParaRPr>
           </a:p>
           <a:p>
             <a:endParaRPr lang="en-US" dirty="0">
-              <a:latin typeface="Times New Roman" panose="02020603050405020304" pitchFamily="18" charset="0"/>
-              <a:cs typeface="Times New Roman" panose="02020603050405020304" pitchFamily="18" charset="0"/>
+              <a:latin typeface="Times New Roman" panose="02020503050405090304" pitchFamily="18" charset="0"/>
+              <a:cs typeface="Times New Roman" panose="02020503050405090304" pitchFamily="18" charset="0"/>
             </a:endParaRPr>
           </a:p>
           <a:p>
             <a:endParaRPr lang="en-US" dirty="0">
-              <a:latin typeface="Times New Roman" panose="02020603050405020304" pitchFamily="18" charset="0"/>
-              <a:cs typeface="Times New Roman" panose="02020603050405020304" pitchFamily="18" charset="0"/>
+              <a:latin typeface="Times New Roman" panose="02020503050405090304" pitchFamily="18" charset="0"/>
+              <a:cs typeface="Times New Roman" panose="02020503050405090304" pitchFamily="18" charset="0"/>
             </a:endParaRPr>
           </a:p>
           <a:p>
             <a:endParaRPr lang="en-US" dirty="0">
-              <a:latin typeface="Times New Roman" panose="02020603050405020304" pitchFamily="18" charset="0"/>
-              <a:cs typeface="Times New Roman" panose="02020603050405020304" pitchFamily="18" charset="0"/>
+              <a:latin typeface="Times New Roman" panose="02020503050405090304" pitchFamily="18" charset="0"/>
+              <a:cs typeface="Times New Roman" panose="02020503050405090304" pitchFamily="18" charset="0"/>
             </a:endParaRPr>
           </a:p>
           <a:p>
             <a:r>
               <a:rPr lang="en-US" b="1" dirty="0">
-                <a:latin typeface="Times New Roman" panose="02020603050405020304" pitchFamily="18" charset="0"/>
-                <a:cs typeface="Times New Roman" panose="02020603050405020304" pitchFamily="18" charset="0"/>
+                <a:latin typeface="Times New Roman" panose="02020503050405090304" pitchFamily="18" charset="0"/>
+                <a:cs typeface="Times New Roman" panose="02020503050405090304" pitchFamily="18" charset="0"/>
               </a:rPr>
               <a:t>	</a:t>
             </a:r>
+            <a:endParaRPr lang="en-US" b="1" dirty="0">
+              <a:latin typeface="Times New Roman" panose="02020503050405090304" pitchFamily="18" charset="0"/>
+              <a:cs typeface="Times New Roman" panose="02020503050405090304" pitchFamily="18" charset="0"/>
+            </a:endParaRPr>
           </a:p>
           <a:p>
             <a:r>
               <a:rPr lang="en-US" b="1" dirty="0">
-                <a:latin typeface="Times New Roman" panose="02020603050405020304" pitchFamily="18" charset="0"/>
-                <a:cs typeface="Times New Roman" panose="02020603050405020304" pitchFamily="18" charset="0"/>
+                <a:latin typeface="Times New Roman" panose="02020503050405090304" pitchFamily="18" charset="0"/>
+                <a:cs typeface="Times New Roman" panose="02020503050405090304" pitchFamily="18" charset="0"/>
               </a:rPr>
               <a:t>	</a:t>
             </a:r>
+            <a:endParaRPr lang="en-US" b="1" dirty="0">
+              <a:latin typeface="Times New Roman" panose="02020503050405090304" pitchFamily="18" charset="0"/>
+              <a:cs typeface="Times New Roman" panose="02020503050405090304" pitchFamily="18" charset="0"/>
+            </a:endParaRPr>
           </a:p>
           <a:p>
             <a:pPr algn="just"/>
             <a:r>
               <a:rPr lang="en-US" b="1" dirty="0">
-                <a:latin typeface="Times New Roman" panose="02020603050405020304" pitchFamily="18" charset="0"/>
-                <a:cs typeface="Times New Roman" panose="02020603050405020304" pitchFamily="18" charset="0"/>
+                <a:latin typeface="Times New Roman" panose="02020503050405090304" pitchFamily="18" charset="0"/>
+                <a:cs typeface="Times New Roman" panose="02020503050405090304" pitchFamily="18" charset="0"/>
               </a:rPr>
               <a:t>	</a:t>
             </a:r>
@@ -6199,22 +6194,29 @@
                   <a:lumMod val="75000"/>
                 </a:schemeClr>
               </a:solidFill>
-              <a:latin typeface="Times New Roman" panose="02020603050405020304" pitchFamily="18" charset="0"/>
-              <a:cs typeface="Times New Roman" panose="02020603050405020304" pitchFamily="18" charset="0"/>
+              <a:latin typeface="Times New Roman" panose="02020503050405090304" pitchFamily="18" charset="0"/>
+              <a:cs typeface="Times New Roman" panose="02020503050405090304" pitchFamily="18" charset="0"/>
             </a:endParaRPr>
           </a:p>
         </p:txBody>
       </p:sp>
     </p:spTree>
-    <p:extLst>
-      <p:ext uri="{BB962C8B-B14F-4D97-AF65-F5344CB8AC3E}">
-        <p14:creationId xmlns:p14="http://schemas.microsoft.com/office/powerpoint/2010/main" val="2028088575"/>
-      </p:ext>
-    </p:extLst>
   </p:cSld>
   <p:clrMapOvr>
     <a:masterClrMapping/>
   </p:clrMapOvr>
+  <mc:AlternateContent xmlns:mc="http://schemas.openxmlformats.org/markup-compatibility/2006">
+    <mc:Choice xmlns:p15="http://schemas.microsoft.com/office/powerpoint/2012/main" Requires="p15">
+      <p:transition xmlns:p14="http://schemas.microsoft.com/office/powerpoint/2010/main" spd="slow" Requires="p14" p14:dur="1000">
+        <p15:prstTrans prst="peelOff"/>
+      </p:transition>
+    </mc:Choice>
+    <mc:Fallback>
+      <p:transition spd="slow">
+        <p:fade/>
+      </p:transition>
+    </mc:Fallback>
+  </mc:AlternateContent>
 </p:sld>
 </file>
 
@@ -6237,13 +6239,7 @@
       </p:grpSpPr>
       <p:sp>
         <p:nvSpPr>
-          <p:cNvPr id="2" name="Title 1">
-            <a:extLst>
-              <a:ext uri="{FF2B5EF4-FFF2-40B4-BE49-F238E27FC236}">
-                <a16:creationId xmlns:a16="http://schemas.microsoft.com/office/drawing/2014/main" id="{49F2492E-5443-9C29-D10D-628E3ADDFB4F}"/>
-              </a:ext>
-            </a:extLst>
-          </p:cNvPr>
+          <p:cNvPr id="2" name="Title 1"/>
           <p:cNvSpPr>
             <a:spLocks noGrp="1"/>
           </p:cNvSpPr>
@@ -6271,13 +6267,7 @@
       </p:sp>
       <p:sp>
         <p:nvSpPr>
-          <p:cNvPr id="3" name="Content Placeholder 2">
-            <a:extLst>
-              <a:ext uri="{FF2B5EF4-FFF2-40B4-BE49-F238E27FC236}">
-                <a16:creationId xmlns:a16="http://schemas.microsoft.com/office/drawing/2014/main" id="{C3490727-82DA-A0E1-4FFF-A47742825813}"/>
-              </a:ext>
-            </a:extLst>
-          </p:cNvPr>
+          <p:cNvPr id="3" name="Content Placeholder 2"/>
           <p:cNvSpPr>
             <a:spLocks noGrp="1"/>
           </p:cNvSpPr>
@@ -6302,12 +6292,14 @@
             </a:pPr>
             <a:r>
               <a:rPr lang="en-US" dirty="0" err="1">
-                <a:latin typeface="Consolas" panose="020B0609020204030204" pitchFamily="49" charset="0"/>
+                <a:latin typeface="Victor Mono Regular" panose="00000509000000000000" charset="0"/>
+                <a:cs typeface="Victor Mono Regular" panose="00000509000000000000" charset="0"/>
               </a:rPr>
               <a:t>BaseException</a:t>
             </a:r>
             <a:endParaRPr lang="en-GB" dirty="0">
-              <a:latin typeface="Consolas" panose="020B0609020204030204" pitchFamily="49" charset="0"/>
+              <a:latin typeface="Victor Mono Regular" panose="00000509000000000000" charset="0"/>
+              <a:cs typeface="Victor Mono Regular" panose="00000509000000000000" charset="0"/>
             </a:endParaRPr>
           </a:p>
           <a:p>
@@ -6316,18 +6308,21 @@
             </a:pPr>
             <a:r>
               <a:rPr lang="en-US" dirty="0">
-                <a:latin typeface="Consolas" panose="020B0609020204030204" pitchFamily="49" charset="0"/>
+                <a:latin typeface="Victor Mono Regular" panose="00000509000000000000" charset="0"/>
+                <a:cs typeface="Victor Mono Regular" panose="00000509000000000000" charset="0"/>
               </a:rPr>
               <a:t>  ├── </a:t>
             </a:r>
             <a:r>
               <a:rPr lang="en-GB" dirty="0" err="1">
-                <a:latin typeface="Consolas" panose="020B0609020204030204" pitchFamily="49" charset="0"/>
+                <a:latin typeface="Victor Mono Regular" panose="00000509000000000000" charset="0"/>
+                <a:cs typeface="Victor Mono Regular" panose="00000509000000000000" charset="0"/>
               </a:rPr>
               <a:t>SystemExit</a:t>
             </a:r>
             <a:endParaRPr lang="en-GB" dirty="0">
-              <a:latin typeface="Consolas" panose="020B0609020204030204" pitchFamily="49" charset="0"/>
+              <a:latin typeface="Victor Mono Regular" panose="00000509000000000000" charset="0"/>
+              <a:cs typeface="Victor Mono Regular" panose="00000509000000000000" charset="0"/>
             </a:endParaRPr>
           </a:p>
           <a:p>
@@ -6336,18 +6331,21 @@
             </a:pPr>
             <a:r>
               <a:rPr lang="en-US" dirty="0">
-                <a:latin typeface="Consolas" panose="020B0609020204030204" pitchFamily="49" charset="0"/>
+                <a:latin typeface="Victor Mono Regular" panose="00000509000000000000" charset="0"/>
+                <a:cs typeface="Victor Mono Regular" panose="00000509000000000000" charset="0"/>
               </a:rPr>
               <a:t>  ├── </a:t>
             </a:r>
             <a:r>
               <a:rPr lang="en-GB" dirty="0" err="1">
-                <a:latin typeface="Consolas" panose="020B0609020204030204" pitchFamily="49" charset="0"/>
+                <a:latin typeface="Victor Mono Regular" panose="00000509000000000000" charset="0"/>
+                <a:cs typeface="Victor Mono Regular" panose="00000509000000000000" charset="0"/>
               </a:rPr>
               <a:t>KeyboardInterrupt</a:t>
             </a:r>
             <a:endParaRPr lang="en-GB" dirty="0">
-              <a:latin typeface="Consolas" panose="020B0609020204030204" pitchFamily="49" charset="0"/>
+              <a:latin typeface="Victor Mono Regular" panose="00000509000000000000" charset="0"/>
+              <a:cs typeface="Victor Mono Regular" panose="00000509000000000000" charset="0"/>
             </a:endParaRPr>
           </a:p>
           <a:p>
@@ -6356,18 +6354,21 @@
             </a:pPr>
             <a:r>
               <a:rPr lang="en-US" dirty="0">
-                <a:latin typeface="Consolas" panose="020B0609020204030204" pitchFamily="49" charset="0"/>
+                <a:latin typeface="Victor Mono Regular" panose="00000509000000000000" charset="0"/>
+                <a:cs typeface="Victor Mono Regular" panose="00000509000000000000" charset="0"/>
               </a:rPr>
               <a:t>  ├── </a:t>
             </a:r>
             <a:r>
               <a:rPr lang="en-GB" dirty="0" err="1">
-                <a:latin typeface="Consolas" panose="020B0609020204030204" pitchFamily="49" charset="0"/>
+                <a:latin typeface="Victor Mono Regular" panose="00000509000000000000" charset="0"/>
+                <a:cs typeface="Victor Mono Regular" panose="00000509000000000000" charset="0"/>
               </a:rPr>
               <a:t>GeneratorExit</a:t>
             </a:r>
             <a:endParaRPr lang="en-GB" dirty="0">
-              <a:latin typeface="Consolas" panose="020B0609020204030204" pitchFamily="49" charset="0"/>
+              <a:latin typeface="Victor Mono Regular" panose="00000509000000000000" charset="0"/>
+              <a:cs typeface="Victor Mono Regular" panose="00000509000000000000" charset="0"/>
             </a:endParaRPr>
           </a:p>
           <a:p>
@@ -6376,16 +6377,22 @@
             </a:pPr>
             <a:r>
               <a:rPr lang="en-US" dirty="0">
-                <a:latin typeface="Consolas" panose="020B0609020204030204" pitchFamily="49" charset="0"/>
+                <a:latin typeface="Victor Mono Regular" panose="00000509000000000000" charset="0"/>
+                <a:cs typeface="Victor Mono Regular" panose="00000509000000000000" charset="0"/>
               </a:rPr>
               <a:t>  └── </a:t>
             </a:r>
             <a:r>
               <a:rPr lang="en-GB" dirty="0">
-                <a:latin typeface="Consolas" panose="020B0609020204030204" pitchFamily="49" charset="0"/>
+                <a:latin typeface="Victor Mono Regular" panose="00000509000000000000" charset="0"/>
+                <a:cs typeface="Victor Mono Regular" panose="00000509000000000000" charset="0"/>
               </a:rPr>
               <a:t>Exception</a:t>
             </a:r>
+            <a:endParaRPr lang="en-GB" dirty="0">
+              <a:latin typeface="Victor Mono Regular" panose="00000509000000000000" charset="0"/>
+              <a:cs typeface="Victor Mono Regular" panose="00000509000000000000" charset="0"/>
+            </a:endParaRPr>
           </a:p>
           <a:p>
             <a:pPr marL="0" indent="0">
@@ -6393,18 +6400,21 @@
             </a:pPr>
             <a:r>
               <a:rPr lang="en-US" dirty="0">
-                <a:latin typeface="Consolas" panose="020B0609020204030204" pitchFamily="49" charset="0"/>
+                <a:latin typeface="Victor Mono Regular" panose="00000509000000000000" charset="0"/>
+                <a:cs typeface="Victor Mono Regular" panose="00000509000000000000" charset="0"/>
               </a:rPr>
               <a:t>       ├── </a:t>
             </a:r>
             <a:r>
               <a:rPr lang="en-GB" dirty="0" err="1">
-                <a:latin typeface="Consolas" panose="020B0609020204030204" pitchFamily="49" charset="0"/>
+                <a:latin typeface="Victor Mono Regular" panose="00000509000000000000" charset="0"/>
+                <a:cs typeface="Victor Mono Regular" panose="00000509000000000000" charset="0"/>
               </a:rPr>
               <a:t>ArithmeticError</a:t>
             </a:r>
             <a:endParaRPr lang="en-GB" dirty="0">
-              <a:latin typeface="Consolas" panose="020B0609020204030204" pitchFamily="49" charset="0"/>
+              <a:latin typeface="Victor Mono Regular" panose="00000509000000000000" charset="0"/>
+              <a:cs typeface="Victor Mono Regular" panose="00000509000000000000" charset="0"/>
             </a:endParaRPr>
           </a:p>
           <a:p>
@@ -6413,18 +6423,21 @@
             </a:pPr>
             <a:r>
               <a:rPr lang="en-US" dirty="0">
-                <a:latin typeface="Consolas" panose="020B0609020204030204" pitchFamily="49" charset="0"/>
+                <a:latin typeface="Victor Mono Regular" panose="00000509000000000000" charset="0"/>
+                <a:cs typeface="Victor Mono Regular" panose="00000509000000000000" charset="0"/>
               </a:rPr>
               <a:t>       │    ├── </a:t>
             </a:r>
             <a:r>
               <a:rPr lang="en-US" dirty="0" err="1">
-                <a:latin typeface="Consolas" panose="020B0609020204030204" pitchFamily="49" charset="0"/>
+                <a:latin typeface="Victor Mono Regular" panose="00000509000000000000" charset="0"/>
+                <a:cs typeface="Victor Mono Regular" panose="00000509000000000000" charset="0"/>
               </a:rPr>
               <a:t>FloatingPointError</a:t>
             </a:r>
             <a:endParaRPr lang="en-GB" dirty="0">
-              <a:latin typeface="Consolas" panose="020B0609020204030204" pitchFamily="49" charset="0"/>
+              <a:latin typeface="Victor Mono Regular" panose="00000509000000000000" charset="0"/>
+              <a:cs typeface="Victor Mono Regular" panose="00000509000000000000" charset="0"/>
             </a:endParaRPr>
           </a:p>
           <a:p>
@@ -6433,18 +6446,21 @@
             </a:pPr>
             <a:r>
               <a:rPr lang="en-US" dirty="0">
-                <a:latin typeface="Consolas" panose="020B0609020204030204" pitchFamily="49" charset="0"/>
+                <a:latin typeface="Victor Mono Regular" panose="00000509000000000000" charset="0"/>
+                <a:cs typeface="Victor Mono Regular" panose="00000509000000000000" charset="0"/>
               </a:rPr>
               <a:t>       │    ├── </a:t>
             </a:r>
             <a:r>
               <a:rPr lang="en-US" dirty="0" err="1">
-                <a:latin typeface="Consolas" panose="020B0609020204030204" pitchFamily="49" charset="0"/>
+                <a:latin typeface="Victor Mono Regular" panose="00000509000000000000" charset="0"/>
+                <a:cs typeface="Victor Mono Regular" panose="00000509000000000000" charset="0"/>
               </a:rPr>
               <a:t>OverflowError</a:t>
             </a:r>
             <a:endParaRPr lang="en-GB" dirty="0">
-              <a:latin typeface="Consolas" panose="020B0609020204030204" pitchFamily="49" charset="0"/>
+              <a:latin typeface="Victor Mono Regular" panose="00000509000000000000" charset="0"/>
+              <a:cs typeface="Victor Mono Regular" panose="00000509000000000000" charset="0"/>
             </a:endParaRPr>
           </a:p>
           <a:p>
@@ -6453,18 +6469,21 @@
             </a:pPr>
             <a:r>
               <a:rPr lang="en-US" dirty="0">
-                <a:latin typeface="Consolas" panose="020B0609020204030204" pitchFamily="49" charset="0"/>
+                <a:latin typeface="Victor Mono Regular" panose="00000509000000000000" charset="0"/>
+                <a:cs typeface="Victor Mono Regular" panose="00000509000000000000" charset="0"/>
               </a:rPr>
               <a:t>       │    └── </a:t>
             </a:r>
             <a:r>
               <a:rPr lang="en-US" dirty="0" err="1">
-                <a:latin typeface="Consolas" panose="020B0609020204030204" pitchFamily="49" charset="0"/>
+                <a:latin typeface="Victor Mono Regular" panose="00000509000000000000" charset="0"/>
+                <a:cs typeface="Victor Mono Regular" panose="00000509000000000000" charset="0"/>
               </a:rPr>
               <a:t>ZeroDivisionError</a:t>
             </a:r>
             <a:endParaRPr lang="en-GB" dirty="0">
-              <a:latin typeface="Consolas" panose="020B0609020204030204" pitchFamily="49" charset="0"/>
+              <a:latin typeface="Victor Mono Regular" panose="00000509000000000000" charset="0"/>
+              <a:cs typeface="Victor Mono Regular" panose="00000509000000000000" charset="0"/>
             </a:endParaRPr>
           </a:p>
           <a:p>
@@ -6473,18 +6492,21 @@
             </a:pPr>
             <a:r>
               <a:rPr lang="en-US" dirty="0">
-                <a:latin typeface="Consolas" panose="020B0609020204030204" pitchFamily="49" charset="0"/>
+                <a:latin typeface="Victor Mono Regular" panose="00000509000000000000" charset="0"/>
+                <a:cs typeface="Victor Mono Regular" panose="00000509000000000000" charset="0"/>
               </a:rPr>
               <a:t>       ├── </a:t>
             </a:r>
             <a:r>
               <a:rPr lang="en-US" dirty="0" err="1">
-                <a:latin typeface="Consolas" panose="020B0609020204030204" pitchFamily="49" charset="0"/>
+                <a:latin typeface="Victor Mono Regular" panose="00000509000000000000" charset="0"/>
+                <a:cs typeface="Victor Mono Regular" panose="00000509000000000000" charset="0"/>
               </a:rPr>
               <a:t>AssertionError</a:t>
             </a:r>
             <a:endParaRPr lang="en-GB" dirty="0">
-              <a:latin typeface="Consolas" panose="020B0609020204030204" pitchFamily="49" charset="0"/>
+              <a:latin typeface="Victor Mono Regular" panose="00000509000000000000" charset="0"/>
+              <a:cs typeface="Victor Mono Regular" panose="00000509000000000000" charset="0"/>
             </a:endParaRPr>
           </a:p>
           <a:p>
@@ -6493,24 +6515,28 @@
             </a:pPr>
             <a:r>
               <a:rPr lang="en-GB" dirty="0">
-                <a:latin typeface="Consolas" panose="020B0609020204030204" pitchFamily="49" charset="0"/>
+                <a:latin typeface="Victor Mono Regular" panose="00000509000000000000" charset="0"/>
+                <a:cs typeface="Victor Mono Regular" panose="00000509000000000000" charset="0"/>
               </a:rPr>
               <a:t>       </a:t>
             </a:r>
             <a:r>
               <a:rPr lang="en-US" dirty="0">
-                <a:latin typeface="Consolas" panose="020B0609020204030204" pitchFamily="49" charset="0"/>
+                <a:latin typeface="Victor Mono Regular" panose="00000509000000000000" charset="0"/>
+                <a:cs typeface="Victor Mono Regular" panose="00000509000000000000" charset="0"/>
               </a:rPr>
               <a:t>├── </a:t>
             </a:r>
             <a:r>
               <a:rPr lang="en-US" dirty="0" err="1">
-                <a:latin typeface="Consolas" panose="020B0609020204030204" pitchFamily="49" charset="0"/>
+                <a:latin typeface="Victor Mono Regular" panose="00000509000000000000" charset="0"/>
+                <a:cs typeface="Victor Mono Regular" panose="00000509000000000000" charset="0"/>
               </a:rPr>
               <a:t>EOFError</a:t>
             </a:r>
             <a:endParaRPr lang="en-GB" dirty="0">
-              <a:latin typeface="Consolas" panose="020B0609020204030204" pitchFamily="49" charset="0"/>
+              <a:latin typeface="Victor Mono Regular" panose="00000509000000000000" charset="0"/>
+              <a:cs typeface="Victor Mono Regular" panose="00000509000000000000" charset="0"/>
             </a:endParaRPr>
           </a:p>
           <a:p>
@@ -6519,18 +6545,21 @@
             </a:pPr>
             <a:r>
               <a:rPr lang="en-US" dirty="0">
-                <a:latin typeface="Consolas" panose="020B0609020204030204" pitchFamily="49" charset="0"/>
+                <a:latin typeface="Victor Mono Regular" panose="00000509000000000000" charset="0"/>
+                <a:cs typeface="Victor Mono Regular" panose="00000509000000000000" charset="0"/>
               </a:rPr>
               <a:t>       ├── </a:t>
             </a:r>
             <a:r>
               <a:rPr lang="en-US" dirty="0" err="1">
-                <a:latin typeface="Consolas" panose="020B0609020204030204" pitchFamily="49" charset="0"/>
+                <a:latin typeface="Victor Mono Regular" panose="00000509000000000000" charset="0"/>
+                <a:cs typeface="Victor Mono Regular" panose="00000509000000000000" charset="0"/>
               </a:rPr>
               <a:t>ImportError</a:t>
             </a:r>
             <a:endParaRPr lang="en-GB" dirty="0">
-              <a:latin typeface="Consolas" panose="020B0609020204030204" pitchFamily="49" charset="0"/>
+              <a:latin typeface="Victor Mono Regular" panose="00000509000000000000" charset="0"/>
+              <a:cs typeface="Victor Mono Regular" panose="00000509000000000000" charset="0"/>
             </a:endParaRPr>
           </a:p>
           <a:p>
@@ -6539,18 +6568,21 @@
             </a:pPr>
             <a:r>
               <a:rPr lang="en-US" dirty="0">
-                <a:latin typeface="Consolas" panose="020B0609020204030204" pitchFamily="49" charset="0"/>
+                <a:latin typeface="Victor Mono Regular" panose="00000509000000000000" charset="0"/>
+                <a:cs typeface="Victor Mono Regular" panose="00000509000000000000" charset="0"/>
               </a:rPr>
               <a:t>       │    └── </a:t>
             </a:r>
             <a:r>
               <a:rPr lang="en-US" dirty="0" err="1">
-                <a:latin typeface="Consolas" panose="020B0609020204030204" pitchFamily="49" charset="0"/>
+                <a:latin typeface="Victor Mono Regular" panose="00000509000000000000" charset="0"/>
+                <a:cs typeface="Victor Mono Regular" panose="00000509000000000000" charset="0"/>
               </a:rPr>
               <a:t>ModuleNotFoundError</a:t>
             </a:r>
             <a:endParaRPr lang="en-GB" dirty="0">
-              <a:latin typeface="Consolas" panose="020B0609020204030204" pitchFamily="49" charset="0"/>
+              <a:latin typeface="Victor Mono Regular" panose="00000509000000000000" charset="0"/>
+              <a:cs typeface="Victor Mono Regular" panose="00000509000000000000" charset="0"/>
             </a:endParaRPr>
           </a:p>
           <a:p>
@@ -6559,24 +6591,28 @@
             </a:pPr>
             <a:r>
               <a:rPr lang="en-GB" dirty="0">
-                <a:latin typeface="Consolas" panose="020B0609020204030204" pitchFamily="49" charset="0"/>
+                <a:latin typeface="Victor Mono Regular" panose="00000509000000000000" charset="0"/>
+                <a:cs typeface="Victor Mono Regular" panose="00000509000000000000" charset="0"/>
               </a:rPr>
               <a:t>      </a:t>
             </a:r>
             <a:r>
               <a:rPr lang="en-US" dirty="0">
-                <a:latin typeface="Consolas" panose="020B0609020204030204" pitchFamily="49" charset="0"/>
+                <a:latin typeface="Victor Mono Regular" panose="00000509000000000000" charset="0"/>
+                <a:cs typeface="Victor Mono Regular" panose="00000509000000000000" charset="0"/>
               </a:rPr>
               <a:t> ├── </a:t>
             </a:r>
             <a:r>
               <a:rPr lang="en-US" dirty="0" err="1">
-                <a:latin typeface="Consolas" panose="020B0609020204030204" pitchFamily="49" charset="0"/>
+                <a:latin typeface="Victor Mono Regular" panose="00000509000000000000" charset="0"/>
+                <a:cs typeface="Victor Mono Regular" panose="00000509000000000000" charset="0"/>
               </a:rPr>
               <a:t>ValueError</a:t>
             </a:r>
             <a:endParaRPr lang="en-GB" dirty="0">
-              <a:latin typeface="Consolas" panose="020B0609020204030204" pitchFamily="49" charset="0"/>
+              <a:latin typeface="Victor Mono Regular" panose="00000509000000000000" charset="0"/>
+              <a:cs typeface="Victor Mono Regular" panose="00000509000000000000" charset="0"/>
             </a:endParaRPr>
           </a:p>
           <a:p>
@@ -6585,18 +6621,21 @@
             </a:pPr>
             <a:r>
               <a:rPr lang="en-US" dirty="0">
-                <a:latin typeface="Consolas" panose="020B0609020204030204" pitchFamily="49" charset="0"/>
+                <a:latin typeface="Victor Mono Regular" panose="00000509000000000000" charset="0"/>
+                <a:cs typeface="Victor Mono Regular" panose="00000509000000000000" charset="0"/>
               </a:rPr>
               <a:t>       │    └── </a:t>
             </a:r>
             <a:r>
               <a:rPr lang="en-US" dirty="0" err="1">
-                <a:latin typeface="Consolas" panose="020B0609020204030204" pitchFamily="49" charset="0"/>
+                <a:latin typeface="Victor Mono Regular" panose="00000509000000000000" charset="0"/>
+                <a:cs typeface="Victor Mono Regular" panose="00000509000000000000" charset="0"/>
               </a:rPr>
               <a:t>UnicodeError</a:t>
             </a:r>
             <a:endParaRPr lang="en-GB" dirty="0">
-              <a:latin typeface="Consolas" panose="020B0609020204030204" pitchFamily="49" charset="0"/>
+              <a:latin typeface="Victor Mono Regular" panose="00000509000000000000" charset="0"/>
+              <a:cs typeface="Victor Mono Regular" panose="00000509000000000000" charset="0"/>
             </a:endParaRPr>
           </a:p>
           <a:p>
@@ -6605,12 +6644,14 @@
             </a:pPr>
             <a:r>
               <a:rPr lang="en-US" dirty="0">
-                <a:latin typeface="Consolas" panose="020B0609020204030204" pitchFamily="49" charset="0"/>
+                <a:latin typeface="Victor Mono Regular" panose="00000509000000000000" charset="0"/>
+                <a:cs typeface="Victor Mono Regular" panose="00000509000000000000" charset="0"/>
               </a:rPr>
               <a:t>       └── Warning</a:t>
             </a:r>
             <a:endParaRPr lang="en-GB" dirty="0">
-              <a:latin typeface="Consolas" panose="020B0609020204030204" pitchFamily="49" charset="0"/>
+              <a:latin typeface="Victor Mono Regular" panose="00000509000000000000" charset="0"/>
+              <a:cs typeface="Victor Mono Regular" panose="00000509000000000000" charset="0"/>
             </a:endParaRPr>
           </a:p>
           <a:p>
@@ -6619,18 +6660,21 @@
             </a:pPr>
             <a:r>
               <a:rPr lang="en-US" dirty="0">
-                <a:latin typeface="Consolas" panose="020B0609020204030204" pitchFamily="49" charset="0"/>
+                <a:latin typeface="Victor Mono Regular" panose="00000509000000000000" charset="0"/>
+                <a:cs typeface="Victor Mono Regular" panose="00000509000000000000" charset="0"/>
               </a:rPr>
               <a:t>            ├── </a:t>
             </a:r>
             <a:r>
               <a:rPr lang="en-US" dirty="0" err="1">
-                <a:latin typeface="Consolas" panose="020B0609020204030204" pitchFamily="49" charset="0"/>
+                <a:latin typeface="Victor Mono Regular" panose="00000509000000000000" charset="0"/>
+                <a:cs typeface="Victor Mono Regular" panose="00000509000000000000" charset="0"/>
               </a:rPr>
               <a:t>DeprecationWarning</a:t>
             </a:r>
             <a:endParaRPr lang="en-GB" dirty="0">
-              <a:latin typeface="Consolas" panose="020B0609020204030204" pitchFamily="49" charset="0"/>
+              <a:latin typeface="Victor Mono Regular" panose="00000509000000000000" charset="0"/>
+              <a:cs typeface="Victor Mono Regular" panose="00000509000000000000" charset="0"/>
             </a:endParaRPr>
           </a:p>
           <a:p>
@@ -6639,18 +6683,21 @@
             </a:pPr>
             <a:r>
               <a:rPr lang="en-US" dirty="0">
-                <a:latin typeface="Consolas" panose="020B0609020204030204" pitchFamily="49" charset="0"/>
+                <a:latin typeface="Victor Mono Regular" panose="00000509000000000000" charset="0"/>
+                <a:cs typeface="Victor Mono Regular" panose="00000509000000000000" charset="0"/>
               </a:rPr>
               <a:t>            └── </a:t>
             </a:r>
             <a:r>
               <a:rPr lang="en-US" dirty="0" err="1">
-                <a:latin typeface="Consolas" panose="020B0609020204030204" pitchFamily="49" charset="0"/>
+                <a:latin typeface="Victor Mono Regular" panose="00000509000000000000" charset="0"/>
+                <a:cs typeface="Victor Mono Regular" panose="00000509000000000000" charset="0"/>
               </a:rPr>
               <a:t>RuntimeWarning</a:t>
             </a:r>
             <a:endParaRPr lang="en-GB" dirty="0">
-              <a:latin typeface="Consolas" panose="020B0609020204030204" pitchFamily="49" charset="0"/>
+              <a:latin typeface="Victor Mono Regular" panose="00000509000000000000" charset="0"/>
+              <a:cs typeface="Victor Mono Regular" panose="00000509000000000000" charset="0"/>
             </a:endParaRPr>
           </a:p>
           <a:p>
@@ -6659,23 +6706,35 @@
             </a:pPr>
             <a:r>
               <a:rPr lang="en-US" dirty="0">
-                <a:latin typeface="Consolas" panose="020B0609020204030204" pitchFamily="49" charset="0"/>
+                <a:latin typeface="Victor Mono Regular" panose="00000509000000000000" charset="0"/>
+                <a:cs typeface="Victor Mono Regular" panose="00000509000000000000" charset="0"/>
               </a:rPr>
               <a:t>            ... (other warnings)</a:t>
             </a:r>
+            <a:endParaRPr lang="en-US" dirty="0">
+              <a:latin typeface="Victor Mono Regular" panose="00000509000000000000" charset="0"/>
+              <a:cs typeface="Victor Mono Regular" panose="00000509000000000000" charset="0"/>
+            </a:endParaRPr>
           </a:p>
         </p:txBody>
       </p:sp>
     </p:spTree>
-    <p:extLst>
-      <p:ext uri="{BB962C8B-B14F-4D97-AF65-F5344CB8AC3E}">
-        <p14:creationId xmlns:p14="http://schemas.microsoft.com/office/powerpoint/2010/main" val="2649641743"/>
-      </p:ext>
-    </p:extLst>
   </p:cSld>
   <p:clrMapOvr>
     <a:masterClrMapping/>
   </p:clrMapOvr>
+  <mc:AlternateContent xmlns:mc="http://schemas.openxmlformats.org/markup-compatibility/2006">
+    <mc:Choice xmlns:p15="http://schemas.microsoft.com/office/powerpoint/2012/main" Requires="p15">
+      <p:transition xmlns:p14="http://schemas.microsoft.com/office/powerpoint/2010/main" spd="slow" Requires="p14" p14:dur="1000">
+        <p15:prstTrans prst="peelOff"/>
+      </p:transition>
+    </mc:Choice>
+    <mc:Fallback>
+      <p:transition spd="slow">
+        <p:fade/>
+      </p:transition>
+    </mc:Fallback>
+  </mc:AlternateContent>
 </p:sld>
 </file>
 
@@ -6698,13 +6757,7 @@
       </p:grpSpPr>
       <p:sp>
         <p:nvSpPr>
-          <p:cNvPr id="2" name="Title 1">
-            <a:extLst>
-              <a:ext uri="{FF2B5EF4-FFF2-40B4-BE49-F238E27FC236}">
-                <a16:creationId xmlns:a16="http://schemas.microsoft.com/office/drawing/2014/main" id="{49F2492E-5443-9C29-D10D-628E3ADDFB4F}"/>
-              </a:ext>
-            </a:extLst>
-          </p:cNvPr>
+          <p:cNvPr id="2" name="Title 1"/>
           <p:cNvSpPr>
             <a:spLocks noGrp="1"/>
           </p:cNvSpPr>
@@ -6732,13 +6785,7 @@
       </p:sp>
       <p:sp>
         <p:nvSpPr>
-          <p:cNvPr id="3" name="Content Placeholder 2">
-            <a:extLst>
-              <a:ext uri="{FF2B5EF4-FFF2-40B4-BE49-F238E27FC236}">
-                <a16:creationId xmlns:a16="http://schemas.microsoft.com/office/drawing/2014/main" id="{C3490727-82DA-A0E1-4FFF-A47742825813}"/>
-              </a:ext>
-            </a:extLst>
-          </p:cNvPr>
+          <p:cNvPr id="3" name="Content Placeholder 2"/>
           <p:cNvSpPr>
             <a:spLocks noGrp="1"/>
           </p:cNvSpPr>
@@ -6766,6 +6813,7 @@
               <a:rPr lang="en-GB" dirty="0"/>
               <a:t>.</a:t>
             </a:r>
+            <a:endParaRPr lang="en-GB" dirty="0"/>
           </a:p>
           <a:p>
             <a:r>
@@ -6792,19 +6840,27 @@
               <a:rPr lang="en-US" dirty="0"/>
               <a:t>).</a:t>
             </a:r>
+            <a:endParaRPr lang="en-US" dirty="0"/>
           </a:p>
         </p:txBody>
       </p:sp>
     </p:spTree>
-    <p:extLst>
-      <p:ext uri="{BB962C8B-B14F-4D97-AF65-F5344CB8AC3E}">
-        <p14:creationId xmlns:p14="http://schemas.microsoft.com/office/powerpoint/2010/main" val="2516758890"/>
-      </p:ext>
-    </p:extLst>
   </p:cSld>
   <p:clrMapOvr>
     <a:masterClrMapping/>
   </p:clrMapOvr>
+  <mc:AlternateContent xmlns:mc="http://schemas.openxmlformats.org/markup-compatibility/2006">
+    <mc:Choice xmlns:p15="http://schemas.microsoft.com/office/powerpoint/2012/main" Requires="p15">
+      <p:transition xmlns:p14="http://schemas.microsoft.com/office/powerpoint/2010/main" spd="slow" Requires="p14" p14:dur="1000">
+        <p15:prstTrans prst="peelOff"/>
+      </p:transition>
+    </mc:Choice>
+    <mc:Fallback>
+      <p:transition spd="slow">
+        <p:fade/>
+      </p:transition>
+    </mc:Fallback>
+  </mc:AlternateContent>
 </p:sld>
 </file>
 
@@ -6827,13 +6883,7 @@
       </p:grpSpPr>
       <p:sp>
         <p:nvSpPr>
-          <p:cNvPr id="2" name="Title 1">
-            <a:extLst>
-              <a:ext uri="{FF2B5EF4-FFF2-40B4-BE49-F238E27FC236}">
-                <a16:creationId xmlns:a16="http://schemas.microsoft.com/office/drawing/2014/main" id="{49F2492E-5443-9C29-D10D-628E3ADDFB4F}"/>
-              </a:ext>
-            </a:extLst>
-          </p:cNvPr>
+          <p:cNvPr id="2" name="Title 1"/>
           <p:cNvSpPr>
             <a:spLocks noGrp="1"/>
           </p:cNvSpPr>
@@ -6865,13 +6915,7 @@
       </p:sp>
       <p:sp>
         <p:nvSpPr>
-          <p:cNvPr id="3" name="Content Placeholder 2">
-            <a:extLst>
-              <a:ext uri="{FF2B5EF4-FFF2-40B4-BE49-F238E27FC236}">
-                <a16:creationId xmlns:a16="http://schemas.microsoft.com/office/drawing/2014/main" id="{C3490727-82DA-A0E1-4FFF-A47742825813}"/>
-              </a:ext>
-            </a:extLst>
-          </p:cNvPr>
+          <p:cNvPr id="3" name="Content Placeholder 2"/>
           <p:cNvSpPr>
             <a:spLocks noGrp="1"/>
           </p:cNvSpPr>
@@ -6915,7 +6959,8 @@
                     <a:lumMod val="50000"/>
                   </a:schemeClr>
                 </a:solidFill>
-                <a:latin typeface="Consolas" panose="020B0609020204030204" pitchFamily="49" charset="0"/>
+                <a:latin typeface="Victor Mono Regular" panose="00000509000000000000" charset="0"/>
+                <a:cs typeface="Victor Mono Regular" panose="00000509000000000000" charset="0"/>
               </a:rPr>
               <a:t>try:</a:t>
             </a:r>
@@ -6925,7 +6970,8 @@
                   <a:lumMod val="50000"/>
                 </a:schemeClr>
               </a:solidFill>
-              <a:latin typeface="Consolas" panose="020B0609020204030204" pitchFamily="49" charset="0"/>
+              <a:latin typeface="Victor Mono Regular" panose="00000509000000000000" charset="0"/>
+              <a:cs typeface="Victor Mono Regular" panose="00000509000000000000" charset="0"/>
             </a:endParaRPr>
           </a:p>
           <a:p>
@@ -6939,7 +6985,8 @@
                     <a:lumMod val="50000"/>
                   </a:schemeClr>
                 </a:solidFill>
-                <a:latin typeface="Consolas" panose="020B0609020204030204" pitchFamily="49" charset="0"/>
+                <a:latin typeface="Victor Mono Regular" panose="00000509000000000000" charset="0"/>
+                <a:cs typeface="Victor Mono Regular" panose="00000509000000000000" charset="0"/>
               </a:rPr>
               <a:t>    x = 1 / 0</a:t>
             </a:r>
@@ -6949,7 +6996,8 @@
                   <a:lumMod val="50000"/>
                 </a:schemeClr>
               </a:solidFill>
-              <a:latin typeface="Consolas" panose="020B0609020204030204" pitchFamily="49" charset="0"/>
+              <a:latin typeface="Victor Mono Regular" panose="00000509000000000000" charset="0"/>
+              <a:cs typeface="Victor Mono Regular" panose="00000509000000000000" charset="0"/>
             </a:endParaRPr>
           </a:p>
           <a:p>
@@ -6963,7 +7011,8 @@
                     <a:lumMod val="50000"/>
                   </a:schemeClr>
                 </a:solidFill>
-                <a:latin typeface="Consolas" panose="020B0609020204030204" pitchFamily="49" charset="0"/>
+                <a:latin typeface="Victor Mono Regular" panose="00000509000000000000" charset="0"/>
+                <a:cs typeface="Victor Mono Regular" panose="00000509000000000000" charset="0"/>
               </a:rPr>
               <a:t>except Exception as e:</a:t>
             </a:r>
@@ -6973,7 +7022,8 @@
                   <a:lumMod val="50000"/>
                 </a:schemeClr>
               </a:solidFill>
-              <a:latin typeface="Consolas" panose="020B0609020204030204" pitchFamily="49" charset="0"/>
+              <a:latin typeface="Victor Mono Regular" panose="00000509000000000000" charset="0"/>
+              <a:cs typeface="Victor Mono Regular" panose="00000509000000000000" charset="0"/>
             </a:endParaRPr>
           </a:p>
           <a:p>
@@ -6987,7 +7037,8 @@
                     <a:lumMod val="50000"/>
                   </a:schemeClr>
                 </a:solidFill>
-                <a:latin typeface="Consolas" panose="020B0609020204030204" pitchFamily="49" charset="0"/>
+                <a:latin typeface="Victor Mono Regular" panose="00000509000000000000" charset="0"/>
+                <a:cs typeface="Victor Mono Regular" panose="00000509000000000000" charset="0"/>
               </a:rPr>
               <a:t>  </a:t>
             </a:r>
@@ -6998,7 +7049,8 @@
                     <a:lumMod val="50000"/>
                   </a:schemeClr>
                 </a:solidFill>
-                <a:latin typeface="Consolas" panose="020B0609020204030204" pitchFamily="49" charset="0"/>
+                <a:latin typeface="Victor Mono Regular" panose="00000509000000000000" charset="0"/>
+                <a:cs typeface="Victor Mono Regular" panose="00000509000000000000" charset="0"/>
               </a:rPr>
               <a:t>  </a:t>
             </a:r>
@@ -7009,7 +7061,8 @@
                     <a:lumMod val="50000"/>
                   </a:schemeClr>
                 </a:solidFill>
-                <a:latin typeface="Consolas" panose="020B0609020204030204" pitchFamily="49" charset="0"/>
+                <a:latin typeface="Victor Mono Regular" panose="00000509000000000000" charset="0"/>
+                <a:cs typeface="Victor Mono Regular" panose="00000509000000000000" charset="0"/>
               </a:rPr>
               <a:t># Catches most errors</a:t>
             </a:r>
@@ -7019,7 +7072,8 @@
                   <a:lumMod val="50000"/>
                 </a:schemeClr>
               </a:solidFill>
-              <a:latin typeface="Consolas" panose="020B0609020204030204" pitchFamily="49" charset="0"/>
+              <a:latin typeface="Victor Mono Regular" panose="00000509000000000000" charset="0"/>
+              <a:cs typeface="Victor Mono Regular" panose="00000509000000000000" charset="0"/>
             </a:endParaRPr>
           </a:p>
           <a:p>
@@ -7033,7 +7087,8 @@
                     <a:lumMod val="50000"/>
                   </a:schemeClr>
                 </a:solidFill>
-                <a:latin typeface="Consolas" panose="020B0609020204030204" pitchFamily="49" charset="0"/>
+                <a:latin typeface="Victor Mono Regular" panose="00000509000000000000" charset="0"/>
+                <a:cs typeface="Victor Mono Regular" panose="00000509000000000000" charset="0"/>
               </a:rPr>
               <a:t>    print(</a:t>
             </a:r>
@@ -7044,7 +7099,8 @@
                     <a:lumMod val="50000"/>
                   </a:schemeClr>
                 </a:solidFill>
-                <a:latin typeface="Consolas" panose="020B0609020204030204" pitchFamily="49" charset="0"/>
+                <a:latin typeface="Victor Mono Regular" panose="00000509000000000000" charset="0"/>
+                <a:cs typeface="Victor Mono Regular" panose="00000509000000000000" charset="0"/>
               </a:rPr>
               <a:t>f"Error</a:t>
             </a:r>
@@ -7055,23 +7111,40 @@
                     <a:lumMod val="50000"/>
                   </a:schemeClr>
                 </a:solidFill>
-                <a:latin typeface="Consolas" panose="020B0609020204030204" pitchFamily="49" charset="0"/>
+                <a:latin typeface="Victor Mono Regular" panose="00000509000000000000" charset="0"/>
+                <a:cs typeface="Victor Mono Regular" panose="00000509000000000000" charset="0"/>
               </a:rPr>
               <a:t>: {e}")</a:t>
             </a:r>
+            <a:endParaRPr lang="en-US" dirty="0">
+              <a:solidFill>
+                <a:schemeClr val="bg1">
+                  <a:lumMod val="50000"/>
+                </a:schemeClr>
+              </a:solidFill>
+              <a:latin typeface="Victor Mono Regular" panose="00000509000000000000" charset="0"/>
+              <a:cs typeface="Victor Mono Regular" panose="00000509000000000000" charset="0"/>
+            </a:endParaRPr>
           </a:p>
         </p:txBody>
       </p:sp>
     </p:spTree>
-    <p:extLst>
-      <p:ext uri="{BB962C8B-B14F-4D97-AF65-F5344CB8AC3E}">
-        <p14:creationId xmlns:p14="http://schemas.microsoft.com/office/powerpoint/2010/main" val="412781498"/>
-      </p:ext>
-    </p:extLst>
   </p:cSld>
   <p:clrMapOvr>
     <a:masterClrMapping/>
   </p:clrMapOvr>
+  <mc:AlternateContent xmlns:mc="http://schemas.openxmlformats.org/markup-compatibility/2006">
+    <mc:Choice xmlns:p15="http://schemas.microsoft.com/office/powerpoint/2012/main" Requires="p15">
+      <p:transition xmlns:p14="http://schemas.microsoft.com/office/powerpoint/2010/main" spd="slow" Requires="p14" p14:dur="1000">
+        <p15:prstTrans prst="peelOff"/>
+      </p:transition>
+    </mc:Choice>
+    <mc:Fallback>
+      <p:transition spd="slow">
+        <p:fade/>
+      </p:transition>
+    </mc:Fallback>
+  </mc:AlternateContent>
 </p:sld>
 </file>
 
@@ -7094,13 +7167,7 @@
       </p:grpSpPr>
       <p:sp>
         <p:nvSpPr>
-          <p:cNvPr id="2" name="Title 1">
-            <a:extLst>
-              <a:ext uri="{FF2B5EF4-FFF2-40B4-BE49-F238E27FC236}">
-                <a16:creationId xmlns:a16="http://schemas.microsoft.com/office/drawing/2014/main" id="{49F2492E-5443-9C29-D10D-628E3ADDFB4F}"/>
-              </a:ext>
-            </a:extLst>
-          </p:cNvPr>
+          <p:cNvPr id="2" name="Title 1"/>
           <p:cNvSpPr>
             <a:spLocks noGrp="1"/>
           </p:cNvSpPr>
@@ -7128,13 +7195,7 @@
       </p:sp>
       <p:sp>
         <p:nvSpPr>
-          <p:cNvPr id="3" name="Content Placeholder 2">
-            <a:extLst>
-              <a:ext uri="{FF2B5EF4-FFF2-40B4-BE49-F238E27FC236}">
-                <a16:creationId xmlns:a16="http://schemas.microsoft.com/office/drawing/2014/main" id="{C3490727-82DA-A0E1-4FFF-A47742825813}"/>
-              </a:ext>
-            </a:extLst>
-          </p:cNvPr>
+          <p:cNvPr id="3" name="Content Placeholder 2"/>
           <p:cNvSpPr>
             <a:spLocks noGrp="1"/>
           </p:cNvSpPr>
@@ -7198,6 +7259,7 @@
               <a:rPr lang="en-IN" dirty="0"/>
               <a:t>)</a:t>
             </a:r>
+            <a:endParaRPr lang="en-IN" dirty="0"/>
           </a:p>
           <a:p>
             <a:r>
@@ -7239,6 +7301,7 @@
               <a:rPr lang="en-IN" dirty="0"/>
               <a:t>range</a:t>
             </a:r>
+            <a:endParaRPr lang="en-IN" dirty="0"/>
           </a:p>
           <a:p>
             <a:r>
@@ -7261,6 +7324,7 @@
               <a:rPr lang="en-IN" dirty="0"/>
               <a:t>key</a:t>
             </a:r>
+            <a:endParaRPr lang="en-IN" dirty="0"/>
           </a:p>
           <a:p>
             <a:r>
@@ -7321,19 +7385,27 @@
               <a:rPr lang="en-US" dirty="0"/>
               <a:t>assert condition fails</a:t>
             </a:r>
+            <a:endParaRPr lang="en-US" dirty="0"/>
           </a:p>
         </p:txBody>
       </p:sp>
     </p:spTree>
-    <p:extLst>
-      <p:ext uri="{BB962C8B-B14F-4D97-AF65-F5344CB8AC3E}">
-        <p14:creationId xmlns:p14="http://schemas.microsoft.com/office/powerpoint/2010/main" val="2902980510"/>
-      </p:ext>
-    </p:extLst>
   </p:cSld>
   <p:clrMapOvr>
     <a:masterClrMapping/>
   </p:clrMapOvr>
+  <mc:AlternateContent xmlns:mc="http://schemas.openxmlformats.org/markup-compatibility/2006">
+    <mc:Choice xmlns:p15="http://schemas.microsoft.com/office/powerpoint/2012/main" Requires="p15">
+      <p:transition xmlns:p14="http://schemas.microsoft.com/office/powerpoint/2010/main" spd="slow" Requires="p14" p14:dur="1000">
+        <p15:prstTrans prst="peelOff"/>
+      </p:transition>
+    </mc:Choice>
+    <mc:Fallback>
+      <p:transition spd="slow">
+        <p:fade/>
+      </p:transition>
+    </mc:Fallback>
+  </mc:AlternateContent>
 </p:sld>
 </file>
 
@@ -7357,9 +7429,7 @@
       <p:sp>
         <p:nvSpPr>
           <p:cNvPr id="5" name="Content Placeholder 2"/>
-          <p:cNvSpPr txBox="1">
-            <a:spLocks/>
-          </p:cNvSpPr>
+          <p:cNvSpPr txBox="1"/>
           <p:nvPr/>
         </p:nvSpPr>
         <p:spPr>
@@ -7383,7 +7453,7 @@
               <a:spcBef>
                 <a:spcPts val="1000"/>
               </a:spcBef>
-              <a:buFont typeface="Arial" panose="020B0604020202020204" pitchFamily="34" charset="0"/>
+              <a:buFont typeface="Arial" panose="020B0604020202090204" pitchFamily="34" charset="0"/>
               <a:buNone/>
               <a:defRPr sz="2400" kern="1200">
                 <a:solidFill>
@@ -7401,7 +7471,7 @@
               <a:spcBef>
                 <a:spcPts val="500"/>
               </a:spcBef>
-              <a:buFont typeface="Arial" panose="020B0604020202020204" pitchFamily="34" charset="0"/>
+              <a:buFont typeface="Arial" panose="020B0604020202090204" pitchFamily="34" charset="0"/>
               <a:buNone/>
               <a:defRPr sz="2000" kern="1200">
                 <a:solidFill>
@@ -7419,7 +7489,7 @@
               <a:spcBef>
                 <a:spcPts val="500"/>
               </a:spcBef>
-              <a:buFont typeface="Arial" panose="020B0604020202020204" pitchFamily="34" charset="0"/>
+              <a:buFont typeface="Arial" panose="020B0604020202090204" pitchFamily="34" charset="0"/>
               <a:buNone/>
               <a:defRPr sz="1800" kern="1200">
                 <a:solidFill>
@@ -7437,7 +7507,7 @@
               <a:spcBef>
                 <a:spcPts val="500"/>
               </a:spcBef>
-              <a:buFont typeface="Arial" panose="020B0604020202020204" pitchFamily="34" charset="0"/>
+              <a:buFont typeface="Arial" panose="020B0604020202090204" pitchFamily="34" charset="0"/>
               <a:buNone/>
               <a:defRPr sz="1600" kern="1200">
                 <a:solidFill>
@@ -7455,7 +7525,7 @@
               <a:spcBef>
                 <a:spcPts val="500"/>
               </a:spcBef>
-              <a:buFont typeface="Arial" panose="020B0604020202020204" pitchFamily="34" charset="0"/>
+              <a:buFont typeface="Arial" panose="020B0604020202090204" pitchFamily="34" charset="0"/>
               <a:buNone/>
               <a:defRPr sz="1600" kern="1200">
                 <a:solidFill>
@@ -7473,7 +7543,7 @@
               <a:spcBef>
                 <a:spcPts val="500"/>
               </a:spcBef>
-              <a:buFont typeface="Arial" panose="020B0604020202020204" pitchFamily="34" charset="0"/>
+              <a:buFont typeface="Arial" panose="020B0604020202090204" pitchFamily="34" charset="0"/>
               <a:buNone/>
               <a:defRPr sz="1600" kern="1200">
                 <a:solidFill>
@@ -7491,7 +7561,7 @@
               <a:spcBef>
                 <a:spcPts val="500"/>
               </a:spcBef>
-              <a:buFont typeface="Arial" panose="020B0604020202020204" pitchFamily="34" charset="0"/>
+              <a:buFont typeface="Arial" panose="020B0604020202090204" pitchFamily="34" charset="0"/>
               <a:buNone/>
               <a:defRPr sz="1600" kern="1200">
                 <a:solidFill>
@@ -7509,7 +7579,7 @@
               <a:spcBef>
                 <a:spcPts val="500"/>
               </a:spcBef>
-              <a:buFont typeface="Arial" panose="020B0604020202020204" pitchFamily="34" charset="0"/>
+              <a:buFont typeface="Arial" panose="020B0604020202090204" pitchFamily="34" charset="0"/>
               <a:buNone/>
               <a:defRPr sz="1600" kern="1200">
                 <a:solidFill>
@@ -7527,7 +7597,7 @@
               <a:spcBef>
                 <a:spcPts val="500"/>
               </a:spcBef>
-              <a:buFont typeface="Arial" panose="020B0604020202020204" pitchFamily="34" charset="0"/>
+              <a:buFont typeface="Arial" panose="020B0604020202090204" pitchFamily="34" charset="0"/>
               <a:buNone/>
               <a:defRPr sz="1600" kern="1200">
                 <a:solidFill>
@@ -7594,7 +7664,7 @@
                     <a:lumMod val="75000"/>
                   </a:schemeClr>
                 </a:solidFill>
-                <a:sym typeface="Wingdings" pitchFamily="2" charset="2"/>
+                <a:sym typeface="Wingdings" panose="05000000000000000000" pitchFamily="2" charset="2"/>
               </a:rPr>
               <a:t></a:t>
             </a:r>
@@ -7637,6 +7707,11 @@
               </a:rPr>
               <a:t>santosh@rcplindia.in</a:t>
             </a:r>
+            <a:endParaRPr lang="en-US" sz="1350" b="1" dirty="0">
+              <a:solidFill>
+                <a:schemeClr val="bg1"/>
+              </a:solidFill>
+            </a:endParaRPr>
           </a:p>
         </p:txBody>
       </p:sp>
@@ -7669,19 +7744,31 @@
               </a:rPr>
               <a:t>visit : www.rcplindia.in</a:t>
             </a:r>
+            <a:endParaRPr lang="en-US" sz="1350" b="1" dirty="0">
+              <a:solidFill>
+                <a:schemeClr val="bg1"/>
+              </a:solidFill>
+            </a:endParaRPr>
           </a:p>
         </p:txBody>
       </p:sp>
     </p:spTree>
-    <p:extLst>
-      <p:ext uri="{BB962C8B-B14F-4D97-AF65-F5344CB8AC3E}">
-        <p14:creationId xmlns:p14="http://schemas.microsoft.com/office/powerpoint/2010/main" val="3800708274"/>
-      </p:ext>
-    </p:extLst>
   </p:cSld>
   <p:clrMapOvr>
     <a:masterClrMapping/>
   </p:clrMapOvr>
+  <mc:AlternateContent xmlns:mc="http://schemas.openxmlformats.org/markup-compatibility/2006">
+    <mc:Choice xmlns:p15="http://schemas.microsoft.com/office/powerpoint/2012/main" Requires="p15">
+      <p:transition xmlns:p14="http://schemas.microsoft.com/office/powerpoint/2010/main" spd="slow" Requires="p14" p14:dur="1000">
+        <p15:prstTrans prst="peelOff"/>
+      </p:transition>
+    </mc:Choice>
+    <mc:Fallback>
+      <p:transition spd="slow">
+        <p:fade/>
+      </p:transition>
+    </mc:Fallback>
+  </mc:AlternateContent>
 </p:sld>
 </file>
 
@@ -7712,12 +7799,21 @@
             <p:ph type="title"/>
           </p:nvPr>
         </p:nvSpPr>
-        <p:spPr/>
+        <p:spPr>
+          <a:xfrm>
+            <a:off x="628650" y="-150812"/>
+            <a:ext cx="7886700" cy="1325563"/>
+          </a:xfrm>
+        </p:spPr>
         <p:txBody>
           <a:bodyPr/>
           <a:lstStyle/>
           <a:p>
-            <a:endParaRPr lang="en-US"/>
+            <a:r>
+              <a:rPr lang="en-GB" b="1" dirty="0"/>
+              <a:t>Overview</a:t>
+            </a:r>
+            <a:endParaRPr lang="en-US" b="1" dirty="0"/>
           </a:p>
         </p:txBody>
       </p:sp>
@@ -7731,48 +7827,108 @@
             <p:ph idx="1"/>
           </p:nvPr>
         </p:nvSpPr>
-        <p:spPr/>
-        <p:txBody>
-          <a:bodyPr/>
+        <p:spPr>
+          <a:xfrm>
+            <a:off x="628650" y="1253331"/>
+            <a:ext cx="7886700" cy="4351338"/>
+          </a:xfrm>
+        </p:spPr>
+        <p:txBody>
+          <a:bodyPr>
+            <a:normAutofit/>
+          </a:bodyPr>
           <a:lstStyle/>
           <a:p>
-            <a:endParaRPr lang="en-US" dirty="0"/>
-          </a:p>
-          <a:p>
-            <a:endParaRPr lang="en-US" dirty="0"/>
-          </a:p>
-          <a:p>
-            <a:endParaRPr lang="en-US" dirty="0"/>
-          </a:p>
-          <a:p>
-            <a:pPr marL="0" indent="0" algn="ctr">
-              <a:buNone/>
-            </a:pPr>
-            <a:r>
-              <a:rPr lang="en-US" sz="3200" b="1" dirty="0">
-                <a:ln w="0"/>
-              </a:rPr>
-              <a:t>Error &amp; Exception Handling in Python</a:t>
-            </a:r>
-          </a:p>
-          <a:p>
-            <a:pPr marL="0" indent="0">
-              <a:buNone/>
-            </a:pPr>
-            <a:endParaRPr lang="en-US" dirty="0"/>
+            <a:r>
+              <a:rPr lang="en-GB" sz="2400" b="0" i="0" dirty="0">
+                <a:effectLst/>
+                <a:latin typeface="quote-cjk-patch"/>
+              </a:rPr>
+              <a:t>Introduction to Exception Handling</a:t>
+            </a:r>
+            <a:endParaRPr lang="en-GB" sz="2400" b="0" i="0" dirty="0">
+              <a:effectLst/>
+              <a:latin typeface="quote-cjk-patch"/>
+            </a:endParaRPr>
+          </a:p>
+          <a:p>
+            <a:r>
+              <a:rPr lang="en-GB" sz="2400" b="0" i="0" dirty="0">
+                <a:effectLst/>
+                <a:latin typeface="quote-cjk-patch"/>
+              </a:rPr>
+              <a:t>Errors, Run Time Errors</a:t>
+            </a:r>
+            <a:endParaRPr lang="en-GB" sz="2400" b="0" i="0" dirty="0">
+              <a:effectLst/>
+              <a:latin typeface="quote-cjk-patch"/>
+            </a:endParaRPr>
+          </a:p>
+          <a:p>
+            <a:r>
+              <a:rPr lang="en-GB" sz="2400" b="0" i="0" dirty="0">
+                <a:effectLst/>
+                <a:latin typeface="quote-cjk-patch"/>
+              </a:rPr>
+              <a:t>Handling IO Exception</a:t>
+            </a:r>
+            <a:endParaRPr lang="en-GB" sz="2400" b="0" i="0" dirty="0">
+              <a:effectLst/>
+              <a:latin typeface="quote-cjk-patch"/>
+            </a:endParaRPr>
+          </a:p>
+          <a:p>
+            <a:r>
+              <a:rPr lang="en-GB" sz="2400" b="0" i="0" dirty="0">
+                <a:effectLst/>
+                <a:latin typeface="quote-cjk-patch"/>
+              </a:rPr>
+              <a:t>Try….except statement</a:t>
+            </a:r>
+            <a:endParaRPr lang="en-GB" sz="2400" b="0" i="0" dirty="0">
+              <a:effectLst/>
+              <a:latin typeface="quote-cjk-patch"/>
+            </a:endParaRPr>
+          </a:p>
+          <a:p>
+            <a:r>
+              <a:rPr lang="en-GB" sz="2400" b="0" i="0" dirty="0">
+                <a:effectLst/>
+                <a:latin typeface="quote-cjk-patch"/>
+              </a:rPr>
+              <a:t>Raise &amp; Assert</a:t>
+            </a:r>
+            <a:endParaRPr lang="en-GB" sz="2400" b="0" i="0" dirty="0">
+              <a:effectLst/>
+              <a:latin typeface="quote-cjk-patch"/>
+            </a:endParaRPr>
+          </a:p>
+          <a:p>
+            <a:r>
+              <a:rPr lang="en-GB" sz="2400" dirty="0"/>
+              <a:t>Exception classes</a:t>
+            </a:r>
+            <a:endParaRPr lang="en-US" sz="2400" dirty="0"/>
           </a:p>
         </p:txBody>
       </p:sp>
     </p:spTree>
-    <p:extLst>
-      <p:ext uri="{BB962C8B-B14F-4D97-AF65-F5344CB8AC3E}">
-        <p14:creationId xmlns:p14="http://schemas.microsoft.com/office/powerpoint/2010/main" val="3307340794"/>
-      </p:ext>
-    </p:extLst>
   </p:cSld>
   <p:clrMapOvr>
     <a:masterClrMapping/>
   </p:clrMapOvr>
+  <mc:AlternateContent xmlns:mc="http://schemas.openxmlformats.org/markup-compatibility/2006">
+    <mc:Choice xmlns:p15="http://schemas.microsoft.com/office/powerpoint/2012/main" Requires="p15">
+      <p:transition xmlns:p14="http://schemas.microsoft.com/office/powerpoint/2010/main" spd="slow" Requires="p14" p14:dur="1000">
+        <p15:prstTrans prst="peelOff"/>
+      </p:transition>
+    </mc:Choice>
+    <mc:Fallback>
+      <p:transition spd="slow">
+        <p:fade/>
+      </p:transition>
+    </mc:Fallback>
+  </mc:AlternateContent>
 </p:sld>
 </file>
 
@@ -7795,13 +7951,7 @@
       </p:grpSpPr>
       <p:sp>
         <p:nvSpPr>
-          <p:cNvPr id="2" name="Title 1">
-            <a:extLst>
-              <a:ext uri="{FF2B5EF4-FFF2-40B4-BE49-F238E27FC236}">
-                <a16:creationId xmlns:a16="http://schemas.microsoft.com/office/drawing/2014/main" id="{BE65770B-27AB-9EB7-F906-AA6CB9427831}"/>
-              </a:ext>
-            </a:extLst>
-          </p:cNvPr>
+          <p:cNvPr id="2" name="Title 1"/>
           <p:cNvSpPr>
             <a:spLocks noGrp="1"/>
           </p:cNvSpPr>
@@ -7811,31 +7961,33 @@
         </p:nvSpPr>
         <p:spPr>
           <a:xfrm>
-            <a:off x="628650" y="-150812"/>
-            <a:ext cx="7886700" cy="1325563"/>
+            <a:off x="504824" y="375527"/>
+            <a:ext cx="7381875" cy="383381"/>
           </a:xfrm>
         </p:spPr>
         <p:txBody>
-          <a:bodyPr/>
+          <a:bodyPr>
+            <a:noAutofit/>
+          </a:bodyPr>
           <a:lstStyle/>
           <a:p>
             <a:r>
-              <a:rPr lang="en-GB" b="1" dirty="0"/>
-              <a:t>Overview</a:t>
-            </a:r>
-            <a:endParaRPr lang="en-US" b="1" dirty="0"/>
-          </a:p>
-        </p:txBody>
-      </p:sp>
-      <p:sp>
-        <p:nvSpPr>
-          <p:cNvPr id="3" name="Content Placeholder 2">
-            <a:extLst>
-              <a:ext uri="{FF2B5EF4-FFF2-40B4-BE49-F238E27FC236}">
-                <a16:creationId xmlns:a16="http://schemas.microsoft.com/office/drawing/2014/main" id="{233DD170-91B6-18D9-9C65-55D530977591}"/>
-              </a:ext>
-            </a:extLst>
-          </p:cNvPr>
+              <a:rPr lang="en-US" sz="3200" b="1" dirty="0">
+                <a:latin typeface="Times New Roman" panose="02020503050405090304" pitchFamily="18" charset="0"/>
+                <a:cs typeface="Times New Roman" panose="02020503050405090304" pitchFamily="18" charset="0"/>
+              </a:rPr>
+              <a:t>Errors and Exception Handling</a:t>
+            </a:r>
+            <a:endParaRPr lang="en-US" sz="3200" b="1" dirty="0">
+              <a:latin typeface="Times New Roman" panose="02020503050405090304" pitchFamily="18" charset="0"/>
+              <a:cs typeface="Times New Roman" panose="02020503050405090304" pitchFamily="18" charset="0"/>
+            </a:endParaRPr>
+          </a:p>
+        </p:txBody>
+      </p:sp>
+      <p:sp>
+        <p:nvSpPr>
+          <p:cNvPr id="3" name="Content Placeholder 2"/>
           <p:cNvSpPr>
             <a:spLocks noGrp="1"/>
           </p:cNvSpPr>
@@ -7845,8 +7997,8 @@
         </p:nvSpPr>
         <p:spPr>
           <a:xfrm>
-            <a:off x="628650" y="1253331"/>
-            <a:ext cx="7886700" cy="4351338"/>
+            <a:off x="504825" y="1639014"/>
+            <a:ext cx="8261488" cy="4098349"/>
           </a:xfrm>
         </p:spPr>
         <p:txBody>
@@ -7855,69 +8007,170 @@
           </a:bodyPr>
           <a:lstStyle/>
           <a:p>
-            <a:r>
-              <a:rPr lang="en-GB" sz="2400" b="0" i="0" dirty="0">
-                <a:effectLst/>
-                <a:latin typeface="quote-cjk-patch"/>
-              </a:rPr>
-              <a:t>Introduction to Exception Handling</a:t>
-            </a:r>
-          </a:p>
-          <a:p>
-            <a:r>
-              <a:rPr lang="en-GB" sz="2400" b="0" i="0" dirty="0">
-                <a:effectLst/>
-                <a:latin typeface="quote-cjk-patch"/>
-              </a:rPr>
-              <a:t>Errors, Run Time Errors</a:t>
-            </a:r>
-          </a:p>
-          <a:p>
-            <a:r>
-              <a:rPr lang="en-GB" sz="2400" b="0" i="0" dirty="0">
-                <a:effectLst/>
-                <a:latin typeface="quote-cjk-patch"/>
-              </a:rPr>
-              <a:t>Handling IO Exception</a:t>
-            </a:r>
-          </a:p>
-          <a:p>
-            <a:r>
-              <a:rPr lang="en-GB" sz="2400" b="0" i="0" dirty="0">
-                <a:effectLst/>
-                <a:latin typeface="quote-cjk-patch"/>
-              </a:rPr>
-              <a:t>Try….except statement</a:t>
-            </a:r>
-          </a:p>
-          <a:p>
-            <a:r>
-              <a:rPr lang="en-GB" sz="2400" b="0" i="0" dirty="0">
-                <a:effectLst/>
-                <a:latin typeface="quote-cjk-patch"/>
-              </a:rPr>
-              <a:t>Raise &amp; Assert</a:t>
-            </a:r>
-          </a:p>
-          <a:p>
-            <a:r>
-              <a:rPr lang="en-GB" sz="2400" dirty="0"/>
-              <a:t>Exception classes</a:t>
-            </a:r>
-            <a:endParaRPr lang="en-US" sz="2400" dirty="0"/>
+            <a:pPr marL="0" indent="0">
+              <a:lnSpc>
+                <a:spcPct val="150000"/>
+              </a:lnSpc>
+              <a:buNone/>
+            </a:pPr>
+            <a:endParaRPr lang="en-US" sz="1350" dirty="0">
+              <a:latin typeface="Times New Roman" panose="02020503050405090304" pitchFamily="18" charset="0"/>
+              <a:cs typeface="Times New Roman" panose="02020503050405090304" pitchFamily="18" charset="0"/>
+            </a:endParaRPr>
+          </a:p>
+          <a:p>
+            <a:pPr>
+              <a:buFont typeface="Wingdings" panose="05000000000000000000" pitchFamily="2" charset="2"/>
+              <a:buChar char="ü"/>
+            </a:pPr>
+            <a:endParaRPr lang="en-US" sz="1350" dirty="0">
+              <a:latin typeface="Times New Roman" panose="02020503050405090304" pitchFamily="18" charset="0"/>
+              <a:cs typeface="Times New Roman" panose="02020503050405090304" pitchFamily="18" charset="0"/>
+            </a:endParaRPr>
+          </a:p>
+          <a:p>
+            <a:pPr>
+              <a:buFont typeface="Wingdings" panose="05000000000000000000" pitchFamily="2" charset="2"/>
+              <a:buChar char="ü"/>
+            </a:pPr>
+            <a:endParaRPr lang="en-US" sz="1350" dirty="0">
+              <a:latin typeface="Times New Roman" panose="02020503050405090304" pitchFamily="18" charset="0"/>
+              <a:cs typeface="Times New Roman" panose="02020503050405090304" pitchFamily="18" charset="0"/>
+            </a:endParaRPr>
+          </a:p>
+          <a:p>
+            <a:pPr>
+              <a:buFont typeface="Wingdings" panose="05000000000000000000" pitchFamily="2" charset="2"/>
+              <a:buChar char="ü"/>
+            </a:pPr>
+            <a:endParaRPr lang="en-US" sz="1350" dirty="0">
+              <a:latin typeface="Times New Roman" panose="02020503050405090304" pitchFamily="18" charset="0"/>
+              <a:cs typeface="Times New Roman" panose="02020503050405090304" pitchFamily="18" charset="0"/>
+            </a:endParaRPr>
+          </a:p>
+        </p:txBody>
+      </p:sp>
+      <p:sp>
+        <p:nvSpPr>
+          <p:cNvPr id="4" name="Rectangle 3"/>
+          <p:cNvSpPr/>
+          <p:nvPr/>
+        </p:nvSpPr>
+        <p:spPr>
+          <a:xfrm>
+            <a:off x="504824" y="1055917"/>
+            <a:ext cx="8360880" cy="4524315"/>
+          </a:xfrm>
+          <a:prstGeom prst="rect">
+            <a:avLst/>
+          </a:prstGeom>
+        </p:spPr>
+        <p:txBody>
+          <a:bodyPr wrap="square">
+            <a:spAutoFit/>
+          </a:bodyPr>
+          <a:lstStyle/>
+          <a:p>
+            <a:pPr marL="214630" indent="-214630" algn="just">
+              <a:buFont typeface="Wingdings" panose="05000000000000000000" pitchFamily="2" charset="2"/>
+              <a:buChar char="ü"/>
+            </a:pPr>
+            <a:r>
+              <a:rPr lang="en-US" sz="2400" b="1" dirty="0">
+                <a:latin typeface="Times New Roman" panose="02020503050405090304" pitchFamily="18" charset="0"/>
+                <a:cs typeface="Times New Roman" panose="02020503050405090304" pitchFamily="18" charset="0"/>
+              </a:rPr>
+              <a:t>What is an Exception? </a:t>
+            </a:r>
+            <a:endParaRPr lang="en-US" sz="2400" b="1" dirty="0">
+              <a:latin typeface="Times New Roman" panose="02020503050405090304" pitchFamily="18" charset="0"/>
+              <a:cs typeface="Times New Roman" panose="02020503050405090304" pitchFamily="18" charset="0"/>
+            </a:endParaRPr>
+          </a:p>
+          <a:p>
+            <a:pPr marL="557530" lvl="1" indent="-214630" algn="just">
+              <a:buFont typeface="Wingdings" panose="05000000000000000000" pitchFamily="2" charset="2"/>
+              <a:buChar char="Ø"/>
+            </a:pPr>
+            <a:r>
+              <a:rPr lang="en-US" sz="2400" dirty="0">
+                <a:latin typeface="Times New Roman" panose="02020503050405090304" pitchFamily="18" charset="0"/>
+                <a:cs typeface="Times New Roman" panose="02020503050405090304" pitchFamily="18" charset="0"/>
+              </a:rPr>
+              <a:t>An Exception is an error that happens during execution of a program. When that error occurs, Python generates an exception that can be handled, which avoids your program to crash. </a:t>
+            </a:r>
+            <a:endParaRPr lang="en-US" sz="2400" dirty="0">
+              <a:latin typeface="Times New Roman" panose="02020503050405090304" pitchFamily="18" charset="0"/>
+              <a:cs typeface="Times New Roman" panose="02020503050405090304" pitchFamily="18" charset="0"/>
+            </a:endParaRPr>
+          </a:p>
+          <a:p>
+            <a:pPr algn="just"/>
+            <a:endParaRPr lang="en-US" sz="2400" dirty="0">
+              <a:latin typeface="Times New Roman" panose="02020503050405090304" pitchFamily="18" charset="0"/>
+              <a:cs typeface="Times New Roman" panose="02020503050405090304" pitchFamily="18" charset="0"/>
+            </a:endParaRPr>
+          </a:p>
+          <a:p>
+            <a:pPr marL="214630" indent="-214630" algn="just">
+              <a:buFont typeface="Wingdings" panose="05000000000000000000" pitchFamily="2" charset="2"/>
+              <a:buChar char="ü"/>
+            </a:pPr>
+            <a:r>
+              <a:rPr lang="en-US" sz="2400" b="1" dirty="0">
+                <a:latin typeface="Times New Roman" panose="02020503050405090304" pitchFamily="18" charset="0"/>
+                <a:cs typeface="Times New Roman" panose="02020503050405090304" pitchFamily="18" charset="0"/>
+              </a:rPr>
+              <a:t>Why use Exceptions? </a:t>
+            </a:r>
+            <a:endParaRPr lang="en-US" sz="2400" b="1" dirty="0">
+              <a:latin typeface="Times New Roman" panose="02020503050405090304" pitchFamily="18" charset="0"/>
+              <a:cs typeface="Times New Roman" panose="02020503050405090304" pitchFamily="18" charset="0"/>
+            </a:endParaRPr>
+          </a:p>
+          <a:p>
+            <a:pPr marL="557530" lvl="1" indent="-214630" algn="just">
+              <a:buFont typeface="Wingdings" panose="05000000000000000000" pitchFamily="2" charset="2"/>
+              <a:buChar char="Ø"/>
+            </a:pPr>
+            <a:r>
+              <a:rPr lang="en-US" sz="2400" dirty="0">
+                <a:latin typeface="Times New Roman" panose="02020503050405090304" pitchFamily="18" charset="0"/>
+                <a:cs typeface="Times New Roman" panose="02020503050405090304" pitchFamily="18" charset="0"/>
+              </a:rPr>
+              <a:t>Exceptions are convenient in many ways for handling errors and special conditions in a program. When you think that you have a code which can produce an error then you can use exception handling </a:t>
+            </a:r>
+            <a:endParaRPr lang="en-US" sz="2400" dirty="0">
+              <a:latin typeface="Times New Roman" panose="02020503050405090304" pitchFamily="18" charset="0"/>
+              <a:cs typeface="Times New Roman" panose="02020503050405090304" pitchFamily="18" charset="0"/>
+            </a:endParaRPr>
+          </a:p>
+          <a:p>
+            <a:pPr algn="just"/>
+            <a:endParaRPr lang="en-US" sz="2400" dirty="0">
+              <a:latin typeface="Times New Roman" panose="02020503050405090304" pitchFamily="18" charset="0"/>
+              <a:cs typeface="Times New Roman" panose="02020503050405090304" pitchFamily="18" charset="0"/>
+            </a:endParaRPr>
           </a:p>
         </p:txBody>
       </p:sp>
     </p:spTree>
-    <p:extLst>
-      <p:ext uri="{BB962C8B-B14F-4D97-AF65-F5344CB8AC3E}">
-        <p14:creationId xmlns:p14="http://schemas.microsoft.com/office/powerpoint/2010/main" val="2756447937"/>
-      </p:ext>
-    </p:extLst>
   </p:cSld>
   <p:clrMapOvr>
     <a:masterClrMapping/>
   </p:clrMapOvr>
+  <mc:AlternateContent xmlns:mc="http://schemas.openxmlformats.org/markup-compatibility/2006">
+    <mc:Choice xmlns:p15="http://schemas.microsoft.com/office/powerpoint/2012/main" Requires="p15">
+      <p:transition xmlns:p14="http://schemas.microsoft.com/office/powerpoint/2010/main" spd="slow" Requires="p14" p14:dur="1000">
+        <p15:prstTrans prst="peelOff"/>
+      </p:transition>
+    </mc:Choice>
+    <mc:Fallback>
+      <p:transition spd="slow">
+        <p:fade/>
+      </p:transition>
+    </mc:Fallback>
+  </mc:AlternateContent>
 </p:sld>
 </file>
 
@@ -7960,13 +8213,17 @@
           </a:bodyPr>
           <a:lstStyle/>
           <a:p>
-            <a:r>
-              <a:rPr lang="en-US" sz="3200" b="1" dirty="0">
-                <a:latin typeface="Times New Roman" panose="02020603050405020304" pitchFamily="18" charset="0"/>
-                <a:cs typeface="Times New Roman" panose="02020603050405020304" pitchFamily="18" charset="0"/>
-              </a:rPr>
-              <a:t>Errors and Exception Handling</a:t>
-            </a:r>
+            <a:pPr marL="342900" indent="-342900">
+              <a:spcBef>
+                <a:spcPct val="20000"/>
+              </a:spcBef>
+              <a:defRPr/>
+            </a:pPr>
+            <a:r>
+              <a:rPr lang="en-US" sz="3200" b="1" kern="0" dirty="0"/>
+              <a:t>Where Exception may Occur?</a:t>
+            </a:r>
+            <a:endParaRPr lang="en-US" sz="3200" b="1" kern="0" dirty="0"/>
           </a:p>
         </p:txBody>
       </p:sp>
@@ -7999,8 +8256,8 @@
               <a:buNone/>
             </a:pPr>
             <a:endParaRPr lang="en-US" sz="1350" dirty="0">
-              <a:latin typeface="Times New Roman" panose="02020603050405020304" pitchFamily="18" charset="0"/>
-              <a:cs typeface="Times New Roman" panose="02020603050405020304" pitchFamily="18" charset="0"/>
+              <a:latin typeface="Times New Roman" panose="02020503050405090304" pitchFamily="18" charset="0"/>
+              <a:cs typeface="Times New Roman" panose="02020503050405090304" pitchFamily="18" charset="0"/>
             </a:endParaRPr>
           </a:p>
           <a:p>
@@ -8009,8 +8266,8 @@
               <a:buChar char="ü"/>
             </a:pPr>
             <a:endParaRPr lang="en-US" sz="1350" dirty="0">
-              <a:latin typeface="Times New Roman" panose="02020603050405020304" pitchFamily="18" charset="0"/>
-              <a:cs typeface="Times New Roman" panose="02020603050405020304" pitchFamily="18" charset="0"/>
+              <a:latin typeface="Times New Roman" panose="02020503050405090304" pitchFamily="18" charset="0"/>
+              <a:cs typeface="Times New Roman" panose="02020503050405090304" pitchFamily="18" charset="0"/>
             </a:endParaRPr>
           </a:p>
           <a:p>
@@ -8019,8 +8276,8 @@
               <a:buChar char="ü"/>
             </a:pPr>
             <a:endParaRPr lang="en-US" sz="1350" dirty="0">
-              <a:latin typeface="Times New Roman" panose="02020603050405020304" pitchFamily="18" charset="0"/>
-              <a:cs typeface="Times New Roman" panose="02020603050405020304" pitchFamily="18" charset="0"/>
+              <a:latin typeface="Times New Roman" panose="02020503050405090304" pitchFamily="18" charset="0"/>
+              <a:cs typeface="Times New Roman" panose="02020503050405090304" pitchFamily="18" charset="0"/>
             </a:endParaRPr>
           </a:p>
           <a:p>
@@ -8029,8 +8286,8 @@
               <a:buChar char="ü"/>
             </a:pPr>
             <a:endParaRPr lang="en-US" sz="1350" dirty="0">
-              <a:latin typeface="Times New Roman" panose="02020603050405020304" pitchFamily="18" charset="0"/>
-              <a:cs typeface="Times New Roman" panose="02020603050405020304" pitchFamily="18" charset="0"/>
+              <a:latin typeface="Times New Roman" panose="02020503050405090304" pitchFamily="18" charset="0"/>
+              <a:cs typeface="Times New Roman" panose="02020503050405090304" pitchFamily="18" charset="0"/>
             </a:endParaRPr>
           </a:p>
         </p:txBody>
@@ -8044,7 +8301,7 @@
         <p:spPr>
           <a:xfrm>
             <a:off x="504824" y="1055917"/>
-            <a:ext cx="8360880" cy="4524315"/>
+            <a:ext cx="8360880" cy="3693319"/>
           </a:xfrm>
           <a:prstGeom prst="rect">
             <a:avLst/>
@@ -8056,83 +8313,144 @@
           </a:bodyPr>
           <a:lstStyle/>
           <a:p>
-            <a:pPr marL="214313" indent="-214313" algn="just">
-              <a:buFont typeface="Wingdings" panose="05000000000000000000" pitchFamily="2" charset="2"/>
-              <a:buChar char="ü"/>
-            </a:pPr>
-            <a:r>
-              <a:rPr lang="en-US" sz="2400" b="1" dirty="0">
-                <a:latin typeface="Times New Roman" panose="02020603050405020304" pitchFamily="18" charset="0"/>
-                <a:cs typeface="Times New Roman" panose="02020603050405020304" pitchFamily="18" charset="0"/>
-              </a:rPr>
-              <a:t>What is an Exception? </a:t>
-            </a:r>
-          </a:p>
-          <a:p>
-            <a:pPr marL="557213" lvl="1" indent="-214313" algn="just">
+            <a:pPr>
+              <a:spcAft>
+                <a:spcPct val="25000"/>
+              </a:spcAft>
               <a:buFont typeface="Wingdings" panose="05000000000000000000" pitchFamily="2" charset="2"/>
               <a:buChar char="Ø"/>
-            </a:pPr>
-            <a:r>
-              <a:rPr lang="en-US" sz="2400" dirty="0">
-                <a:latin typeface="Times New Roman" panose="02020603050405020304" pitchFamily="18" charset="0"/>
-                <a:cs typeface="Times New Roman" panose="02020603050405020304" pitchFamily="18" charset="0"/>
-              </a:rPr>
-              <a:t>An Exception is an error that happens during execution of a program. When that error occurs, Python generates an exception that can be handled, which avoids your program to crash. </a:t>
-            </a:r>
-          </a:p>
-          <a:p>
-            <a:pPr algn="just"/>
-            <a:endParaRPr lang="en-US" sz="2400" dirty="0">
-              <a:latin typeface="Times New Roman" panose="02020603050405020304" pitchFamily="18" charset="0"/>
-              <a:cs typeface="Times New Roman" panose="02020603050405020304" pitchFamily="18" charset="0"/>
-            </a:endParaRPr>
-          </a:p>
-          <a:p>
-            <a:pPr marL="214313" indent="-214313" algn="just">
-              <a:buFont typeface="Wingdings" panose="05000000000000000000" pitchFamily="2" charset="2"/>
-              <a:buChar char="ü"/>
-            </a:pPr>
-            <a:r>
-              <a:rPr lang="en-US" sz="2400" b="1" dirty="0">
-                <a:latin typeface="Times New Roman" panose="02020603050405020304" pitchFamily="18" charset="0"/>
-                <a:cs typeface="Times New Roman" panose="02020603050405020304" pitchFamily="18" charset="0"/>
-              </a:rPr>
-              <a:t>Why use Exceptions? </a:t>
-            </a:r>
-          </a:p>
-          <a:p>
-            <a:pPr marL="557213" lvl="1" indent="-214313" algn="just">
+              <a:defRPr/>
+            </a:pPr>
+            <a:r>
+              <a:rPr lang="en-US" sz="2400" b="1" dirty="0"/>
+              <a:t>Hardware/operating system level.</a:t>
+            </a:r>
+            <a:endParaRPr lang="en-US" sz="2400" b="1" dirty="0"/>
+          </a:p>
+          <a:p>
+            <a:pPr lvl="1">
+              <a:spcAft>
+                <a:spcPct val="25000"/>
+              </a:spcAft>
               <a:buFont typeface="Wingdings" panose="05000000000000000000" pitchFamily="2" charset="2"/>
               <a:buChar char="Ø"/>
-            </a:pPr>
-            <a:r>
-              <a:rPr lang="en-US" sz="2400" dirty="0">
-                <a:latin typeface="Times New Roman" panose="02020603050405020304" pitchFamily="18" charset="0"/>
-                <a:cs typeface="Times New Roman" panose="02020603050405020304" pitchFamily="18" charset="0"/>
-              </a:rPr>
-              <a:t>Exceptions are convenient in many ways for handling errors and special conditions in a program. When you think that you have a code which can produce an error then you can use exception handling </a:t>
-            </a:r>
-          </a:p>
-          <a:p>
-            <a:pPr algn="just"/>
-            <a:endParaRPr lang="en-US" sz="2400" dirty="0">
-              <a:latin typeface="Times New Roman" panose="02020603050405020304" pitchFamily="18" charset="0"/>
-              <a:cs typeface="Times New Roman" panose="02020603050405020304" pitchFamily="18" charset="0"/>
-            </a:endParaRPr>
+              <a:defRPr/>
+            </a:pPr>
+            <a:r>
+              <a:rPr lang="en-US" sz="2400" dirty="0"/>
+              <a:t>Arithmetic exceptions; divide by 0, under/overflow.</a:t>
+            </a:r>
+            <a:endParaRPr lang="en-US" sz="2400" dirty="0"/>
+          </a:p>
+          <a:p>
+            <a:pPr lvl="1">
+              <a:spcAft>
+                <a:spcPct val="25000"/>
+              </a:spcAft>
+              <a:buFont typeface="Wingdings" panose="05000000000000000000" pitchFamily="2" charset="2"/>
+              <a:buChar char="Ø"/>
+              <a:defRPr/>
+            </a:pPr>
+            <a:r>
+              <a:rPr lang="en-US" sz="2400" dirty="0"/>
+              <a:t>Memory access violations, stack over/underflow.</a:t>
+            </a:r>
+            <a:endParaRPr lang="en-US" sz="2400" dirty="0"/>
+          </a:p>
+          <a:p>
+            <a:pPr>
+              <a:spcAft>
+                <a:spcPct val="25000"/>
+              </a:spcAft>
+              <a:buFont typeface="Wingdings" panose="05000000000000000000" pitchFamily="2" charset="2"/>
+              <a:buChar char="Ø"/>
+              <a:defRPr/>
+            </a:pPr>
+            <a:r>
+              <a:rPr lang="en-US" sz="2400" b="1" dirty="0"/>
+              <a:t>Language level.</a:t>
+            </a:r>
+            <a:endParaRPr lang="en-US" sz="2400" b="1" dirty="0"/>
+          </a:p>
+          <a:p>
+            <a:pPr lvl="1">
+              <a:spcAft>
+                <a:spcPct val="25000"/>
+              </a:spcAft>
+              <a:buFont typeface="Wingdings" panose="05000000000000000000" pitchFamily="2" charset="2"/>
+              <a:buChar char="Ø"/>
+              <a:defRPr/>
+            </a:pPr>
+            <a:r>
+              <a:rPr lang="en-US" sz="2400" dirty="0"/>
+              <a:t>Bounds violations: illegal indices.</a:t>
+            </a:r>
+            <a:endParaRPr lang="en-US" sz="2400" dirty="0"/>
+          </a:p>
+          <a:p>
+            <a:pPr lvl="1">
+              <a:spcAft>
+                <a:spcPct val="25000"/>
+              </a:spcAft>
+              <a:buFont typeface="Wingdings" panose="05000000000000000000" pitchFamily="2" charset="2"/>
+              <a:buChar char="Ø"/>
+              <a:defRPr/>
+            </a:pPr>
+            <a:r>
+              <a:rPr lang="en-US" sz="2400" dirty="0"/>
+              <a:t>Value Error: invalid literal, improper casts.</a:t>
+            </a:r>
+            <a:endParaRPr lang="en-US" sz="2400" dirty="0"/>
+          </a:p>
+          <a:p>
+            <a:pPr>
+              <a:spcAft>
+                <a:spcPct val="25000"/>
+              </a:spcAft>
+              <a:buFont typeface="Wingdings" panose="05000000000000000000" pitchFamily="2" charset="2"/>
+              <a:buChar char="Ø"/>
+              <a:defRPr/>
+            </a:pPr>
+            <a:r>
+              <a:rPr lang="en-US" sz="2400" b="1" dirty="0"/>
+              <a:t>Program level.</a:t>
+            </a:r>
+            <a:endParaRPr lang="en-US" sz="2400" b="1" dirty="0"/>
+          </a:p>
+          <a:p>
+            <a:pPr lvl="1">
+              <a:spcAft>
+                <a:spcPct val="25000"/>
+              </a:spcAft>
+              <a:buFont typeface="Wingdings" panose="05000000000000000000" pitchFamily="2" charset="2"/>
+              <a:buChar char="Ø"/>
+              <a:defRPr/>
+            </a:pPr>
+            <a:r>
+              <a:rPr lang="en-US" sz="2400" dirty="0"/>
+              <a:t>User defined exceptions.</a:t>
+            </a:r>
+            <a:endParaRPr lang="en-US" sz="2400" dirty="0"/>
           </a:p>
         </p:txBody>
       </p:sp>
     </p:spTree>
-    <p:extLst>
-      <p:ext uri="{BB962C8B-B14F-4D97-AF65-F5344CB8AC3E}">
-        <p14:creationId xmlns:p14="http://schemas.microsoft.com/office/powerpoint/2010/main" val="4031980678"/>
-      </p:ext>
-    </p:extLst>
   </p:cSld>
   <p:clrMapOvr>
     <a:masterClrMapping/>
   </p:clrMapOvr>
+  <mc:AlternateContent xmlns:mc="http://schemas.openxmlformats.org/markup-compatibility/2006">
+    <mc:Choice xmlns:p15="http://schemas.microsoft.com/office/powerpoint/2012/main" Requires="p15">
+      <p:transition xmlns:p14="http://schemas.microsoft.com/office/powerpoint/2010/main" spd="slow" Requires="p14" p14:dur="1000">
+        <p15:prstTrans prst="peelOff"/>
+      </p:transition>
+    </mc:Choice>
+    <mc:Fallback>
+      <p:transition spd="slow">
+        <p:fade/>
+      </p:transition>
+    </mc:Fallback>
+  </mc:AlternateContent>
 </p:sld>
 </file>
 
@@ -8182,9 +8500,10 @@
               <a:defRPr/>
             </a:pPr>
             <a:r>
-              <a:rPr lang="en-US" sz="3200" b="1" kern="0" dirty="0"/>
-              <a:t>Where Exception may Occur?</a:t>
-            </a:r>
+              <a:rPr lang="en-US" sz="3200" b="1" dirty="0"/>
+              <a:t>Exception Handling Keywords </a:t>
+            </a:r>
+            <a:endParaRPr lang="en-US" sz="3200" b="1" kern="0" dirty="0"/>
           </a:p>
         </p:txBody>
       </p:sp>
@@ -8217,8 +8536,8 @@
               <a:buNone/>
             </a:pPr>
             <a:endParaRPr lang="en-US" sz="1350" dirty="0">
-              <a:latin typeface="Times New Roman" panose="02020603050405020304" pitchFamily="18" charset="0"/>
-              <a:cs typeface="Times New Roman" panose="02020603050405020304" pitchFamily="18" charset="0"/>
+              <a:latin typeface="Times New Roman" panose="02020503050405090304" pitchFamily="18" charset="0"/>
+              <a:cs typeface="Times New Roman" panose="02020503050405090304" pitchFamily="18" charset="0"/>
             </a:endParaRPr>
           </a:p>
           <a:p>
@@ -8227,8 +8546,8 @@
               <a:buChar char="ü"/>
             </a:pPr>
             <a:endParaRPr lang="en-US" sz="1350" dirty="0">
-              <a:latin typeface="Times New Roman" panose="02020603050405020304" pitchFamily="18" charset="0"/>
-              <a:cs typeface="Times New Roman" panose="02020603050405020304" pitchFamily="18" charset="0"/>
+              <a:latin typeface="Times New Roman" panose="02020503050405090304" pitchFamily="18" charset="0"/>
+              <a:cs typeface="Times New Roman" panose="02020503050405090304" pitchFamily="18" charset="0"/>
             </a:endParaRPr>
           </a:p>
           <a:p>
@@ -8237,8 +8556,8 @@
               <a:buChar char="ü"/>
             </a:pPr>
             <a:endParaRPr lang="en-US" sz="1350" dirty="0">
-              <a:latin typeface="Times New Roman" panose="02020603050405020304" pitchFamily="18" charset="0"/>
-              <a:cs typeface="Times New Roman" panose="02020603050405020304" pitchFamily="18" charset="0"/>
+              <a:latin typeface="Times New Roman" panose="02020503050405090304" pitchFamily="18" charset="0"/>
+              <a:cs typeface="Times New Roman" panose="02020503050405090304" pitchFamily="18" charset="0"/>
             </a:endParaRPr>
           </a:p>
           <a:p>
@@ -8247,8 +8566,8 @@
               <a:buChar char="ü"/>
             </a:pPr>
             <a:endParaRPr lang="en-US" sz="1350" dirty="0">
-              <a:latin typeface="Times New Roman" panose="02020603050405020304" pitchFamily="18" charset="0"/>
-              <a:cs typeface="Times New Roman" panose="02020603050405020304" pitchFamily="18" charset="0"/>
+              <a:latin typeface="Times New Roman" panose="02020503050405090304" pitchFamily="18" charset="0"/>
+              <a:cs typeface="Times New Roman" panose="02020503050405090304" pitchFamily="18" charset="0"/>
             </a:endParaRPr>
           </a:p>
         </p:txBody>
@@ -8262,7 +8581,7 @@
         <p:spPr>
           <a:xfrm>
             <a:off x="504824" y="1055917"/>
-            <a:ext cx="8360880" cy="3693319"/>
+            <a:ext cx="8360880" cy="2756845"/>
           </a:xfrm>
           <a:prstGeom prst="rect">
             <a:avLst/>
@@ -8274,129 +8593,171 @@
           </a:bodyPr>
           <a:lstStyle/>
           <a:p>
-            <a:pPr>
-              <a:spcAft>
-                <a:spcPct val="25000"/>
-              </a:spcAft>
-              <a:buFont typeface="Wingdings" pitchFamily="2" charset="2"/>
-              <a:buChar char="Ø"/>
-              <a:defRPr/>
-            </a:pPr>
-            <a:r>
-              <a:rPr lang="en-US" sz="2400" b="1" dirty="0"/>
-              <a:t>Hardware/operating system level.</a:t>
-            </a:r>
-          </a:p>
-          <a:p>
-            <a:pPr lvl="1">
-              <a:spcAft>
-                <a:spcPct val="25000"/>
-              </a:spcAft>
-              <a:buFont typeface="Wingdings" pitchFamily="2" charset="2"/>
-              <a:buChar char="Ø"/>
-              <a:defRPr/>
-            </a:pPr>
-            <a:r>
-              <a:rPr lang="en-US" sz="2400" dirty="0"/>
-              <a:t>Arithmetic exceptions; divide by 0, under/overflow.</a:t>
-            </a:r>
-          </a:p>
-          <a:p>
-            <a:pPr lvl="1">
-              <a:spcAft>
-                <a:spcPct val="25000"/>
-              </a:spcAft>
-              <a:buFont typeface="Wingdings" pitchFamily="2" charset="2"/>
-              <a:buChar char="Ø"/>
-              <a:defRPr/>
-            </a:pPr>
-            <a:r>
-              <a:rPr lang="en-US" sz="2400" dirty="0"/>
-              <a:t>Memory access violations, stack over/underflow.</a:t>
-            </a:r>
-          </a:p>
-          <a:p>
-            <a:pPr>
-              <a:spcAft>
-                <a:spcPct val="25000"/>
-              </a:spcAft>
-              <a:buFont typeface="Wingdings" pitchFamily="2" charset="2"/>
-              <a:buChar char="Ø"/>
-              <a:defRPr/>
-            </a:pPr>
-            <a:r>
-              <a:rPr lang="en-US" sz="2400" b="1" dirty="0"/>
-              <a:t>Language level.</a:t>
-            </a:r>
-          </a:p>
-          <a:p>
-            <a:pPr lvl="1">
-              <a:spcAft>
-                <a:spcPct val="25000"/>
-              </a:spcAft>
-              <a:buFont typeface="Wingdings" pitchFamily="2" charset="2"/>
-              <a:buChar char="Ø"/>
-              <a:defRPr/>
-            </a:pPr>
-            <a:r>
-              <a:rPr lang="en-US" sz="2400" dirty="0"/>
-              <a:t>Bounds violations: illegal indices.</a:t>
-            </a:r>
-          </a:p>
-          <a:p>
-            <a:pPr lvl="1">
-              <a:spcAft>
-                <a:spcPct val="25000"/>
-              </a:spcAft>
-              <a:buFont typeface="Wingdings" pitchFamily="2" charset="2"/>
-              <a:buChar char="Ø"/>
-              <a:defRPr/>
-            </a:pPr>
-            <a:r>
-              <a:rPr lang="en-US" sz="2400" dirty="0"/>
-              <a:t>Value Error: invalid literal, improper casts.</a:t>
-            </a:r>
-          </a:p>
-          <a:p>
-            <a:pPr>
-              <a:spcAft>
-                <a:spcPct val="25000"/>
-              </a:spcAft>
-              <a:buFont typeface="Wingdings" pitchFamily="2" charset="2"/>
-              <a:buChar char="Ø"/>
-              <a:defRPr/>
-            </a:pPr>
-            <a:r>
-              <a:rPr lang="en-US" sz="2400" b="1" dirty="0"/>
-              <a:t>Program level.</a:t>
-            </a:r>
-          </a:p>
-          <a:p>
-            <a:pPr lvl="1">
-              <a:spcAft>
-                <a:spcPct val="25000"/>
-              </a:spcAft>
-              <a:buFont typeface="Wingdings" pitchFamily="2" charset="2"/>
-              <a:buChar char="Ø"/>
-              <a:defRPr/>
-            </a:pPr>
-            <a:r>
-              <a:rPr lang="en-US" sz="2400" dirty="0"/>
-              <a:t>User defined exceptions.</a:t>
-            </a:r>
+            <a:pPr algn="just">
+              <a:lnSpc>
+                <a:spcPct val="80000"/>
+              </a:lnSpc>
+              <a:buClr>
+                <a:schemeClr val="tx1"/>
+              </a:buClr>
+            </a:pPr>
+            <a:r>
+              <a:rPr lang="en-US" sz="2400" b="1" dirty="0">
+                <a:latin typeface="Consolas" panose="020B0609020204030204" pitchFamily="49" charset="0"/>
+              </a:rPr>
+              <a:t>try</a:t>
+            </a:r>
+            <a:endParaRPr lang="en-US" sz="2400" b="1" dirty="0">
+              <a:latin typeface="Consolas" panose="020B0609020204030204" pitchFamily="49" charset="0"/>
+            </a:endParaRPr>
+          </a:p>
+          <a:p>
+            <a:pPr algn="just">
+              <a:lnSpc>
+                <a:spcPct val="80000"/>
+              </a:lnSpc>
+              <a:buClr>
+                <a:schemeClr val="tx1"/>
+              </a:buClr>
+            </a:pPr>
+            <a:endParaRPr lang="en-US" sz="2400" b="1" dirty="0">
+              <a:latin typeface="Consolas" panose="020B0609020204030204" pitchFamily="49" charset="0"/>
+            </a:endParaRPr>
+          </a:p>
+          <a:p>
+            <a:pPr algn="just">
+              <a:lnSpc>
+                <a:spcPct val="80000"/>
+              </a:lnSpc>
+              <a:buClr>
+                <a:schemeClr val="tx1"/>
+              </a:buClr>
+            </a:pPr>
+            <a:r>
+              <a:rPr lang="en-US" sz="2400" b="1" dirty="0">
+                <a:latin typeface="Consolas" panose="020B0609020204030204" pitchFamily="49" charset="0"/>
+              </a:rPr>
+              <a:t>except</a:t>
+            </a:r>
+            <a:endParaRPr lang="en-US" sz="2400" b="1" dirty="0">
+              <a:latin typeface="Consolas" panose="020B0609020204030204" pitchFamily="49" charset="0"/>
+            </a:endParaRPr>
+          </a:p>
+          <a:p>
+            <a:pPr algn="just">
+              <a:lnSpc>
+                <a:spcPct val="80000"/>
+              </a:lnSpc>
+              <a:buClr>
+                <a:schemeClr val="tx1"/>
+              </a:buClr>
+            </a:pPr>
+            <a:endParaRPr lang="en-US" sz="2400" b="1" dirty="0">
+              <a:latin typeface="Consolas" panose="020B0609020204030204" pitchFamily="49" charset="0"/>
+            </a:endParaRPr>
+          </a:p>
+          <a:p>
+            <a:pPr algn="just">
+              <a:lnSpc>
+                <a:spcPct val="80000"/>
+              </a:lnSpc>
+              <a:buClr>
+                <a:schemeClr val="tx1"/>
+              </a:buClr>
+            </a:pPr>
+            <a:r>
+              <a:rPr lang="en-US" sz="2400" b="1" dirty="0">
+                <a:latin typeface="Consolas" panose="020B0609020204030204" pitchFamily="49" charset="0"/>
+              </a:rPr>
+              <a:t>raise</a:t>
+            </a:r>
+            <a:endParaRPr lang="en-US" sz="2400" b="1" dirty="0">
+              <a:latin typeface="Consolas" panose="020B0609020204030204" pitchFamily="49" charset="0"/>
+            </a:endParaRPr>
+          </a:p>
+          <a:p>
+            <a:pPr algn="just">
+              <a:lnSpc>
+                <a:spcPct val="80000"/>
+              </a:lnSpc>
+              <a:buClr>
+                <a:schemeClr val="tx1"/>
+              </a:buClr>
+            </a:pPr>
+            <a:endParaRPr lang="en-US" sz="2400" b="1" dirty="0">
+              <a:latin typeface="Consolas" panose="020B0609020204030204" pitchFamily="49" charset="0"/>
+            </a:endParaRPr>
+          </a:p>
+          <a:p>
+            <a:pPr algn="just">
+              <a:lnSpc>
+                <a:spcPct val="80000"/>
+              </a:lnSpc>
+              <a:buClr>
+                <a:schemeClr val="tx1"/>
+              </a:buClr>
+            </a:pPr>
+            <a:r>
+              <a:rPr lang="en-US" sz="2400" b="1" dirty="0">
+                <a:latin typeface="Consolas" panose="020B0609020204030204" pitchFamily="49" charset="0"/>
+              </a:rPr>
+              <a:t>else</a:t>
+            </a:r>
+            <a:endParaRPr lang="en-US" sz="2400" b="1" dirty="0">
+              <a:latin typeface="Consolas" panose="020B0609020204030204" pitchFamily="49" charset="0"/>
+            </a:endParaRPr>
+          </a:p>
+          <a:p>
+            <a:pPr algn="just">
+              <a:lnSpc>
+                <a:spcPct val="80000"/>
+              </a:lnSpc>
+              <a:buClr>
+                <a:schemeClr val="tx1"/>
+              </a:buClr>
+            </a:pPr>
+            <a:endParaRPr lang="en-US" sz="2400" b="1" dirty="0">
+              <a:latin typeface="Consolas" panose="020B0609020204030204" pitchFamily="49" charset="0"/>
+            </a:endParaRPr>
+          </a:p>
+          <a:p>
+            <a:pPr algn="just">
+              <a:lnSpc>
+                <a:spcPct val="80000"/>
+              </a:lnSpc>
+              <a:buClr>
+                <a:schemeClr val="tx1"/>
+              </a:buClr>
+            </a:pPr>
+            <a:r>
+              <a:rPr lang="en-US" sz="2400" b="1" dirty="0">
+                <a:latin typeface="Consolas" panose="020B0609020204030204" pitchFamily="49" charset="0"/>
+              </a:rPr>
+              <a:t>finally</a:t>
+            </a:r>
+            <a:endParaRPr lang="en-US" sz="2400" b="1" dirty="0">
+              <a:latin typeface="Consolas" panose="020B0609020204030204" pitchFamily="49" charset="0"/>
+            </a:endParaRPr>
           </a:p>
         </p:txBody>
       </p:sp>
     </p:spTree>
-    <p:extLst>
-      <p:ext uri="{BB962C8B-B14F-4D97-AF65-F5344CB8AC3E}">
-        <p14:creationId xmlns:p14="http://schemas.microsoft.com/office/powerpoint/2010/main" val="288570403"/>
-      </p:ext>
-    </p:extLst>
   </p:cSld>
   <p:clrMapOvr>
     <a:masterClrMapping/>
   </p:clrMapOvr>
+  <mc:AlternateContent xmlns:mc="http://schemas.openxmlformats.org/markup-compatibility/2006">
+    <mc:Choice xmlns:p15="http://schemas.microsoft.com/office/powerpoint/2012/main" Requires="p15">
+      <p:transition xmlns:p14="http://schemas.microsoft.com/office/powerpoint/2010/main" spd="slow" Requires="p14" p14:dur="1000">
+        <p15:prstTrans prst="peelOff"/>
+      </p:transition>
+    </mc:Choice>
+    <mc:Fallback>
+      <p:transition spd="slow">
+        <p:fade/>
+      </p:transition>
+    </mc:Fallback>
+  </mc:AlternateContent>
 </p:sld>
 </file>
 
@@ -8429,7 +8790,7 @@
         </p:nvSpPr>
         <p:spPr>
           <a:xfrm>
-            <a:off x="504824" y="375527"/>
+            <a:off x="504825" y="402032"/>
             <a:ext cx="7381875" cy="383381"/>
           </a:xfrm>
         </p:spPr>
@@ -8439,17 +8800,17 @@
           </a:bodyPr>
           <a:lstStyle/>
           <a:p>
-            <a:pPr marL="342900" indent="-342900">
-              <a:spcBef>
-                <a:spcPct val="20000"/>
-              </a:spcBef>
-              <a:defRPr/>
-            </a:pPr>
-            <a:r>
-              <a:rPr lang="en-US" sz="3200" b="1" dirty="0"/>
-              <a:t>Exception Handling Keywords </a:t>
-            </a:r>
-            <a:endParaRPr lang="en-US" sz="3200" b="1" kern="0" dirty="0"/>
+            <a:r>
+              <a:rPr lang="en-US" sz="3200" dirty="0">
+                <a:latin typeface="Times New Roman" panose="02020503050405090304" pitchFamily="18" charset="0"/>
+                <a:cs typeface="Times New Roman" panose="02020503050405090304" pitchFamily="18" charset="0"/>
+              </a:rPr>
+              <a:t>Common Exception/Errors in Python</a:t>
+            </a:r>
+            <a:endParaRPr lang="en-US" sz="3200" dirty="0">
+              <a:latin typeface="Times New Roman" panose="02020503050405090304" pitchFamily="18" charset="0"/>
+              <a:cs typeface="Times New Roman" panose="02020503050405090304" pitchFamily="18" charset="0"/>
+            </a:endParaRPr>
           </a:p>
         </p:txBody>
       </p:sp>
@@ -8482,8 +8843,8 @@
               <a:buNone/>
             </a:pPr>
             <a:endParaRPr lang="en-US" sz="1350" dirty="0">
-              <a:latin typeface="Times New Roman" panose="02020603050405020304" pitchFamily="18" charset="0"/>
-              <a:cs typeface="Times New Roman" panose="02020603050405020304" pitchFamily="18" charset="0"/>
+              <a:latin typeface="Times New Roman" panose="02020503050405090304" pitchFamily="18" charset="0"/>
+              <a:cs typeface="Times New Roman" panose="02020503050405090304" pitchFamily="18" charset="0"/>
             </a:endParaRPr>
           </a:p>
           <a:p>
@@ -8492,8 +8853,8 @@
               <a:buChar char="ü"/>
             </a:pPr>
             <a:endParaRPr lang="en-US" sz="1350" dirty="0">
-              <a:latin typeface="Times New Roman" panose="02020603050405020304" pitchFamily="18" charset="0"/>
-              <a:cs typeface="Times New Roman" panose="02020603050405020304" pitchFamily="18" charset="0"/>
+              <a:latin typeface="Times New Roman" panose="02020503050405090304" pitchFamily="18" charset="0"/>
+              <a:cs typeface="Times New Roman" panose="02020503050405090304" pitchFamily="18" charset="0"/>
             </a:endParaRPr>
           </a:p>
           <a:p>
@@ -8502,8 +8863,8 @@
               <a:buChar char="ü"/>
             </a:pPr>
             <a:endParaRPr lang="en-US" sz="1350" dirty="0">
-              <a:latin typeface="Times New Roman" panose="02020603050405020304" pitchFamily="18" charset="0"/>
-              <a:cs typeface="Times New Roman" panose="02020603050405020304" pitchFamily="18" charset="0"/>
+              <a:latin typeface="Times New Roman" panose="02020503050405090304" pitchFamily="18" charset="0"/>
+              <a:cs typeface="Times New Roman" panose="02020503050405090304" pitchFamily="18" charset="0"/>
             </a:endParaRPr>
           </a:p>
           <a:p>
@@ -8512,8 +8873,8 @@
               <a:buChar char="ü"/>
             </a:pPr>
             <a:endParaRPr lang="en-US" sz="1350" dirty="0">
-              <a:latin typeface="Times New Roman" panose="02020603050405020304" pitchFamily="18" charset="0"/>
-              <a:cs typeface="Times New Roman" panose="02020603050405020304" pitchFamily="18" charset="0"/>
+              <a:latin typeface="Times New Roman" panose="02020503050405090304" pitchFamily="18" charset="0"/>
+              <a:cs typeface="Times New Roman" panose="02020503050405090304" pitchFamily="18" charset="0"/>
             </a:endParaRPr>
           </a:p>
         </p:txBody>
@@ -8526,8 +8887,8 @@
         </p:nvSpPr>
         <p:spPr>
           <a:xfrm>
-            <a:off x="504824" y="1055917"/>
-            <a:ext cx="8360880" cy="2756845"/>
+            <a:off x="504825" y="1082423"/>
+            <a:ext cx="8261488" cy="3903954"/>
           </a:xfrm>
           <a:prstGeom prst="rect">
             <a:avLst/>
@@ -8539,149 +8900,184 @@
           </a:bodyPr>
           <a:lstStyle/>
           <a:p>
-            <a:pPr algn="just">
+            <a:pPr marL="214630" indent="-214630" algn="just">
               <a:lnSpc>
-                <a:spcPct val="80000"/>
+                <a:spcPct val="150000"/>
               </a:lnSpc>
-              <a:buClr>
-                <a:schemeClr val="tx1"/>
-              </a:buClr>
-            </a:pPr>
-            <a:r>
-              <a:rPr lang="en-US" sz="2400" b="1" dirty="0">
-                <a:latin typeface="Consolas" panose="020B0609020204030204" pitchFamily="49" charset="0"/>
-              </a:rPr>
-              <a:t>try</a:t>
-            </a:r>
-          </a:p>
-          <a:p>
-            <a:pPr algn="just">
+              <a:buFont typeface="Wingdings" panose="05000000000000000000" pitchFamily="2" charset="2"/>
+              <a:buChar char="ü"/>
+            </a:pPr>
+            <a:r>
+              <a:rPr lang="en-US" sz="2400" dirty="0" err="1">
+                <a:solidFill>
+                  <a:srgbClr val="00B0F0"/>
+                </a:solidFill>
+                <a:latin typeface="Times New Roman" panose="02020503050405090304" pitchFamily="18" charset="0"/>
+                <a:cs typeface="Times New Roman" panose="02020503050405090304" pitchFamily="18" charset="0"/>
+              </a:rPr>
+              <a:t>IOError</a:t>
+            </a:r>
+            <a:r>
+              <a:rPr lang="en-US" sz="2400" dirty="0">
+                <a:solidFill>
+                  <a:srgbClr val="00B0F0"/>
+                </a:solidFill>
+                <a:latin typeface="Times New Roman" panose="02020503050405090304" pitchFamily="18" charset="0"/>
+                <a:cs typeface="Times New Roman" panose="02020503050405090304" pitchFamily="18" charset="0"/>
+              </a:rPr>
+              <a:t>:  </a:t>
+            </a:r>
+            <a:r>
+              <a:rPr lang="en-US" sz="2400" dirty="0">
+                <a:latin typeface="Times New Roman" panose="02020503050405090304" pitchFamily="18" charset="0"/>
+                <a:cs typeface="Times New Roman" panose="02020503050405090304" pitchFamily="18" charset="0"/>
+              </a:rPr>
+              <a:t>If the file cannot be opened </a:t>
+            </a:r>
+            <a:endParaRPr lang="en-US" sz="2400" dirty="0">
+              <a:latin typeface="Times New Roman" panose="02020503050405090304" pitchFamily="18" charset="0"/>
+              <a:cs typeface="Times New Roman" panose="02020503050405090304" pitchFamily="18" charset="0"/>
+            </a:endParaRPr>
+          </a:p>
+          <a:p>
+            <a:pPr marL="214630" indent="-214630" algn="just">
               <a:lnSpc>
-                <a:spcPct val="80000"/>
+                <a:spcPct val="150000"/>
               </a:lnSpc>
-              <a:buClr>
-                <a:schemeClr val="tx1"/>
-              </a:buClr>
-            </a:pPr>
-            <a:endParaRPr lang="en-US" sz="2400" b="1" dirty="0">
-              <a:latin typeface="Consolas" panose="020B0609020204030204" pitchFamily="49" charset="0"/>
-            </a:endParaRPr>
-          </a:p>
-          <a:p>
-            <a:pPr algn="just">
+              <a:buFont typeface="Wingdings" panose="05000000000000000000" pitchFamily="2" charset="2"/>
+              <a:buChar char="ü"/>
+            </a:pPr>
+            <a:r>
+              <a:rPr lang="en-US" sz="2400" dirty="0" err="1">
+                <a:solidFill>
+                  <a:srgbClr val="00B0F0"/>
+                </a:solidFill>
+                <a:latin typeface="Times New Roman" panose="02020503050405090304" pitchFamily="18" charset="0"/>
+                <a:cs typeface="Times New Roman" panose="02020503050405090304" pitchFamily="18" charset="0"/>
+              </a:rPr>
+              <a:t>ImportError</a:t>
+            </a:r>
+            <a:r>
+              <a:rPr lang="en-US" sz="2400" dirty="0">
+                <a:solidFill>
+                  <a:srgbClr val="00B0F0"/>
+                </a:solidFill>
+                <a:latin typeface="Times New Roman" panose="02020503050405090304" pitchFamily="18" charset="0"/>
+                <a:cs typeface="Times New Roman" panose="02020503050405090304" pitchFamily="18" charset="0"/>
+              </a:rPr>
+              <a:t>:  </a:t>
+            </a:r>
+            <a:r>
+              <a:rPr lang="en-US" sz="2400" dirty="0">
+                <a:latin typeface="Times New Roman" panose="02020503050405090304" pitchFamily="18" charset="0"/>
+                <a:cs typeface="Times New Roman" panose="02020503050405090304" pitchFamily="18" charset="0"/>
+              </a:rPr>
+              <a:t>If Python cannot find the module </a:t>
+            </a:r>
+            <a:endParaRPr lang="en-US" sz="2400" dirty="0">
+              <a:latin typeface="Times New Roman" panose="02020503050405090304" pitchFamily="18" charset="0"/>
+              <a:cs typeface="Times New Roman" panose="02020503050405090304" pitchFamily="18" charset="0"/>
+            </a:endParaRPr>
+          </a:p>
+          <a:p>
+            <a:pPr marL="214630" indent="-214630" algn="just">
               <a:lnSpc>
-                <a:spcPct val="80000"/>
+                <a:spcPct val="150000"/>
               </a:lnSpc>
-              <a:buClr>
-                <a:schemeClr val="tx1"/>
-              </a:buClr>
-            </a:pPr>
-            <a:r>
-              <a:rPr lang="en-US" sz="2400" b="1" dirty="0">
-                <a:latin typeface="Consolas" panose="020B0609020204030204" pitchFamily="49" charset="0"/>
-              </a:rPr>
-              <a:t>except</a:t>
-            </a:r>
-          </a:p>
-          <a:p>
-            <a:pPr algn="just">
+              <a:buFont typeface="Wingdings" panose="05000000000000000000" pitchFamily="2" charset="2"/>
+              <a:buChar char="ü"/>
+            </a:pPr>
+            <a:r>
+              <a:rPr lang="en-US" sz="2400" dirty="0" err="1">
+                <a:solidFill>
+                  <a:srgbClr val="00B0F0"/>
+                </a:solidFill>
+                <a:latin typeface="Times New Roman" panose="02020503050405090304" pitchFamily="18" charset="0"/>
+                <a:cs typeface="Times New Roman" panose="02020503050405090304" pitchFamily="18" charset="0"/>
+              </a:rPr>
+              <a:t>ValueError</a:t>
+            </a:r>
+            <a:r>
+              <a:rPr lang="en-US" sz="2400" dirty="0">
+                <a:solidFill>
+                  <a:srgbClr val="00B0F0"/>
+                </a:solidFill>
+                <a:latin typeface="Times New Roman" panose="02020503050405090304" pitchFamily="18" charset="0"/>
+                <a:cs typeface="Times New Roman" panose="02020503050405090304" pitchFamily="18" charset="0"/>
+              </a:rPr>
+              <a:t>: </a:t>
+            </a:r>
+            <a:r>
+              <a:rPr lang="en-US" sz="2400" dirty="0">
+                <a:latin typeface="Times New Roman" panose="02020503050405090304" pitchFamily="18" charset="0"/>
+                <a:cs typeface="Times New Roman" panose="02020503050405090304" pitchFamily="18" charset="0"/>
+              </a:rPr>
+              <a:t>Raised when a built-in operation or function receives an argument that has the right type but an inappropriate value </a:t>
+            </a:r>
+            <a:endParaRPr lang="en-US" sz="2400" dirty="0">
+              <a:latin typeface="Times New Roman" panose="02020503050405090304" pitchFamily="18" charset="0"/>
+              <a:cs typeface="Times New Roman" panose="02020503050405090304" pitchFamily="18" charset="0"/>
+            </a:endParaRPr>
+          </a:p>
+          <a:p>
+            <a:pPr marL="214630" indent="-214630" algn="just">
               <a:lnSpc>
-                <a:spcPct val="80000"/>
+                <a:spcPct val="150000"/>
               </a:lnSpc>
-              <a:buClr>
-                <a:schemeClr val="tx1"/>
-              </a:buClr>
-            </a:pPr>
-            <a:endParaRPr lang="en-US" sz="2400" b="1" dirty="0">
-              <a:latin typeface="Consolas" panose="020B0609020204030204" pitchFamily="49" charset="0"/>
-            </a:endParaRPr>
-          </a:p>
-          <a:p>
-            <a:pPr algn="just">
-              <a:lnSpc>
-                <a:spcPct val="80000"/>
-              </a:lnSpc>
-              <a:buClr>
-                <a:schemeClr val="tx1"/>
-              </a:buClr>
-            </a:pPr>
-            <a:r>
-              <a:rPr lang="en-US" sz="2400" b="1" dirty="0">
-                <a:latin typeface="Consolas" panose="020B0609020204030204" pitchFamily="49" charset="0"/>
-              </a:rPr>
-              <a:t>raise</a:t>
-            </a:r>
-          </a:p>
-          <a:p>
-            <a:pPr algn="just">
-              <a:lnSpc>
-                <a:spcPct val="80000"/>
-              </a:lnSpc>
-              <a:buClr>
-                <a:schemeClr val="tx1"/>
-              </a:buClr>
-            </a:pPr>
-            <a:endParaRPr lang="en-US" sz="2400" b="1" dirty="0">
-              <a:latin typeface="Consolas" panose="020B0609020204030204" pitchFamily="49" charset="0"/>
-            </a:endParaRPr>
-          </a:p>
-          <a:p>
-            <a:pPr algn="just">
-              <a:lnSpc>
-                <a:spcPct val="80000"/>
-              </a:lnSpc>
-              <a:buClr>
-                <a:schemeClr val="tx1"/>
-              </a:buClr>
-            </a:pPr>
-            <a:r>
-              <a:rPr lang="en-US" sz="2400" b="1" dirty="0">
-                <a:latin typeface="Consolas" panose="020B0609020204030204" pitchFamily="49" charset="0"/>
-              </a:rPr>
-              <a:t>else</a:t>
-            </a:r>
-          </a:p>
-          <a:p>
-            <a:pPr algn="just">
-              <a:lnSpc>
-                <a:spcPct val="80000"/>
-              </a:lnSpc>
-              <a:buClr>
-                <a:schemeClr val="tx1"/>
-              </a:buClr>
-            </a:pPr>
-            <a:endParaRPr lang="en-US" sz="2400" b="1" dirty="0">
-              <a:latin typeface="Consolas" panose="020B0609020204030204" pitchFamily="49" charset="0"/>
-            </a:endParaRPr>
-          </a:p>
-          <a:p>
-            <a:pPr algn="just">
-              <a:lnSpc>
-                <a:spcPct val="80000"/>
-              </a:lnSpc>
-              <a:buClr>
-                <a:schemeClr val="tx1"/>
-              </a:buClr>
-            </a:pPr>
-            <a:r>
-              <a:rPr lang="en-US" sz="2400" b="1" dirty="0">
-                <a:latin typeface="Consolas" panose="020B0609020204030204" pitchFamily="49" charset="0"/>
-              </a:rPr>
-              <a:t>finally</a:t>
-            </a:r>
+              <a:buFont typeface="Wingdings" panose="05000000000000000000" pitchFamily="2" charset="2"/>
+              <a:buChar char="ü"/>
+            </a:pPr>
+            <a:r>
+              <a:rPr lang="en-US" sz="2400" dirty="0" err="1">
+                <a:solidFill>
+                  <a:srgbClr val="00B0F0"/>
+                </a:solidFill>
+                <a:latin typeface="Times New Roman" panose="02020503050405090304" pitchFamily="18" charset="0"/>
+                <a:cs typeface="Times New Roman" panose="02020503050405090304" pitchFamily="18" charset="0"/>
+              </a:rPr>
+              <a:t>EOFError</a:t>
+            </a:r>
+            <a:r>
+              <a:rPr lang="en-US" sz="2400" dirty="0">
+                <a:solidFill>
+                  <a:srgbClr val="00B0F0"/>
+                </a:solidFill>
+                <a:latin typeface="Times New Roman" panose="02020503050405090304" pitchFamily="18" charset="0"/>
+                <a:cs typeface="Times New Roman" panose="02020503050405090304" pitchFamily="18" charset="0"/>
+              </a:rPr>
+              <a:t>: </a:t>
+            </a:r>
+            <a:r>
+              <a:rPr lang="en-US" sz="2400" dirty="0">
+                <a:latin typeface="Times New Roman" panose="02020503050405090304" pitchFamily="18" charset="0"/>
+                <a:cs typeface="Times New Roman" panose="02020503050405090304" pitchFamily="18" charset="0"/>
+              </a:rPr>
+              <a:t>Raised when one of the built-in functions (input()) hits an end-of-file condition (EOF) without reading any data</a:t>
+            </a:r>
+            <a:endParaRPr lang="en-US" sz="2400" dirty="0">
+              <a:latin typeface="Times New Roman" panose="02020503050405090304" pitchFamily="18" charset="0"/>
+              <a:cs typeface="Times New Roman" panose="02020503050405090304" pitchFamily="18" charset="0"/>
+            </a:endParaRPr>
           </a:p>
         </p:txBody>
       </p:sp>
     </p:spTree>
-    <p:extLst>
-      <p:ext uri="{BB962C8B-B14F-4D97-AF65-F5344CB8AC3E}">
-        <p14:creationId xmlns:p14="http://schemas.microsoft.com/office/powerpoint/2010/main" val="3144410306"/>
-      </p:ext>
-    </p:extLst>
   </p:cSld>
   <p:clrMapOvr>
     <a:masterClrMapping/>
   </p:clrMapOvr>
+  <mc:AlternateContent xmlns:mc="http://schemas.openxmlformats.org/markup-compatibility/2006">
+    <mc:Choice xmlns:p15="http://schemas.microsoft.com/office/powerpoint/2012/main" Requires="p15">
+      <p:transition xmlns:p14="http://schemas.microsoft.com/office/powerpoint/2010/main" spd="slow" Requires="p14" p14:dur="1000">
+        <p15:prstTrans prst="peelOff"/>
+      </p:transition>
+    </mc:Choice>
+    <mc:Fallback>
+      <p:transition spd="slow">
+        <p:fade/>
+      </p:transition>
+    </mc:Fallback>
+  </mc:AlternateContent>
 </p:sld>
 </file>
 
@@ -8714,7 +9110,7 @@
         </p:nvSpPr>
         <p:spPr>
           <a:xfrm>
-            <a:off x="504825" y="402032"/>
+            <a:off x="504825" y="335771"/>
             <a:ext cx="7381875" cy="383381"/>
           </a:xfrm>
         </p:spPr>
@@ -8725,16 +9121,20 @@
           <a:lstStyle/>
           <a:p>
             <a:r>
-              <a:rPr lang="en-US" sz="3200" dirty="0">
-                <a:latin typeface="Times New Roman" panose="02020603050405020304" pitchFamily="18" charset="0"/>
-                <a:cs typeface="Times New Roman" panose="02020603050405020304" pitchFamily="18" charset="0"/>
-              </a:rPr>
-              <a:t>Common Exception/Errors in Python</a:t>
-            </a:r>
-          </a:p>
-        </p:txBody>
-      </p:sp>
-      <p:sp>
+              <a:rPr lang="en-US" sz="2400" dirty="0">
+                <a:latin typeface="Times New Roman" panose="02020503050405090304" pitchFamily="18" charset="0"/>
+                <a:cs typeface="Times New Roman" panose="02020503050405090304" pitchFamily="18" charset="0"/>
+              </a:rPr>
+              <a:t>try…except…else…finally clause</a:t>
+            </a:r>
+            <a:endParaRPr lang="en-US" sz="2400" dirty="0">
+              <a:latin typeface="Times New Roman" panose="02020503050405090304" pitchFamily="18" charset="0"/>
+              <a:cs typeface="Times New Roman" panose="02020503050405090304" pitchFamily="18" charset="0"/>
+            </a:endParaRPr>
+          </a:p>
+        </p:txBody>
+      </p:sp>
+      <p:sp useBgFill="1">
         <p:nvSpPr>
           <p:cNvPr id="3" name="Content Placeholder 2"/>
           <p:cNvSpPr>
@@ -8746,25 +9146,267 @@
         </p:nvSpPr>
         <p:spPr>
           <a:xfrm>
-            <a:off x="504825" y="1639014"/>
-            <a:ext cx="8261488" cy="4098349"/>
+            <a:off x="504824" y="1150832"/>
+            <a:ext cx="8639175" cy="5382490"/>
           </a:xfrm>
         </p:spPr>
         <p:txBody>
           <a:bodyPr>
-            <a:normAutofit/>
+            <a:noAutofit/>
           </a:bodyPr>
           <a:lstStyle/>
           <a:p>
             <a:pPr marL="0" indent="0">
-              <a:lnSpc>
-                <a:spcPct val="150000"/>
-              </a:lnSpc>
-              <a:buNone/>
-            </a:pPr>
-            <a:endParaRPr lang="en-US" sz="1350" dirty="0">
-              <a:latin typeface="Times New Roman" panose="02020603050405020304" pitchFamily="18" charset="0"/>
-              <a:cs typeface="Times New Roman" panose="02020603050405020304" pitchFamily="18" charset="0"/>
+              <a:buNone/>
+            </a:pPr>
+            <a:r>
+              <a:rPr lang="en-US" sz="1800" dirty="0">
+                <a:solidFill>
+                  <a:srgbClr val="7030A0"/>
+                </a:solidFill>
+                <a:latin typeface="Victor Mono Regular" panose="00000509000000000000" charset="0"/>
+                <a:cs typeface="Victor Mono Regular" panose="00000509000000000000" charset="0"/>
+              </a:rPr>
+              <a:t>try: </a:t>
+            </a:r>
+            <a:endParaRPr lang="en-US" sz="1800" dirty="0">
+              <a:solidFill>
+                <a:srgbClr val="7030A0"/>
+              </a:solidFill>
+              <a:latin typeface="Victor Mono Regular" panose="00000509000000000000" charset="0"/>
+              <a:cs typeface="Victor Mono Regular" panose="00000509000000000000" charset="0"/>
+            </a:endParaRPr>
+          </a:p>
+          <a:p>
+            <a:pPr marL="0" indent="0">
+              <a:buNone/>
+            </a:pPr>
+            <a:r>
+              <a:rPr lang="en-US" sz="1800" dirty="0">
+                <a:solidFill>
+                  <a:srgbClr val="7030A0"/>
+                </a:solidFill>
+                <a:latin typeface="Victor Mono Regular" panose="00000509000000000000" charset="0"/>
+                <a:cs typeface="Victor Mono Regular" panose="00000509000000000000" charset="0"/>
+              </a:rPr>
+              <a:t>	</a:t>
+            </a:r>
+            <a:r>
+              <a:rPr lang="en-US" sz="1800" dirty="0">
+                <a:latin typeface="Victor Mono Regular" panose="00000509000000000000" charset="0"/>
+                <a:cs typeface="Victor Mono Regular" panose="00000509000000000000" charset="0"/>
+              </a:rPr>
+              <a:t>data = </a:t>
+            </a:r>
+            <a:r>
+              <a:rPr lang="en-US" sz="1800" dirty="0" err="1">
+                <a:latin typeface="Victor Mono Regular" panose="00000509000000000000" charset="0"/>
+                <a:cs typeface="Victor Mono Regular" panose="00000509000000000000" charset="0"/>
+              </a:rPr>
+              <a:t>something_that_can_go_wrong</a:t>
+            </a:r>
+            <a:r>
+              <a:rPr lang="en-US" sz="1800" dirty="0">
+                <a:latin typeface="Victor Mono Regular" panose="00000509000000000000" charset="0"/>
+                <a:cs typeface="Victor Mono Regular" panose="00000509000000000000" charset="0"/>
+              </a:rPr>
+              <a:t> </a:t>
+            </a:r>
+            <a:endParaRPr lang="en-US" sz="1800" dirty="0">
+              <a:latin typeface="Victor Mono Regular" panose="00000509000000000000" charset="0"/>
+              <a:cs typeface="Victor Mono Regular" panose="00000509000000000000" charset="0"/>
+            </a:endParaRPr>
+          </a:p>
+          <a:p>
+            <a:pPr marL="0" indent="0">
+              <a:buNone/>
+            </a:pPr>
+            <a:r>
+              <a:rPr lang="en-US" sz="1800" dirty="0">
+                <a:solidFill>
+                  <a:srgbClr val="7030A0"/>
+                </a:solidFill>
+                <a:latin typeface="Victor Mono Regular" panose="00000509000000000000" charset="0"/>
+                <a:cs typeface="Victor Mono Regular" panose="00000509000000000000" charset="0"/>
+              </a:rPr>
+              <a:t>except </a:t>
+            </a:r>
+            <a:r>
+              <a:rPr lang="en-US" sz="1800" dirty="0">
+                <a:latin typeface="Victor Mono Regular" panose="00000509000000000000" charset="0"/>
+                <a:cs typeface="Victor Mono Regular" panose="00000509000000000000" charset="0"/>
+              </a:rPr>
+              <a:t> </a:t>
+            </a:r>
+            <a:r>
+              <a:rPr lang="en-US" sz="1800" dirty="0" err="1">
+                <a:latin typeface="Victor Mono Regular" panose="00000509000000000000" charset="0"/>
+                <a:cs typeface="Victor Mono Regular" panose="00000509000000000000" charset="0"/>
+              </a:rPr>
+              <a:t>ValueError</a:t>
+            </a:r>
+            <a:r>
+              <a:rPr lang="en-US" sz="1800" dirty="0">
+                <a:latin typeface="Victor Mono Regular" panose="00000509000000000000" charset="0"/>
+                <a:cs typeface="Victor Mono Regular" panose="00000509000000000000" charset="0"/>
+              </a:rPr>
+              <a:t> : </a:t>
+            </a:r>
+            <a:endParaRPr lang="en-US" sz="1800" dirty="0">
+              <a:latin typeface="Victor Mono Regular" panose="00000509000000000000" charset="0"/>
+              <a:cs typeface="Victor Mono Regular" panose="00000509000000000000" charset="0"/>
+            </a:endParaRPr>
+          </a:p>
+          <a:p>
+            <a:pPr marL="0" indent="0">
+              <a:buNone/>
+            </a:pPr>
+            <a:r>
+              <a:rPr lang="en-GB" sz="1800" dirty="0">
+                <a:solidFill>
+                  <a:srgbClr val="7030A0"/>
+                </a:solidFill>
+                <a:latin typeface="Victor Mono Regular" panose="00000509000000000000" charset="0"/>
+                <a:cs typeface="Victor Mono Regular" panose="00000509000000000000" charset="0"/>
+              </a:rPr>
+              <a:t>	</a:t>
+            </a:r>
+            <a:r>
+              <a:rPr lang="en-US" sz="1800" dirty="0" err="1">
+                <a:latin typeface="Victor Mono Regular" panose="00000509000000000000" charset="0"/>
+                <a:cs typeface="Victor Mono Regular" panose="00000509000000000000" charset="0"/>
+              </a:rPr>
+              <a:t>handle_the_exception_error</a:t>
+            </a:r>
+            <a:r>
+              <a:rPr lang="en-US" sz="1800" dirty="0">
+                <a:latin typeface="Victor Mono Regular" panose="00000509000000000000" charset="0"/>
+                <a:cs typeface="Victor Mono Regular" panose="00000509000000000000" charset="0"/>
+              </a:rPr>
+              <a:t> </a:t>
+            </a:r>
+            <a:endParaRPr lang="en-US" sz="1800" dirty="0">
+              <a:latin typeface="Victor Mono Regular" panose="00000509000000000000" charset="0"/>
+              <a:cs typeface="Victor Mono Regular" panose="00000509000000000000" charset="0"/>
+            </a:endParaRPr>
+          </a:p>
+          <a:p>
+            <a:pPr marL="0" indent="0">
+              <a:buNone/>
+            </a:pPr>
+            <a:r>
+              <a:rPr lang="en-US" sz="1800" dirty="0">
+                <a:solidFill>
+                  <a:srgbClr val="7030A0"/>
+                </a:solidFill>
+                <a:latin typeface="Victor Mono Regular" panose="00000509000000000000" charset="0"/>
+                <a:cs typeface="Victor Mono Regular" panose="00000509000000000000" charset="0"/>
+              </a:rPr>
+              <a:t>else: </a:t>
+            </a:r>
+            <a:endParaRPr lang="en-US" sz="1800" dirty="0">
+              <a:solidFill>
+                <a:srgbClr val="7030A0"/>
+              </a:solidFill>
+              <a:latin typeface="Victor Mono Regular" panose="00000509000000000000" charset="0"/>
+              <a:cs typeface="Victor Mono Regular" panose="00000509000000000000" charset="0"/>
+            </a:endParaRPr>
+          </a:p>
+          <a:p>
+            <a:pPr marL="0" indent="0">
+              <a:buNone/>
+            </a:pPr>
+            <a:r>
+              <a:rPr lang="en-GB" sz="1800" dirty="0">
+                <a:solidFill>
+                  <a:srgbClr val="7030A0"/>
+                </a:solidFill>
+                <a:latin typeface="Victor Mono Regular" panose="00000509000000000000" charset="0"/>
+                <a:cs typeface="Victor Mono Regular" panose="00000509000000000000" charset="0"/>
+              </a:rPr>
+              <a:t>	</a:t>
+            </a:r>
+            <a:r>
+              <a:rPr lang="en-US" sz="1800" dirty="0" err="1">
+                <a:latin typeface="Victor Mono Regular" panose="00000509000000000000" charset="0"/>
+                <a:cs typeface="Victor Mono Regular" panose="00000509000000000000" charset="0"/>
+              </a:rPr>
+              <a:t>doing_different_exception_handling</a:t>
+            </a:r>
+            <a:r>
+              <a:rPr lang="en-US" sz="1800" dirty="0">
+                <a:latin typeface="Victor Mono Regular" panose="00000509000000000000" charset="0"/>
+                <a:cs typeface="Victor Mono Regular" panose="00000509000000000000" charset="0"/>
+              </a:rPr>
+              <a:t> </a:t>
+            </a:r>
+            <a:endParaRPr lang="en-US" sz="1800" dirty="0">
+              <a:latin typeface="Victor Mono Regular" panose="00000509000000000000" charset="0"/>
+              <a:cs typeface="Victor Mono Regular" panose="00000509000000000000" charset="0"/>
+            </a:endParaRPr>
+          </a:p>
+          <a:p>
+            <a:pPr marL="0" indent="0">
+              <a:buNone/>
+            </a:pPr>
+            <a:r>
+              <a:rPr lang="en-US" sz="1800" dirty="0">
+                <a:solidFill>
+                  <a:srgbClr val="7030A0"/>
+                </a:solidFill>
+                <a:latin typeface="Victor Mono Regular" panose="00000509000000000000" charset="0"/>
+                <a:cs typeface="Victor Mono Regular" panose="00000509000000000000" charset="0"/>
+              </a:rPr>
+              <a:t>finally:</a:t>
+            </a:r>
+            <a:endParaRPr lang="en-GB" sz="1800" dirty="0">
+              <a:solidFill>
+                <a:srgbClr val="7030A0"/>
+              </a:solidFill>
+              <a:latin typeface="Victor Mono Regular" panose="00000509000000000000" charset="0"/>
+              <a:cs typeface="Victor Mono Regular" panose="00000509000000000000" charset="0"/>
+            </a:endParaRPr>
+          </a:p>
+          <a:p>
+            <a:pPr marL="0" indent="0">
+              <a:buNone/>
+            </a:pPr>
+            <a:r>
+              <a:rPr lang="en-GB" sz="1800" dirty="0">
+                <a:solidFill>
+                  <a:srgbClr val="7030A0"/>
+                </a:solidFill>
+                <a:latin typeface="Victor Mono Regular" panose="00000509000000000000" charset="0"/>
+                <a:cs typeface="Victor Mono Regular" panose="00000509000000000000" charset="0"/>
+              </a:rPr>
+              <a:t>	</a:t>
+            </a:r>
+            <a:r>
+              <a:rPr lang="en-US" sz="1800" dirty="0" err="1">
+                <a:latin typeface="Victor Mono Regular" panose="00000509000000000000" charset="0"/>
+                <a:cs typeface="Victor Mono Regular" panose="00000509000000000000" charset="0"/>
+              </a:rPr>
+              <a:t>executes_under_all_circumstances</a:t>
+            </a:r>
+            <a:r>
+              <a:rPr lang="en-US" sz="1800" dirty="0">
+                <a:latin typeface="Victor Mono Regular" panose="00000509000000000000" charset="0"/>
+                <a:cs typeface="Victor Mono Regular" panose="00000509000000000000" charset="0"/>
+              </a:rPr>
+              <a:t> </a:t>
+            </a:r>
+            <a:endParaRPr lang="en-US" sz="1800" dirty="0">
+              <a:latin typeface="Victor Mono Regular" panose="00000509000000000000" charset="0"/>
+              <a:cs typeface="Victor Mono Regular" panose="00000509000000000000" charset="0"/>
+            </a:endParaRPr>
+          </a:p>
+          <a:p>
+            <a:pPr marL="0" indent="0">
+              <a:buNone/>
+            </a:pPr>
+            <a:endParaRPr lang="en-US" sz="1800" dirty="0">
+              <a:latin typeface="Times New Roman" panose="02020503050405090304" pitchFamily="18" charset="0"/>
+              <a:cs typeface="Times New Roman" panose="02020503050405090304" pitchFamily="18" charset="0"/>
             </a:endParaRPr>
           </a:p>
           <a:p>
@@ -8772,9 +9414,30 @@
               <a:buFont typeface="Wingdings" panose="05000000000000000000" pitchFamily="2" charset="2"/>
               <a:buChar char="ü"/>
             </a:pPr>
-            <a:endParaRPr lang="en-US" sz="1350" dirty="0">
-              <a:latin typeface="Times New Roman" panose="02020603050405020304" pitchFamily="18" charset="0"/>
-              <a:cs typeface="Times New Roman" panose="02020603050405020304" pitchFamily="18" charset="0"/>
+            <a:r>
+              <a:rPr lang="en-US" sz="2000" dirty="0">
+                <a:latin typeface="Times New Roman" panose="02020503050405090304" pitchFamily="18" charset="0"/>
+                <a:cs typeface="Times New Roman" panose="02020503050405090304" pitchFamily="18" charset="0"/>
+              </a:rPr>
+              <a:t>The else clause in a </a:t>
+            </a:r>
+            <a:r>
+              <a:rPr lang="en-US" sz="2000" b="1" dirty="0">
+                <a:latin typeface="Times New Roman" panose="02020503050405090304" pitchFamily="18" charset="0"/>
+                <a:cs typeface="Times New Roman" panose="02020503050405090304" pitchFamily="18" charset="0"/>
+              </a:rPr>
+              <a:t>try, except</a:t>
+            </a:r>
+            <a:r>
+              <a:rPr lang="en-US" sz="2000" dirty="0">
+                <a:latin typeface="Times New Roman" panose="02020503050405090304" pitchFamily="18" charset="0"/>
+                <a:cs typeface="Times New Roman" panose="02020503050405090304" pitchFamily="18" charset="0"/>
+              </a:rPr>
+              <a:t> statement must follow all except clauses </a:t>
+            </a:r>
+            <a:endParaRPr lang="en-US" sz="2000" dirty="0">
+              <a:latin typeface="Times New Roman" panose="02020503050405090304" pitchFamily="18" charset="0"/>
+              <a:cs typeface="Times New Roman" panose="02020503050405090304" pitchFamily="18" charset="0"/>
             </a:endParaRPr>
           </a:p>
           <a:p>
@@ -8782,9 +9445,75 @@
               <a:buFont typeface="Wingdings" panose="05000000000000000000" pitchFamily="2" charset="2"/>
               <a:buChar char="ü"/>
             </a:pPr>
-            <a:endParaRPr lang="en-US" sz="1350" dirty="0">
-              <a:latin typeface="Times New Roman" panose="02020603050405020304" pitchFamily="18" charset="0"/>
-              <a:cs typeface="Times New Roman" panose="02020603050405020304" pitchFamily="18" charset="0"/>
+            <a:r>
+              <a:rPr lang="en-US" sz="2000" dirty="0">
+                <a:latin typeface="Times New Roman" panose="02020503050405090304" pitchFamily="18" charset="0"/>
+                <a:cs typeface="Times New Roman" panose="02020503050405090304" pitchFamily="18" charset="0"/>
+              </a:rPr>
+              <a:t>It is useful for code that must be executed if the try clause does not raise an exception </a:t>
+            </a:r>
+            <a:r>
+              <a:rPr lang="en-US" sz="2000" b="1" dirty="0">
+                <a:solidFill>
+                  <a:srgbClr val="7030A0"/>
+                </a:solidFill>
+                <a:latin typeface="Times New Roman" panose="02020503050405090304" pitchFamily="18" charset="0"/>
+                <a:cs typeface="Times New Roman" panose="02020503050405090304" pitchFamily="18" charset="0"/>
+              </a:rPr>
+              <a:t>                </a:t>
+            </a:r>
+            <a:endParaRPr lang="en-US" sz="2000" b="1" dirty="0">
+              <a:solidFill>
+                <a:srgbClr val="7030A0"/>
+              </a:solidFill>
+              <a:latin typeface="Times New Roman" panose="02020503050405090304" pitchFamily="18" charset="0"/>
+              <a:cs typeface="Times New Roman" panose="02020503050405090304" pitchFamily="18" charset="0"/>
+            </a:endParaRPr>
+          </a:p>
+          <a:p>
+            <a:pPr marL="0" indent="0">
+              <a:buNone/>
+            </a:pPr>
+            <a:r>
+              <a:rPr lang="en-US" sz="2000" b="1" dirty="0">
+                <a:latin typeface="Times New Roman" panose="02020503050405090304" pitchFamily="18" charset="0"/>
+                <a:cs typeface="Times New Roman" panose="02020503050405090304" pitchFamily="18" charset="0"/>
+              </a:rPr>
+              <a:t>Note 1: </a:t>
+            </a:r>
+            <a:r>
+              <a:rPr lang="en-US" sz="2000" dirty="0">
+                <a:latin typeface="Times New Roman" panose="02020503050405090304" pitchFamily="18" charset="0"/>
+                <a:cs typeface="Times New Roman" panose="02020503050405090304" pitchFamily="18" charset="0"/>
+              </a:rPr>
+              <a:t>Exceptions in the else clause are not handled by the preceding except clauses.</a:t>
+            </a:r>
+            <a:endParaRPr lang="en-US" sz="2000" dirty="0">
+              <a:latin typeface="Times New Roman" panose="02020503050405090304" pitchFamily="18" charset="0"/>
+              <a:cs typeface="Times New Roman" panose="02020503050405090304" pitchFamily="18" charset="0"/>
+            </a:endParaRPr>
+          </a:p>
+          <a:p>
+            <a:pPr marL="0" indent="0">
+              <a:buNone/>
+            </a:pPr>
+            <a:r>
+              <a:rPr lang="en-US" sz="2000" b="1" dirty="0">
+                <a:latin typeface="Times New Roman" panose="02020503050405090304" pitchFamily="18" charset="0"/>
+                <a:cs typeface="Times New Roman" panose="02020503050405090304" pitchFamily="18" charset="0"/>
+              </a:rPr>
+              <a:t>Note 2: </a:t>
+            </a:r>
+            <a:r>
+              <a:rPr lang="en-US" sz="2000" dirty="0">
+                <a:latin typeface="Times New Roman" panose="02020503050405090304" pitchFamily="18" charset="0"/>
+                <a:cs typeface="Times New Roman" panose="02020503050405090304" pitchFamily="18" charset="0"/>
+              </a:rPr>
+              <a:t>Make sure that the else clause is executed before the finally block</a:t>
+            </a:r>
+            <a:endParaRPr lang="en-US" sz="2000" dirty="0">
+              <a:latin typeface="Times New Roman" panose="02020503050405090304" pitchFamily="18" charset="0"/>
+              <a:cs typeface="Times New Roman" panose="02020503050405090304" pitchFamily="18" charset="0"/>
             </a:endParaRPr>
           </a:p>
           <a:p>
@@ -8792,189 +9521,30 @@
               <a:buFont typeface="Wingdings" panose="05000000000000000000" pitchFamily="2" charset="2"/>
               <a:buChar char="ü"/>
             </a:pPr>
-            <a:endParaRPr lang="en-US" sz="1350" dirty="0">
-              <a:latin typeface="Times New Roman" panose="02020603050405020304" pitchFamily="18" charset="0"/>
-              <a:cs typeface="Times New Roman" panose="02020603050405020304" pitchFamily="18" charset="0"/>
-            </a:endParaRPr>
-          </a:p>
-        </p:txBody>
-      </p:sp>
-      <p:sp>
-        <p:nvSpPr>
-          <p:cNvPr id="4" name="Rectangle 3"/>
-          <p:cNvSpPr/>
-          <p:nvPr/>
-        </p:nvSpPr>
-        <p:spPr>
-          <a:xfrm>
-            <a:off x="504825" y="1082423"/>
-            <a:ext cx="8261488" cy="3903954"/>
-          </a:xfrm>
-          <a:prstGeom prst="rect">
-            <a:avLst/>
-          </a:prstGeom>
-        </p:spPr>
-        <p:txBody>
-          <a:bodyPr wrap="square">
-            <a:spAutoFit/>
-          </a:bodyPr>
-          <a:lstStyle/>
-          <a:p>
-            <a:pPr marL="214313" indent="-214313" algn="just">
-              <a:lnSpc>
-                <a:spcPct val="150000"/>
-              </a:lnSpc>
-              <a:buFont typeface="Wingdings" panose="05000000000000000000" pitchFamily="2" charset="2"/>
-              <a:buChar char="ü"/>
-            </a:pPr>
-            <a:r>
-              <a:rPr lang="en-US" sz="2400" dirty="0" err="1">
-                <a:solidFill>
-                  <a:srgbClr val="00B0F0"/>
-                </a:solidFill>
-                <a:latin typeface="Times New Roman" panose="02020603050405020304" pitchFamily="18" charset="0"/>
-                <a:cs typeface="Times New Roman" panose="02020603050405020304" pitchFamily="18" charset="0"/>
-              </a:rPr>
-              <a:t>IOError</a:t>
-            </a:r>
-            <a:r>
-              <a:rPr lang="en-US" sz="2400" dirty="0">
-                <a:solidFill>
-                  <a:srgbClr val="00B0F0"/>
-                </a:solidFill>
-                <a:latin typeface="Times New Roman" panose="02020603050405020304" pitchFamily="18" charset="0"/>
-                <a:cs typeface="Times New Roman" panose="02020603050405020304" pitchFamily="18" charset="0"/>
-              </a:rPr>
-              <a:t>:  </a:t>
-            </a:r>
-            <a:r>
-              <a:rPr lang="en-US" sz="2400" dirty="0">
-                <a:latin typeface="Times New Roman" panose="02020603050405020304" pitchFamily="18" charset="0"/>
-                <a:cs typeface="Times New Roman" panose="02020603050405020304" pitchFamily="18" charset="0"/>
-              </a:rPr>
-              <a:t>If the file cannot be opened </a:t>
-            </a:r>
-          </a:p>
-          <a:p>
-            <a:pPr marL="214313" indent="-214313" algn="just">
-              <a:lnSpc>
-                <a:spcPct val="150000"/>
-              </a:lnSpc>
-              <a:buFont typeface="Wingdings" panose="05000000000000000000" pitchFamily="2" charset="2"/>
-              <a:buChar char="ü"/>
-            </a:pPr>
-            <a:r>
-              <a:rPr lang="en-US" sz="2400" dirty="0" err="1">
-                <a:solidFill>
-                  <a:srgbClr val="00B0F0"/>
-                </a:solidFill>
-                <a:latin typeface="Times New Roman" panose="02020603050405020304" pitchFamily="18" charset="0"/>
-                <a:cs typeface="Times New Roman" panose="02020603050405020304" pitchFamily="18" charset="0"/>
-              </a:rPr>
-              <a:t>ImportError</a:t>
-            </a:r>
-            <a:r>
-              <a:rPr lang="en-US" sz="2400" dirty="0">
-                <a:solidFill>
-                  <a:srgbClr val="00B0F0"/>
-                </a:solidFill>
-                <a:latin typeface="Times New Roman" panose="02020603050405020304" pitchFamily="18" charset="0"/>
-                <a:cs typeface="Times New Roman" panose="02020603050405020304" pitchFamily="18" charset="0"/>
-              </a:rPr>
-              <a:t>:  </a:t>
-            </a:r>
-            <a:r>
-              <a:rPr lang="en-US" sz="2400" dirty="0">
-                <a:latin typeface="Times New Roman" panose="02020603050405020304" pitchFamily="18" charset="0"/>
-                <a:cs typeface="Times New Roman" panose="02020603050405020304" pitchFamily="18" charset="0"/>
-              </a:rPr>
-              <a:t>If Python cannot find the module </a:t>
-            </a:r>
-          </a:p>
-          <a:p>
-            <a:pPr marL="214313" indent="-214313" algn="just">
-              <a:lnSpc>
-                <a:spcPct val="150000"/>
-              </a:lnSpc>
-              <a:buFont typeface="Wingdings" panose="05000000000000000000" pitchFamily="2" charset="2"/>
-              <a:buChar char="ü"/>
-            </a:pPr>
-            <a:r>
-              <a:rPr lang="en-US" sz="2400" dirty="0" err="1">
-                <a:solidFill>
-                  <a:srgbClr val="00B0F0"/>
-                </a:solidFill>
-                <a:latin typeface="Times New Roman" panose="02020603050405020304" pitchFamily="18" charset="0"/>
-                <a:cs typeface="Times New Roman" panose="02020603050405020304" pitchFamily="18" charset="0"/>
-              </a:rPr>
-              <a:t>ValueError</a:t>
-            </a:r>
-            <a:r>
-              <a:rPr lang="en-US" sz="2400" dirty="0">
-                <a:solidFill>
-                  <a:srgbClr val="00B0F0"/>
-                </a:solidFill>
-                <a:latin typeface="Times New Roman" panose="02020603050405020304" pitchFamily="18" charset="0"/>
-                <a:cs typeface="Times New Roman" panose="02020603050405020304" pitchFamily="18" charset="0"/>
-              </a:rPr>
-              <a:t>: </a:t>
-            </a:r>
-            <a:r>
-              <a:rPr lang="en-US" sz="2400" dirty="0">
-                <a:latin typeface="Times New Roman" panose="02020603050405020304" pitchFamily="18" charset="0"/>
-                <a:cs typeface="Times New Roman" panose="02020603050405020304" pitchFamily="18" charset="0"/>
-              </a:rPr>
-              <a:t>Raised when a built-in operation or function receives an argument that has the right type but an inappropriate value </a:t>
-            </a:r>
-          </a:p>
-          <a:p>
-            <a:pPr marL="214313" indent="-214313" algn="just">
-              <a:lnSpc>
-                <a:spcPct val="150000"/>
-              </a:lnSpc>
-              <a:buFont typeface="Wingdings" panose="05000000000000000000" pitchFamily="2" charset="2"/>
-              <a:buChar char="ü"/>
-            </a:pPr>
-            <a:r>
-              <a:rPr lang="en-US" sz="2400" dirty="0" err="1">
-                <a:solidFill>
-                  <a:srgbClr val="00B0F0"/>
-                </a:solidFill>
-                <a:latin typeface="Times New Roman" panose="02020603050405020304" pitchFamily="18" charset="0"/>
-                <a:cs typeface="Times New Roman" panose="02020603050405020304" pitchFamily="18" charset="0"/>
-              </a:rPr>
-              <a:t>EOFError</a:t>
-            </a:r>
-            <a:r>
-              <a:rPr lang="en-US" sz="2400" dirty="0">
-                <a:solidFill>
-                  <a:srgbClr val="00B0F0"/>
-                </a:solidFill>
-                <a:latin typeface="Times New Roman" panose="02020603050405020304" pitchFamily="18" charset="0"/>
-                <a:cs typeface="Times New Roman" panose="02020603050405020304" pitchFamily="18" charset="0"/>
-              </a:rPr>
-              <a:t>: </a:t>
-            </a:r>
-            <a:r>
-              <a:rPr lang="en-US" sz="2400" dirty="0">
-                <a:latin typeface="Times New Roman" panose="02020603050405020304" pitchFamily="18" charset="0"/>
-                <a:cs typeface="Times New Roman" panose="02020603050405020304" pitchFamily="18" charset="0"/>
-              </a:rPr>
-              <a:t>Raised when one of the built-in functions (input()) hits an end-of-file condition (EOF) without reading any data</a:t>
-            </a:r>
+            <a:endParaRPr lang="en-US" sz="1800" dirty="0">
+              <a:latin typeface="Times New Roman" panose="02020503050405090304" pitchFamily="18" charset="0"/>
+              <a:cs typeface="Times New Roman" panose="02020503050405090304" pitchFamily="18" charset="0"/>
+            </a:endParaRPr>
           </a:p>
         </p:txBody>
       </p:sp>
     </p:spTree>
-    <p:extLst>
-      <p:ext uri="{BB962C8B-B14F-4D97-AF65-F5344CB8AC3E}">
-        <p14:creationId xmlns:p14="http://schemas.microsoft.com/office/powerpoint/2010/main" val="290880784"/>
-      </p:ext>
-    </p:extLst>
   </p:cSld>
   <p:clrMapOvr>
     <a:masterClrMapping/>
   </p:clrMapOvr>
+  <mc:AlternateContent xmlns:mc="http://schemas.openxmlformats.org/markup-compatibility/2006">
+    <mc:Choice xmlns:p15="http://schemas.microsoft.com/office/powerpoint/2012/main" Requires="p15">
+      <p:transition xmlns:p14="http://schemas.microsoft.com/office/powerpoint/2010/main" spd="slow" Requires="p14" p14:dur="1000">
+        <p15:prstTrans prst="peelOff"/>
+      </p:transition>
+    </mc:Choice>
+    <mc:Fallback>
+      <p:transition spd="slow">
+        <p:fade/>
+      </p:transition>
+    </mc:Fallback>
+  </mc:AlternateContent>
 </p:sld>
 </file>
 
@@ -9007,27 +9577,23 @@
         </p:nvSpPr>
         <p:spPr>
           <a:xfrm>
-            <a:off x="504825" y="335771"/>
-            <a:ext cx="7381875" cy="383381"/>
+            <a:off x="628650" y="-181951"/>
+            <a:ext cx="7886700" cy="1325563"/>
           </a:xfrm>
         </p:spPr>
         <p:txBody>
-          <a:bodyPr>
-            <a:noAutofit/>
-          </a:bodyPr>
+          <a:bodyPr/>
           <a:lstStyle/>
           <a:p>
             <a:r>
-              <a:rPr lang="en-US" sz="2400" dirty="0">
-                <a:latin typeface="Times New Roman" panose="02020603050405020304" pitchFamily="18" charset="0"/>
-                <a:cs typeface="Times New Roman" panose="02020603050405020304" pitchFamily="18" charset="0"/>
-              </a:rPr>
-              <a:t>try…except…else…finally clause</a:t>
-            </a:r>
-          </a:p>
-        </p:txBody>
-      </p:sp>
-      <p:sp useBgFill="1">
+              <a:rPr lang="en-US" b="1" dirty="0"/>
+              <a:t>Errors vs Runtime Errors</a:t>
+            </a:r>
+            <a:endParaRPr lang="en-US" b="1" dirty="0"/>
+          </a:p>
+        </p:txBody>
+      </p:sp>
+      <p:sp>
         <p:nvSpPr>
           <p:cNvPr id="3" name="Content Placeholder 2"/>
           <p:cNvSpPr>
@@ -9039,345 +9605,259 @@
         </p:nvSpPr>
         <p:spPr>
           <a:xfrm>
-            <a:off x="504824" y="1150832"/>
-            <a:ext cx="8639175" cy="5382490"/>
+            <a:off x="628650" y="1253331"/>
+            <a:ext cx="7886700" cy="4351338"/>
           </a:xfrm>
         </p:spPr>
         <p:txBody>
-          <a:bodyPr>
-            <a:noAutofit/>
-          </a:bodyPr>
+          <a:bodyPr/>
           <a:lstStyle/>
           <a:p>
+            <a:r>
+              <a:rPr lang="en-US" dirty="0">
+                <a:solidFill>
+                  <a:schemeClr val="accent2">
+                    <a:lumMod val="50000"/>
+                  </a:schemeClr>
+                </a:solidFill>
+                <a:latin typeface="Victor Mono Regular" panose="00000509000000000000" charset="0"/>
+                <a:cs typeface="Victor Mono Regular" panose="00000509000000000000" charset="0"/>
+              </a:rPr>
+              <a:t>Syntax Error</a:t>
+            </a:r>
+            <a:r>
+              <a:rPr lang="en-US" dirty="0">
+                <a:latin typeface="Victor Mono Regular" panose="00000509000000000000" charset="0"/>
+                <a:cs typeface="Victor Mono Regular" panose="00000509000000000000" charset="0"/>
+              </a:rPr>
+              <a:t> </a:t>
+            </a:r>
+            <a:r>
+              <a:rPr lang="en-US" dirty="0">
+                <a:solidFill>
+                  <a:schemeClr val="bg1">
+                    <a:lumMod val="50000"/>
+                  </a:schemeClr>
+                </a:solidFill>
+                <a:latin typeface="Victor Mono Regular" panose="00000509000000000000" charset="0"/>
+                <a:cs typeface="Victor Mono Regular" panose="00000509000000000000" charset="0"/>
+              </a:rPr>
+              <a:t>(Missing parenthesis)</a:t>
+            </a:r>
+            <a:endParaRPr lang="en-GB" dirty="0">
+              <a:solidFill>
+                <a:schemeClr val="bg1">
+                  <a:lumMod val="50000"/>
+                </a:schemeClr>
+              </a:solidFill>
+              <a:latin typeface="Victor Mono Regular" panose="00000509000000000000" charset="0"/>
+              <a:cs typeface="Victor Mono Regular" panose="00000509000000000000" charset="0"/>
+            </a:endParaRPr>
+          </a:p>
+          <a:p>
             <a:pPr marL="0" indent="0">
               <a:buNone/>
             </a:pPr>
             <a:r>
-              <a:rPr lang="en-US" sz="1800" dirty="0">
+              <a:rPr lang="en-US" dirty="0">
+                <a:latin typeface="Victor Mono Regular" panose="00000509000000000000" charset="0"/>
+                <a:cs typeface="Victor Mono Regular" panose="00000509000000000000" charset="0"/>
+              </a:rPr>
+              <a:t>print("Hello)  </a:t>
+            </a:r>
+            <a:endParaRPr lang="en-GB" dirty="0">
+              <a:latin typeface="Victor Mono Regular" panose="00000509000000000000" charset="0"/>
+              <a:cs typeface="Victor Mono Regular" panose="00000509000000000000" charset="0"/>
+            </a:endParaRPr>
+          </a:p>
+          <a:p>
+            <a:pPr marL="0" indent="0">
+              <a:buNone/>
+            </a:pPr>
+            <a:r>
+              <a:rPr lang="en-US" dirty="0">
                 <a:solidFill>
-                  <a:srgbClr val="7030A0"/>
+                  <a:schemeClr val="bg1">
+                    <a:lumMod val="50000"/>
+                  </a:schemeClr>
                 </a:solidFill>
-                <a:latin typeface="Consolas" panose="020B0609020204030204" pitchFamily="49" charset="0"/>
-                <a:cs typeface="Times New Roman" panose="02020603050405020304" pitchFamily="18" charset="0"/>
-              </a:rPr>
-              <a:t>try: </a:t>
-            </a:r>
+                <a:latin typeface="Victor Mono Regular" panose="00000509000000000000" charset="0"/>
+                <a:cs typeface="Victor Mono Regular" panose="00000509000000000000" charset="0"/>
+              </a:rPr>
+              <a:t># </a:t>
+            </a:r>
+            <a:r>
+              <a:rPr lang="en-US" dirty="0" err="1">
+                <a:solidFill>
+                  <a:schemeClr val="bg1">
+                    <a:lumMod val="50000"/>
+                  </a:schemeClr>
+                </a:solidFill>
+                <a:latin typeface="Victor Mono Regular" panose="00000509000000000000" charset="0"/>
+                <a:cs typeface="Victor Mono Regular" panose="00000509000000000000" charset="0"/>
+              </a:rPr>
+              <a:t>SyntaxError</a:t>
+            </a:r>
+            <a:r>
+              <a:rPr lang="en-US" dirty="0">
+                <a:solidFill>
+                  <a:schemeClr val="bg1">
+                    <a:lumMod val="50000"/>
+                  </a:schemeClr>
+                </a:solidFill>
+                <a:latin typeface="Victor Mono Regular" panose="00000509000000000000" charset="0"/>
+                <a:cs typeface="Victor Mono Regular" panose="00000509000000000000" charset="0"/>
+              </a:rPr>
+              <a:t>: EOL while scanning string literal</a:t>
+            </a:r>
+            <a:endParaRPr lang="en-GB" dirty="0">
+              <a:solidFill>
+                <a:schemeClr val="bg1">
+                  <a:lumMod val="50000"/>
+                </a:schemeClr>
+              </a:solidFill>
+              <a:latin typeface="Victor Mono Regular" panose="00000509000000000000" charset="0"/>
+              <a:cs typeface="Victor Mono Regular" panose="00000509000000000000" charset="0"/>
+            </a:endParaRPr>
           </a:p>
           <a:p>
             <a:pPr marL="0" indent="0">
               <a:buNone/>
             </a:pPr>
-            <a:r>
-              <a:rPr lang="en-US" sz="1800" dirty="0">
+            <a:endParaRPr lang="en-GB" dirty="0">
+              <a:latin typeface="Victor Mono Regular" panose="00000509000000000000" charset="0"/>
+              <a:cs typeface="Victor Mono Regular" panose="00000509000000000000" charset="0"/>
+            </a:endParaRPr>
+          </a:p>
+          <a:p>
+            <a:r>
+              <a:rPr lang="en-US" dirty="0">
                 <a:solidFill>
-                  <a:srgbClr val="7030A0"/>
+                  <a:schemeClr val="accent2">
+                    <a:lumMod val="50000"/>
+                  </a:schemeClr>
                 </a:solidFill>
-                <a:latin typeface="Consolas" panose="020B0609020204030204" pitchFamily="49" charset="0"/>
-                <a:cs typeface="Times New Roman" panose="02020603050405020304" pitchFamily="18" charset="0"/>
-              </a:rPr>
-              <a:t>	</a:t>
-            </a:r>
-            <a:r>
-              <a:rPr lang="en-US" sz="1800" dirty="0">
-                <a:latin typeface="Consolas" panose="020B0609020204030204" pitchFamily="49" charset="0"/>
-                <a:cs typeface="Times New Roman" panose="02020603050405020304" pitchFamily="18" charset="0"/>
-              </a:rPr>
-              <a:t>data = </a:t>
-            </a:r>
-            <a:r>
-              <a:rPr lang="en-US" sz="1800" dirty="0" err="1">
-                <a:latin typeface="Consolas" panose="020B0609020204030204" pitchFamily="49" charset="0"/>
-                <a:cs typeface="Times New Roman" panose="02020603050405020304" pitchFamily="18" charset="0"/>
-              </a:rPr>
-              <a:t>something_that_can_go_wrong</a:t>
-            </a:r>
-            <a:r>
-              <a:rPr lang="en-US" sz="1800" dirty="0">
-                <a:latin typeface="Consolas" panose="020B0609020204030204" pitchFamily="49" charset="0"/>
-                <a:cs typeface="Times New Roman" panose="02020603050405020304" pitchFamily="18" charset="0"/>
+                <a:latin typeface="Victor Mono Regular" panose="00000509000000000000" charset="0"/>
+                <a:cs typeface="Victor Mono Regular" panose="00000509000000000000" charset="0"/>
+              </a:rPr>
+              <a:t>Runtime Error</a:t>
+            </a:r>
+            <a:r>
+              <a:rPr lang="en-US" dirty="0">
+                <a:latin typeface="Victor Mono Regular" panose="00000509000000000000" charset="0"/>
+                <a:cs typeface="Victor Mono Regular" panose="00000509000000000000" charset="0"/>
               </a:rPr>
               <a:t> </a:t>
             </a:r>
+            <a:r>
+              <a:rPr lang="en-US" dirty="0">
+                <a:solidFill>
+                  <a:schemeClr val="bg1">
+                    <a:lumMod val="50000"/>
+                  </a:schemeClr>
+                </a:solidFill>
+                <a:latin typeface="Victor Mono Regular" panose="00000509000000000000" charset="0"/>
+                <a:cs typeface="Victor Mono Regular" panose="00000509000000000000" charset="0"/>
+              </a:rPr>
+              <a:t>(File not found)</a:t>
+            </a:r>
+            <a:endParaRPr lang="en-GB" dirty="0">
+              <a:solidFill>
+                <a:schemeClr val="bg1">
+                  <a:lumMod val="50000"/>
+                </a:schemeClr>
+              </a:solidFill>
+              <a:latin typeface="Victor Mono Regular" panose="00000509000000000000" charset="0"/>
+              <a:cs typeface="Victor Mono Regular" panose="00000509000000000000" charset="0"/>
+            </a:endParaRPr>
           </a:p>
           <a:p>
             <a:pPr marL="0" indent="0">
               <a:buNone/>
             </a:pPr>
             <a:r>
-              <a:rPr lang="en-US" sz="1800" dirty="0">
+              <a:rPr lang="en-US" dirty="0">
+                <a:latin typeface="Victor Mono Regular" panose="00000509000000000000" charset="0"/>
+                <a:cs typeface="Victor Mono Regular" panose="00000509000000000000" charset="0"/>
+              </a:rPr>
+              <a:t>open("</a:t>
+            </a:r>
+            <a:r>
+              <a:rPr lang="en-US" dirty="0" err="1">
+                <a:latin typeface="Victor Mono Regular" panose="00000509000000000000" charset="0"/>
+                <a:cs typeface="Victor Mono Regular" panose="00000509000000000000" charset="0"/>
+              </a:rPr>
+              <a:t>missing_file.txt</a:t>
+            </a:r>
+            <a:r>
+              <a:rPr lang="en-US" dirty="0">
+                <a:latin typeface="Victor Mono Regular" panose="00000509000000000000" charset="0"/>
+                <a:cs typeface="Victor Mono Regular" panose="00000509000000000000" charset="0"/>
+              </a:rPr>
+              <a:t>")  </a:t>
+            </a:r>
+            <a:endParaRPr lang="en-GB" dirty="0">
+              <a:latin typeface="Victor Mono Regular" panose="00000509000000000000" charset="0"/>
+              <a:cs typeface="Victor Mono Regular" panose="00000509000000000000" charset="0"/>
+            </a:endParaRPr>
+          </a:p>
+          <a:p>
+            <a:pPr marL="0" indent="0">
+              <a:buNone/>
+            </a:pPr>
+            <a:r>
+              <a:rPr lang="en-US" dirty="0">
                 <a:solidFill>
-                  <a:srgbClr val="7030A0"/>
+                  <a:schemeClr val="bg1">
+                    <a:lumMod val="50000"/>
+                  </a:schemeClr>
                 </a:solidFill>
-                <a:latin typeface="Consolas" panose="020B0609020204030204" pitchFamily="49" charset="0"/>
-                <a:cs typeface="Times New Roman" panose="02020603050405020304" pitchFamily="18" charset="0"/>
-              </a:rPr>
-              <a:t>except </a:t>
-            </a:r>
-            <a:r>
-              <a:rPr lang="en-US" sz="1800" dirty="0">
-                <a:latin typeface="Consolas" panose="020B0609020204030204" pitchFamily="49" charset="0"/>
-                <a:cs typeface="Times New Roman" panose="02020603050405020304" pitchFamily="18" charset="0"/>
-              </a:rPr>
-              <a:t> </a:t>
-            </a:r>
-            <a:r>
-              <a:rPr lang="en-US" sz="1800" dirty="0" err="1">
-                <a:latin typeface="Consolas" panose="020B0609020204030204" pitchFamily="49" charset="0"/>
-                <a:cs typeface="Times New Roman" panose="02020603050405020304" pitchFamily="18" charset="0"/>
-              </a:rPr>
-              <a:t>ValueError</a:t>
-            </a:r>
-            <a:r>
-              <a:rPr lang="en-US" sz="1800" dirty="0">
-                <a:latin typeface="Consolas" panose="020B0609020204030204" pitchFamily="49" charset="0"/>
-                <a:cs typeface="Times New Roman" panose="02020603050405020304" pitchFamily="18" charset="0"/>
-              </a:rPr>
-              <a:t> : </a:t>
-            </a:r>
-          </a:p>
-          <a:p>
-            <a:pPr marL="0" indent="0">
-              <a:buNone/>
-            </a:pPr>
-            <a:r>
-              <a:rPr lang="en-GB" sz="1800" dirty="0">
+                <a:latin typeface="Victor Mono Regular" panose="00000509000000000000" charset="0"/>
+                <a:cs typeface="Victor Mono Regular" panose="00000509000000000000" charset="0"/>
+              </a:rPr>
+              <a:t># </a:t>
+            </a:r>
+            <a:r>
+              <a:rPr lang="en-US" dirty="0" err="1">
                 <a:solidFill>
-                  <a:srgbClr val="7030A0"/>
+                  <a:schemeClr val="bg1">
+                    <a:lumMod val="50000"/>
+                  </a:schemeClr>
                 </a:solidFill>
-                <a:latin typeface="Consolas" panose="020B0609020204030204" pitchFamily="49" charset="0"/>
-                <a:cs typeface="Times New Roman" panose="02020603050405020304" pitchFamily="18" charset="0"/>
-              </a:rPr>
-              <a:t>	</a:t>
-            </a:r>
-            <a:r>
-              <a:rPr lang="en-US" sz="1800" dirty="0" err="1">
-                <a:latin typeface="Consolas" panose="020B0609020204030204" pitchFamily="49" charset="0"/>
-                <a:cs typeface="Times New Roman" panose="02020603050405020304" pitchFamily="18" charset="0"/>
-              </a:rPr>
-              <a:t>handle_the_exception_error</a:t>
-            </a:r>
-            <a:r>
-              <a:rPr lang="en-US" sz="1800" dirty="0">
-                <a:latin typeface="Consolas" panose="020B0609020204030204" pitchFamily="49" charset="0"/>
-                <a:cs typeface="Times New Roman" panose="02020603050405020304" pitchFamily="18" charset="0"/>
-              </a:rPr>
-              <a:t> </a:t>
-            </a:r>
-          </a:p>
-          <a:p>
-            <a:pPr marL="0" indent="0">
-              <a:buNone/>
-            </a:pPr>
-            <a:r>
-              <a:rPr lang="en-US" sz="1800" dirty="0">
-                <a:solidFill>
-                  <a:srgbClr val="7030A0"/>
-                </a:solidFill>
-                <a:latin typeface="Consolas" panose="020B0609020204030204" pitchFamily="49" charset="0"/>
-                <a:cs typeface="Times New Roman" panose="02020603050405020304" pitchFamily="18" charset="0"/>
-              </a:rPr>
-              <a:t>else: </a:t>
-            </a:r>
-          </a:p>
-          <a:p>
-            <a:pPr marL="0" indent="0">
-              <a:buNone/>
-            </a:pPr>
-            <a:r>
-              <a:rPr lang="en-GB" sz="1800" dirty="0">
-                <a:solidFill>
-                  <a:srgbClr val="7030A0"/>
-                </a:solidFill>
-                <a:latin typeface="Consolas" panose="020B0609020204030204" pitchFamily="49" charset="0"/>
-                <a:cs typeface="Times New Roman" panose="02020603050405020304" pitchFamily="18" charset="0"/>
-              </a:rPr>
-              <a:t>	</a:t>
-            </a:r>
-            <a:r>
-              <a:rPr lang="en-US" sz="1800" dirty="0" err="1">
-                <a:latin typeface="Consolas" panose="020B0609020204030204" pitchFamily="49" charset="0"/>
-                <a:cs typeface="Times New Roman" panose="02020603050405020304" pitchFamily="18" charset="0"/>
-              </a:rPr>
-              <a:t>doing_different_exception_handling</a:t>
-            </a:r>
-            <a:r>
-              <a:rPr lang="en-US" sz="1800" dirty="0">
-                <a:latin typeface="Consolas" panose="020B0609020204030204" pitchFamily="49" charset="0"/>
-                <a:cs typeface="Times New Roman" panose="02020603050405020304" pitchFamily="18" charset="0"/>
-              </a:rPr>
-              <a:t> </a:t>
-            </a:r>
-          </a:p>
-          <a:p>
-            <a:pPr marL="0" indent="0">
-              <a:buNone/>
-            </a:pPr>
-            <a:r>
-              <a:rPr lang="en-US" sz="1800" dirty="0">
-                <a:solidFill>
-                  <a:srgbClr val="7030A0"/>
-                </a:solidFill>
-                <a:latin typeface="Consolas" panose="020B0609020204030204" pitchFamily="49" charset="0"/>
-                <a:cs typeface="Times New Roman" panose="02020603050405020304" pitchFamily="18" charset="0"/>
-              </a:rPr>
-              <a:t>finally:</a:t>
-            </a:r>
-            <a:endParaRPr lang="en-GB" sz="1800" dirty="0">
+                <a:latin typeface="Victor Mono Regular" panose="00000509000000000000" charset="0"/>
+                <a:cs typeface="Victor Mono Regular" panose="00000509000000000000" charset="0"/>
+              </a:rPr>
+              <a:t>FileNotFoundError</a:t>
+            </a:r>
+            <a:endParaRPr lang="en-US" dirty="0">
               <a:solidFill>
-                <a:srgbClr val="7030A0"/>
+                <a:schemeClr val="bg1">
+                  <a:lumMod val="50000"/>
+                </a:schemeClr>
               </a:solidFill>
-              <a:latin typeface="Consolas" panose="020B0609020204030204" pitchFamily="49" charset="0"/>
-              <a:cs typeface="Times New Roman" panose="02020603050405020304" pitchFamily="18" charset="0"/>
-            </a:endParaRPr>
-          </a:p>
-          <a:p>
-            <a:pPr marL="0" indent="0">
-              <a:buNone/>
-            </a:pPr>
-            <a:r>
-              <a:rPr lang="en-GB" sz="1800" dirty="0">
-                <a:solidFill>
-                  <a:srgbClr val="7030A0"/>
-                </a:solidFill>
-                <a:latin typeface="Consolas" panose="020B0609020204030204" pitchFamily="49" charset="0"/>
-                <a:cs typeface="Times New Roman" panose="02020603050405020304" pitchFamily="18" charset="0"/>
-              </a:rPr>
-              <a:t>	</a:t>
-            </a:r>
-            <a:r>
-              <a:rPr lang="en-US" sz="1800" dirty="0" err="1">
-                <a:latin typeface="Consolas" panose="020B0609020204030204" pitchFamily="49" charset="0"/>
-                <a:cs typeface="Times New Roman" panose="02020603050405020304" pitchFamily="18" charset="0"/>
-              </a:rPr>
-              <a:t>executes_under_all_circumstances</a:t>
-            </a:r>
-            <a:r>
-              <a:rPr lang="en-US" sz="1800" dirty="0">
-                <a:latin typeface="Consolas" panose="020B0609020204030204" pitchFamily="49" charset="0"/>
-                <a:cs typeface="Times New Roman" panose="02020603050405020304" pitchFamily="18" charset="0"/>
-              </a:rPr>
-              <a:t> </a:t>
-            </a:r>
-          </a:p>
-          <a:p>
-            <a:pPr marL="0" indent="0">
-              <a:buNone/>
-            </a:pPr>
-            <a:endParaRPr lang="en-US" sz="1800" dirty="0">
-              <a:latin typeface="Times New Roman" panose="02020603050405020304" pitchFamily="18" charset="0"/>
-              <a:cs typeface="Times New Roman" panose="02020603050405020304" pitchFamily="18" charset="0"/>
-            </a:endParaRPr>
-          </a:p>
-          <a:p>
-            <a:pPr>
-              <a:buFont typeface="Wingdings" panose="05000000000000000000" pitchFamily="2" charset="2"/>
-              <a:buChar char="ü"/>
-            </a:pPr>
-            <a:r>
-              <a:rPr lang="en-US" sz="2000" dirty="0">
-                <a:latin typeface="Times New Roman" panose="02020603050405020304" pitchFamily="18" charset="0"/>
-                <a:cs typeface="Times New Roman" panose="02020603050405020304" pitchFamily="18" charset="0"/>
-              </a:rPr>
-              <a:t>The else clause in a </a:t>
-            </a:r>
-            <a:r>
-              <a:rPr lang="en-US" sz="2000" b="1" dirty="0">
-                <a:latin typeface="Times New Roman" panose="02020603050405020304" pitchFamily="18" charset="0"/>
-                <a:cs typeface="Times New Roman" panose="02020603050405020304" pitchFamily="18" charset="0"/>
-              </a:rPr>
-              <a:t>try, except</a:t>
-            </a:r>
-            <a:r>
-              <a:rPr lang="en-US" sz="2000" dirty="0">
-                <a:latin typeface="Times New Roman" panose="02020603050405020304" pitchFamily="18" charset="0"/>
-                <a:cs typeface="Times New Roman" panose="02020603050405020304" pitchFamily="18" charset="0"/>
-              </a:rPr>
-              <a:t> statement must follow all except clauses </a:t>
-            </a:r>
-          </a:p>
-          <a:p>
-            <a:pPr>
-              <a:buFont typeface="Wingdings" panose="05000000000000000000" pitchFamily="2" charset="2"/>
-              <a:buChar char="ü"/>
-            </a:pPr>
-            <a:r>
-              <a:rPr lang="en-US" sz="2000" dirty="0">
-                <a:latin typeface="Times New Roman" panose="02020603050405020304" pitchFamily="18" charset="0"/>
-                <a:cs typeface="Times New Roman" panose="02020603050405020304" pitchFamily="18" charset="0"/>
-              </a:rPr>
-              <a:t>It is useful for code that must be executed if the try clause does not raise an exception </a:t>
-            </a:r>
-            <a:r>
-              <a:rPr lang="en-US" sz="2000" b="1" dirty="0">
-                <a:solidFill>
-                  <a:srgbClr val="7030A0"/>
-                </a:solidFill>
-                <a:latin typeface="Times New Roman" panose="02020603050405020304" pitchFamily="18" charset="0"/>
-                <a:cs typeface="Times New Roman" panose="02020603050405020304" pitchFamily="18" charset="0"/>
-              </a:rPr>
-              <a:t>                </a:t>
-            </a:r>
-          </a:p>
-          <a:p>
-            <a:pPr marL="0" indent="0">
-              <a:buNone/>
-            </a:pPr>
-            <a:r>
-              <a:rPr lang="en-US" sz="2000" b="1" dirty="0">
-                <a:latin typeface="Times New Roman" panose="02020603050405020304" pitchFamily="18" charset="0"/>
-                <a:cs typeface="Times New Roman" panose="02020603050405020304" pitchFamily="18" charset="0"/>
-              </a:rPr>
-              <a:t>Note 1: </a:t>
-            </a:r>
-            <a:r>
-              <a:rPr lang="en-US" sz="2000" dirty="0">
-                <a:latin typeface="Times New Roman" panose="02020603050405020304" pitchFamily="18" charset="0"/>
-                <a:cs typeface="Times New Roman" panose="02020603050405020304" pitchFamily="18" charset="0"/>
-              </a:rPr>
-              <a:t>Exceptions in the else clause are not handled by the preceding except clauses.</a:t>
-            </a:r>
-          </a:p>
-          <a:p>
-            <a:pPr marL="0" indent="0">
-              <a:buNone/>
-            </a:pPr>
-            <a:r>
-              <a:rPr lang="en-US" sz="2000" b="1" dirty="0">
-                <a:latin typeface="Times New Roman" panose="02020603050405020304" pitchFamily="18" charset="0"/>
-                <a:cs typeface="Times New Roman" panose="02020603050405020304" pitchFamily="18" charset="0"/>
-              </a:rPr>
-              <a:t>Note 2: </a:t>
-            </a:r>
-            <a:r>
-              <a:rPr lang="en-US" sz="2000" dirty="0">
-                <a:latin typeface="Times New Roman" panose="02020603050405020304" pitchFamily="18" charset="0"/>
-                <a:cs typeface="Times New Roman" panose="02020603050405020304" pitchFamily="18" charset="0"/>
-              </a:rPr>
-              <a:t>Make sure that the else clause is executed before the finally block</a:t>
-            </a:r>
-          </a:p>
-          <a:p>
-            <a:pPr>
-              <a:buFont typeface="Wingdings" panose="05000000000000000000" pitchFamily="2" charset="2"/>
-              <a:buChar char="ü"/>
-            </a:pPr>
-            <a:endParaRPr lang="en-US" sz="1800" dirty="0">
-              <a:latin typeface="Times New Roman" panose="02020603050405020304" pitchFamily="18" charset="0"/>
-              <a:cs typeface="Times New Roman" panose="02020603050405020304" pitchFamily="18" charset="0"/>
+              <a:latin typeface="Victor Mono Regular" panose="00000509000000000000" charset="0"/>
+              <a:cs typeface="Victor Mono Regular" panose="00000509000000000000" charset="0"/>
             </a:endParaRPr>
           </a:p>
         </p:txBody>
       </p:sp>
     </p:spTree>
-    <p:extLst>
-      <p:ext uri="{BB962C8B-B14F-4D97-AF65-F5344CB8AC3E}">
-        <p14:creationId xmlns:p14="http://schemas.microsoft.com/office/powerpoint/2010/main" val="1079636687"/>
-      </p:ext>
-    </p:extLst>
   </p:cSld>
   <p:clrMapOvr>
     <a:masterClrMapping/>
   </p:clrMapOvr>
+  <mc:AlternateContent xmlns:mc="http://schemas.openxmlformats.org/markup-compatibility/2006">
+    <mc:Choice xmlns:p15="http://schemas.microsoft.com/office/powerpoint/2012/main" Requires="p15">
+      <p:transition xmlns:p14="http://schemas.microsoft.com/office/powerpoint/2010/main" spd="slow" Requires="p14" p14:dur="1000">
+        <p15:prstTrans prst="peelOff"/>
+      </p:transition>
+    </mc:Choice>
+    <mc:Fallback>
+      <p:transition spd="slow">
+        <p:fade/>
+      </p:transition>
+    </mc:Fallback>
+  </mc:AlternateContent>
 </p:sld>
 </file>
 
@@ -9400,13 +9880,7 @@
       </p:grpSpPr>
       <p:sp>
         <p:nvSpPr>
-          <p:cNvPr id="2" name="Title 1">
-            <a:extLst>
-              <a:ext uri="{FF2B5EF4-FFF2-40B4-BE49-F238E27FC236}">
-                <a16:creationId xmlns:a16="http://schemas.microsoft.com/office/drawing/2014/main" id="{67897CE1-A77C-147D-5F51-9A56245FFE5A}"/>
-              </a:ext>
-            </a:extLst>
-          </p:cNvPr>
+          <p:cNvPr id="2" name="Title 1"/>
           <p:cNvSpPr>
             <a:spLocks noGrp="1"/>
           </p:cNvSpPr>
@@ -9426,20 +9900,15 @@
           <a:p>
             <a:r>
               <a:rPr lang="en-US" b="1" dirty="0"/>
-              <a:t>Errors vs Runtime Errors</a:t>
-            </a:r>
-          </a:p>
-        </p:txBody>
-      </p:sp>
-      <p:sp>
-        <p:nvSpPr>
-          <p:cNvPr id="3" name="Content Placeholder 2">
-            <a:extLst>
-              <a:ext uri="{FF2B5EF4-FFF2-40B4-BE49-F238E27FC236}">
-                <a16:creationId xmlns:a16="http://schemas.microsoft.com/office/drawing/2014/main" id="{F398C4FF-475A-AA9F-35D9-FDA1711FE6F0}"/>
-              </a:ext>
-            </a:extLst>
-          </p:cNvPr>
+              <a:t>Handling I/O Exceptions</a:t>
+            </a:r>
+            <a:endParaRPr lang="en-US" b="1" dirty="0"/>
+          </a:p>
+        </p:txBody>
+      </p:sp>
+      <p:sp>
+        <p:nvSpPr>
+          <p:cNvPr id="3" name="Content Placeholder 2"/>
           <p:cNvSpPr>
             <a:spLocks noGrp="1"/>
           </p:cNvSpPr>
@@ -9449,230 +9918,390 @@
         </p:nvSpPr>
         <p:spPr>
           <a:xfrm>
-            <a:off x="628650" y="1253331"/>
-            <a:ext cx="7886700" cy="4351338"/>
+            <a:off x="628650" y="1253330"/>
+            <a:ext cx="7886700" cy="5497207"/>
           </a:xfrm>
         </p:spPr>
         <p:txBody>
-          <a:bodyPr/>
+          <a:bodyPr>
+            <a:normAutofit/>
+          </a:bodyPr>
           <a:lstStyle/>
           <a:p>
-            <a:r>
-              <a:rPr lang="en-US" dirty="0">
+            <a:pPr marL="0" indent="0">
+              <a:buNone/>
+            </a:pPr>
+            <a:r>
+              <a:rPr lang="en-US" sz="2400" dirty="0"/>
+              <a:t>Common when working with files, databases, or network requests.</a:t>
+            </a:r>
+            <a:endParaRPr lang="en-GB" sz="2400" dirty="0"/>
+          </a:p>
+          <a:p>
+            <a:pPr marL="0" indent="0">
+              <a:buNone/>
+            </a:pPr>
+            <a:endParaRPr lang="en-GB" sz="2400" dirty="0">
+              <a:solidFill>
+                <a:schemeClr val="accent2">
+                  <a:lumMod val="50000"/>
+                </a:schemeClr>
+              </a:solidFill>
+              <a:latin typeface="Consolas" panose="020B0609020204030204" pitchFamily="49" charset="0"/>
+            </a:endParaRPr>
+          </a:p>
+          <a:p>
+            <a:pPr marL="0" indent="0">
+              <a:buNone/>
+            </a:pPr>
+            <a:r>
+              <a:rPr lang="en-GB" sz="2400" dirty="0">
+                <a:latin typeface="Victor Mono Regular" panose="00000509000000000000" charset="0"/>
+                <a:cs typeface="Victor Mono Regular" panose="00000509000000000000" charset="0"/>
+              </a:rPr>
+              <a:t>try</a:t>
+            </a:r>
+            <a:r>
+              <a:rPr lang="en-US" sz="2400" dirty="0">
+                <a:latin typeface="Victor Mono Regular" panose="00000509000000000000" charset="0"/>
+                <a:cs typeface="Victor Mono Regular" panose="00000509000000000000" charset="0"/>
+              </a:rPr>
+              <a:t>:</a:t>
+            </a:r>
+            <a:endParaRPr lang="en-GB" sz="2400" dirty="0">
+              <a:latin typeface="Victor Mono Regular" panose="00000509000000000000" charset="0"/>
+              <a:cs typeface="Victor Mono Regular" panose="00000509000000000000" charset="0"/>
+            </a:endParaRPr>
+          </a:p>
+          <a:p>
+            <a:pPr marL="0" indent="0">
+              <a:buNone/>
+            </a:pPr>
+            <a:r>
+              <a:rPr lang="en-US" sz="2400" dirty="0">
+                <a:latin typeface="Victor Mono Regular" panose="00000509000000000000" charset="0"/>
+                <a:cs typeface="Victor Mono Regular" panose="00000509000000000000" charset="0"/>
+              </a:rPr>
+              <a:t>    </a:t>
+            </a:r>
+            <a:r>
+              <a:rPr lang="en-US" sz="2400" dirty="0">
+                <a:solidFill>
+                  <a:schemeClr val="bg1">
+                    <a:lumMod val="50000"/>
+                  </a:schemeClr>
+                </a:solidFill>
+                <a:latin typeface="Victor Mono Regular" panose="00000509000000000000" charset="0"/>
+                <a:cs typeface="Victor Mono Regular" panose="00000509000000000000" charset="0"/>
+              </a:rPr>
+              <a:t>file = open("</a:t>
+            </a:r>
+            <a:r>
+              <a:rPr lang="en-US" sz="2400" dirty="0" err="1">
+                <a:solidFill>
+                  <a:schemeClr val="bg1">
+                    <a:lumMod val="50000"/>
+                  </a:schemeClr>
+                </a:solidFill>
+                <a:latin typeface="Victor Mono Regular" panose="00000509000000000000" charset="0"/>
+                <a:cs typeface="Victor Mono Regular" panose="00000509000000000000" charset="0"/>
+              </a:rPr>
+              <a:t>data.txt</a:t>
+            </a:r>
+            <a:r>
+              <a:rPr lang="en-US" sz="2400" dirty="0">
+                <a:solidFill>
+                  <a:schemeClr val="bg1">
+                    <a:lumMod val="50000"/>
+                  </a:schemeClr>
+                </a:solidFill>
+                <a:latin typeface="Victor Mono Regular" panose="00000509000000000000" charset="0"/>
+                <a:cs typeface="Victor Mono Regular" panose="00000509000000000000" charset="0"/>
+              </a:rPr>
+              <a:t>", "r")</a:t>
+            </a:r>
+            <a:endParaRPr lang="en-GB" sz="2400" dirty="0">
+              <a:solidFill>
+                <a:schemeClr val="bg1">
+                  <a:lumMod val="50000"/>
+                </a:schemeClr>
+              </a:solidFill>
+              <a:latin typeface="Victor Mono Regular" panose="00000509000000000000" charset="0"/>
+              <a:cs typeface="Victor Mono Regular" panose="00000509000000000000" charset="0"/>
+            </a:endParaRPr>
+          </a:p>
+          <a:p>
+            <a:pPr marL="0" indent="0">
+              <a:buNone/>
+            </a:pPr>
+            <a:r>
+              <a:rPr lang="en-US" sz="2400" dirty="0">
+                <a:solidFill>
+                  <a:schemeClr val="bg1">
+                    <a:lumMod val="50000"/>
+                  </a:schemeClr>
+                </a:solidFill>
+                <a:latin typeface="Victor Mono Regular" panose="00000509000000000000" charset="0"/>
+                <a:cs typeface="Victor Mono Regular" panose="00000509000000000000" charset="0"/>
+              </a:rPr>
+              <a:t>    print(</a:t>
+            </a:r>
+            <a:r>
+              <a:rPr lang="en-US" sz="2400" dirty="0" err="1">
+                <a:solidFill>
+                  <a:schemeClr val="bg1">
+                    <a:lumMod val="50000"/>
+                  </a:schemeClr>
+                </a:solidFill>
+                <a:latin typeface="Victor Mono Regular" panose="00000509000000000000" charset="0"/>
+                <a:cs typeface="Victor Mono Regular" panose="00000509000000000000" charset="0"/>
+              </a:rPr>
+              <a:t>file.read</a:t>
+            </a:r>
+            <a:r>
+              <a:rPr lang="en-US" sz="2400" dirty="0">
+                <a:solidFill>
+                  <a:schemeClr val="bg1">
+                    <a:lumMod val="50000"/>
+                  </a:schemeClr>
+                </a:solidFill>
+                <a:latin typeface="Victor Mono Regular" panose="00000509000000000000" charset="0"/>
+                <a:cs typeface="Victor Mono Regular" panose="00000509000000000000" charset="0"/>
+              </a:rPr>
+              <a:t>())</a:t>
+            </a:r>
+            <a:endParaRPr lang="en-GB" sz="2400" dirty="0">
+              <a:solidFill>
+                <a:schemeClr val="bg1">
+                  <a:lumMod val="50000"/>
+                </a:schemeClr>
+              </a:solidFill>
+              <a:latin typeface="Victor Mono Regular" panose="00000509000000000000" charset="0"/>
+              <a:cs typeface="Victor Mono Regular" panose="00000509000000000000" charset="0"/>
+            </a:endParaRPr>
+          </a:p>
+          <a:p>
+            <a:pPr marL="0" indent="0">
+              <a:buNone/>
+            </a:pPr>
+            <a:r>
+              <a:rPr lang="en-US" sz="2400" dirty="0">
+                <a:latin typeface="Victor Mono Regular" panose="00000509000000000000" charset="0"/>
+                <a:cs typeface="Victor Mono Regular" panose="00000509000000000000" charset="0"/>
+              </a:rPr>
+              <a:t>except </a:t>
+            </a:r>
+            <a:r>
+              <a:rPr lang="en-US" sz="2400" dirty="0" err="1">
+                <a:latin typeface="Victor Mono Regular" panose="00000509000000000000" charset="0"/>
+                <a:cs typeface="Victor Mono Regular" panose="00000509000000000000" charset="0"/>
+              </a:rPr>
+              <a:t>FileNotFoundError</a:t>
+            </a:r>
+            <a:r>
+              <a:rPr lang="en-US" sz="2400" dirty="0">
+                <a:latin typeface="Victor Mono Regular" panose="00000509000000000000" charset="0"/>
+                <a:cs typeface="Victor Mono Regular" panose="00000509000000000000" charset="0"/>
+              </a:rPr>
+              <a:t>:</a:t>
+            </a:r>
+            <a:endParaRPr lang="en-GB" sz="2400" dirty="0">
+              <a:latin typeface="Victor Mono Regular" panose="00000509000000000000" charset="0"/>
+              <a:cs typeface="Victor Mono Regular" panose="00000509000000000000" charset="0"/>
+            </a:endParaRPr>
+          </a:p>
+          <a:p>
+            <a:pPr marL="0" indent="0">
+              <a:buNone/>
+            </a:pPr>
+            <a:r>
+              <a:rPr lang="en-US" sz="2400" dirty="0">
+                <a:solidFill>
+                  <a:schemeClr val="bg1">
+                    <a:lumMod val="50000"/>
+                  </a:schemeClr>
+                </a:solidFill>
+                <a:latin typeface="Victor Mono Regular" panose="00000509000000000000" charset="0"/>
+                <a:cs typeface="Victor Mono Regular" panose="00000509000000000000" charset="0"/>
+              </a:rPr>
+              <a:t>    print(</a:t>
+            </a:r>
+            <a:r>
+              <a:rPr lang="en-GB" sz="2400" dirty="0">
+                <a:solidFill>
+                  <a:schemeClr val="bg1">
+                    <a:lumMod val="50000"/>
+                  </a:schemeClr>
+                </a:solidFill>
+                <a:latin typeface="Victor Mono Regular" panose="00000509000000000000" charset="0"/>
+                <a:cs typeface="Victor Mono Regular" panose="00000509000000000000" charset="0"/>
+              </a:rPr>
+              <a:t>“</a:t>
+            </a:r>
+            <a:r>
+              <a:rPr lang="en-US" sz="2400" dirty="0">
+                <a:solidFill>
+                  <a:schemeClr val="bg1">
+                    <a:lumMod val="50000"/>
+                  </a:schemeClr>
+                </a:solidFill>
+                <a:latin typeface="Victor Mono Regular" panose="00000509000000000000" charset="0"/>
+                <a:cs typeface="Victor Mono Regular" panose="00000509000000000000" charset="0"/>
+              </a:rPr>
+              <a:t>Error: File not </a:t>
+            </a:r>
+            <a:r>
+              <a:rPr lang="en-GB" sz="2400" dirty="0">
+                <a:solidFill>
+                  <a:schemeClr val="bg1">
+                    <a:lumMod val="50000"/>
+                  </a:schemeClr>
+                </a:solidFill>
+                <a:latin typeface="Victor Mono Regular" panose="00000509000000000000" charset="0"/>
+                <a:cs typeface="Victor Mono Regular" panose="00000509000000000000" charset="0"/>
+              </a:rPr>
+              <a:t>found!”)</a:t>
+            </a:r>
+            <a:endParaRPr lang="en-GB" sz="2400" dirty="0">
+              <a:solidFill>
+                <a:schemeClr val="bg1">
+                  <a:lumMod val="50000"/>
+                </a:schemeClr>
+              </a:solidFill>
+              <a:latin typeface="Victor Mono Regular" panose="00000509000000000000" charset="0"/>
+              <a:cs typeface="Victor Mono Regular" panose="00000509000000000000" charset="0"/>
+            </a:endParaRPr>
+          </a:p>
+          <a:p>
+            <a:pPr marL="0" indent="0">
+              <a:buNone/>
+            </a:pPr>
+            <a:r>
+              <a:rPr lang="en-GB" sz="2400" dirty="0">
+                <a:latin typeface="Victor Mono Regular" panose="00000509000000000000" charset="0"/>
+                <a:cs typeface="Victor Mono Regular" panose="00000509000000000000" charset="0"/>
+              </a:rPr>
+              <a:t>finally</a:t>
+            </a:r>
+            <a:r>
+              <a:rPr lang="en-US" sz="2400" dirty="0">
+                <a:latin typeface="Victor Mono Regular" panose="00000509000000000000" charset="0"/>
+                <a:cs typeface="Victor Mono Regular" panose="00000509000000000000" charset="0"/>
+              </a:rPr>
+              <a:t>:</a:t>
+            </a:r>
+            <a:endParaRPr lang="en-GB" sz="2400" dirty="0">
+              <a:latin typeface="Victor Mono Regular" panose="00000509000000000000" charset="0"/>
+              <a:cs typeface="Victor Mono Regular" panose="00000509000000000000" charset="0"/>
+            </a:endParaRPr>
+          </a:p>
+          <a:p>
+            <a:pPr marL="0" indent="0">
+              <a:buNone/>
+            </a:pPr>
+            <a:r>
+              <a:rPr lang="en-US" sz="2400" dirty="0">
+                <a:solidFill>
+                  <a:schemeClr val="bg1">
+                    <a:lumMod val="50000"/>
+                  </a:schemeClr>
+                </a:solidFill>
+                <a:latin typeface="Victor Mono Regular" panose="00000509000000000000" charset="0"/>
+                <a:cs typeface="Victor Mono Regular" panose="00000509000000000000" charset="0"/>
+              </a:rPr>
+              <a:t>    </a:t>
+            </a:r>
+            <a:r>
+              <a:rPr lang="en-US" sz="2400" dirty="0" err="1">
+                <a:solidFill>
+                  <a:schemeClr val="bg1">
+                    <a:lumMod val="50000"/>
+                  </a:schemeClr>
+                </a:solidFill>
+                <a:latin typeface="Victor Mono Regular" panose="00000509000000000000" charset="0"/>
+                <a:cs typeface="Victor Mono Regular" panose="00000509000000000000" charset="0"/>
+              </a:rPr>
+              <a:t>file.close</a:t>
+            </a:r>
+            <a:r>
+              <a:rPr lang="en-US" sz="2400" dirty="0">
+                <a:solidFill>
+                  <a:schemeClr val="bg1">
+                    <a:lumMod val="50000"/>
+                  </a:schemeClr>
+                </a:solidFill>
+                <a:latin typeface="Victor Mono Regular" panose="00000509000000000000" charset="0"/>
+                <a:cs typeface="Victor Mono Regular" panose="00000509000000000000" charset="0"/>
+              </a:rPr>
+              <a:t>()  </a:t>
+            </a:r>
+            <a:endParaRPr lang="en-GB" sz="2400" dirty="0">
+              <a:solidFill>
+                <a:schemeClr val="bg1">
+                  <a:lumMod val="50000"/>
+                </a:schemeClr>
+              </a:solidFill>
+              <a:latin typeface="Victor Mono Regular" panose="00000509000000000000" charset="0"/>
+              <a:cs typeface="Victor Mono Regular" panose="00000509000000000000" charset="0"/>
+            </a:endParaRPr>
+          </a:p>
+          <a:p>
+            <a:pPr marL="0" indent="0">
+              <a:buNone/>
+            </a:pPr>
+            <a:r>
+              <a:rPr lang="en-GB" sz="2400" dirty="0">
                 <a:solidFill>
                   <a:schemeClr val="accent2">
                     <a:lumMod val="50000"/>
                   </a:schemeClr>
                 </a:solidFill>
-                <a:latin typeface="Consolas" panose="020B0609020204030204" pitchFamily="49" charset="0"/>
-              </a:rPr>
-              <a:t>Syntax Error</a:t>
-            </a:r>
-            <a:r>
-              <a:rPr lang="en-US" dirty="0">
-                <a:latin typeface="Consolas" panose="020B0609020204030204" pitchFamily="49" charset="0"/>
-              </a:rPr>
-              <a:t> </a:t>
-            </a:r>
-            <a:r>
-              <a:rPr lang="en-US" dirty="0">
+                <a:latin typeface="Victor Mono Regular" panose="00000509000000000000" charset="0"/>
+                <a:cs typeface="Victor Mono Regular" panose="00000509000000000000" charset="0"/>
+              </a:rPr>
+              <a:t>    </a:t>
+            </a:r>
+            <a:r>
+              <a:rPr lang="en-US" sz="2400" dirty="0">
                 <a:solidFill>
                   <a:schemeClr val="bg1">
                     <a:lumMod val="50000"/>
                   </a:schemeClr>
                 </a:solidFill>
-                <a:latin typeface="Consolas" panose="020B0609020204030204" pitchFamily="49" charset="0"/>
-              </a:rPr>
-              <a:t>(Missing parenthesis)</a:t>
-            </a:r>
-            <a:endParaRPr lang="en-GB" dirty="0">
+                <a:latin typeface="Victor Mono Regular" panose="00000509000000000000" charset="0"/>
+                <a:cs typeface="Victor Mono Regular" panose="00000509000000000000" charset="0"/>
+              </a:rPr>
+              <a:t># Ensures file is always closed</a:t>
+            </a:r>
+            <a:endParaRPr lang="en-US" sz="2400" dirty="0">
               <a:solidFill>
                 <a:schemeClr val="bg1">
                   <a:lumMod val="50000"/>
                 </a:schemeClr>
               </a:solidFill>
-              <a:latin typeface="Consolas" panose="020B0609020204030204" pitchFamily="49" charset="0"/>
-            </a:endParaRPr>
-          </a:p>
-          <a:p>
-            <a:pPr marL="0" indent="0">
-              <a:buNone/>
-            </a:pPr>
-            <a:r>
-              <a:rPr lang="en-US" dirty="0">
-                <a:latin typeface="Consolas" panose="020B0609020204030204" pitchFamily="49" charset="0"/>
-              </a:rPr>
-              <a:t>print("Hello)  </a:t>
-            </a:r>
-            <a:endParaRPr lang="en-GB" dirty="0">
-              <a:latin typeface="Consolas" panose="020B0609020204030204" pitchFamily="49" charset="0"/>
-            </a:endParaRPr>
-          </a:p>
-          <a:p>
-            <a:pPr marL="0" indent="0">
-              <a:buNone/>
-            </a:pPr>
-            <a:r>
-              <a:rPr lang="en-US" dirty="0">
-                <a:solidFill>
-                  <a:schemeClr val="bg1">
-                    <a:lumMod val="50000"/>
-                  </a:schemeClr>
-                </a:solidFill>
-                <a:latin typeface="Consolas" panose="020B0609020204030204" pitchFamily="49" charset="0"/>
-              </a:rPr>
-              <a:t># </a:t>
-            </a:r>
-            <a:r>
-              <a:rPr lang="en-US" dirty="0" err="1">
-                <a:solidFill>
-                  <a:schemeClr val="bg1">
-                    <a:lumMod val="50000"/>
-                  </a:schemeClr>
-                </a:solidFill>
-                <a:latin typeface="Consolas" panose="020B0609020204030204" pitchFamily="49" charset="0"/>
-              </a:rPr>
-              <a:t>SyntaxError</a:t>
-            </a:r>
-            <a:r>
-              <a:rPr lang="en-US" dirty="0">
-                <a:solidFill>
-                  <a:schemeClr val="bg1">
-                    <a:lumMod val="50000"/>
-                  </a:schemeClr>
-                </a:solidFill>
-                <a:latin typeface="Consolas" panose="020B0609020204030204" pitchFamily="49" charset="0"/>
-              </a:rPr>
-              <a:t>: EOL while scanning string literal</a:t>
-            </a:r>
-            <a:endParaRPr lang="en-GB" dirty="0">
-              <a:solidFill>
-                <a:schemeClr val="bg1">
-                  <a:lumMod val="50000"/>
-                </a:schemeClr>
-              </a:solidFill>
-              <a:latin typeface="Consolas" panose="020B0609020204030204" pitchFamily="49" charset="0"/>
-            </a:endParaRPr>
-          </a:p>
-          <a:p>
-            <a:pPr marL="0" indent="0">
-              <a:buNone/>
-            </a:pPr>
-            <a:endParaRPr lang="en-GB" dirty="0">
-              <a:latin typeface="Consolas" panose="020B0609020204030204" pitchFamily="49" charset="0"/>
-            </a:endParaRPr>
-          </a:p>
-          <a:p>
-            <a:r>
-              <a:rPr lang="en-US" dirty="0">
-                <a:solidFill>
-                  <a:schemeClr val="accent2">
-                    <a:lumMod val="50000"/>
-                  </a:schemeClr>
-                </a:solidFill>
-                <a:latin typeface="Consolas" panose="020B0609020204030204" pitchFamily="49" charset="0"/>
-              </a:rPr>
-              <a:t>Runtime Error</a:t>
-            </a:r>
-            <a:r>
-              <a:rPr lang="en-US" dirty="0">
-                <a:latin typeface="Consolas" panose="020B0609020204030204" pitchFamily="49" charset="0"/>
-              </a:rPr>
-              <a:t> </a:t>
-            </a:r>
-            <a:r>
-              <a:rPr lang="en-US" dirty="0">
-                <a:solidFill>
-                  <a:schemeClr val="bg1">
-                    <a:lumMod val="50000"/>
-                  </a:schemeClr>
-                </a:solidFill>
-                <a:latin typeface="Consolas" panose="020B0609020204030204" pitchFamily="49" charset="0"/>
-              </a:rPr>
-              <a:t>(File not found)</a:t>
-            </a:r>
-            <a:endParaRPr lang="en-GB" dirty="0">
-              <a:solidFill>
-                <a:schemeClr val="bg1">
-                  <a:lumMod val="50000"/>
-                </a:schemeClr>
-              </a:solidFill>
-              <a:latin typeface="Consolas" panose="020B0609020204030204" pitchFamily="49" charset="0"/>
-            </a:endParaRPr>
-          </a:p>
-          <a:p>
-            <a:pPr marL="0" indent="0">
-              <a:buNone/>
-            </a:pPr>
-            <a:r>
-              <a:rPr lang="en-US" dirty="0">
-                <a:latin typeface="Consolas" panose="020B0609020204030204" pitchFamily="49" charset="0"/>
-              </a:rPr>
-              <a:t>open("</a:t>
-            </a:r>
-            <a:r>
-              <a:rPr lang="en-US" dirty="0" err="1">
-                <a:latin typeface="Consolas" panose="020B0609020204030204" pitchFamily="49" charset="0"/>
-              </a:rPr>
-              <a:t>missing_file.txt</a:t>
-            </a:r>
-            <a:r>
-              <a:rPr lang="en-US" dirty="0">
-                <a:latin typeface="Consolas" panose="020B0609020204030204" pitchFamily="49" charset="0"/>
-              </a:rPr>
-              <a:t>")  </a:t>
-            </a:r>
-            <a:endParaRPr lang="en-GB" dirty="0">
-              <a:latin typeface="Consolas" panose="020B0609020204030204" pitchFamily="49" charset="0"/>
-            </a:endParaRPr>
-          </a:p>
-          <a:p>
-            <a:pPr marL="0" indent="0">
-              <a:buNone/>
-            </a:pPr>
-            <a:r>
-              <a:rPr lang="en-US" dirty="0">
-                <a:solidFill>
-                  <a:schemeClr val="bg1">
-                    <a:lumMod val="50000"/>
-                  </a:schemeClr>
-                </a:solidFill>
-                <a:latin typeface="Consolas" panose="020B0609020204030204" pitchFamily="49" charset="0"/>
-              </a:rPr>
-              <a:t># </a:t>
-            </a:r>
-            <a:r>
-              <a:rPr lang="en-US" dirty="0" err="1">
-                <a:solidFill>
-                  <a:schemeClr val="bg1">
-                    <a:lumMod val="50000"/>
-                  </a:schemeClr>
-                </a:solidFill>
-                <a:latin typeface="Consolas" panose="020B0609020204030204" pitchFamily="49" charset="0"/>
-              </a:rPr>
-              <a:t>FileNotFoundError</a:t>
-            </a:r>
-            <a:endParaRPr lang="en-US" dirty="0">
-              <a:solidFill>
-                <a:schemeClr val="bg1">
-                  <a:lumMod val="50000"/>
-                </a:schemeClr>
-              </a:solidFill>
-              <a:latin typeface="Consolas" panose="020B0609020204030204" pitchFamily="49" charset="0"/>
+              <a:latin typeface="Victor Mono Regular" panose="00000509000000000000" charset="0"/>
+              <a:cs typeface="Victor Mono Regular" panose="00000509000000000000" charset="0"/>
             </a:endParaRPr>
           </a:p>
         </p:txBody>
       </p:sp>
     </p:spTree>
-    <p:extLst>
-      <p:ext uri="{BB962C8B-B14F-4D97-AF65-F5344CB8AC3E}">
-        <p14:creationId xmlns:p14="http://schemas.microsoft.com/office/powerpoint/2010/main" val="2612333560"/>
-      </p:ext>
-    </p:extLst>
   </p:cSld>
   <p:clrMapOvr>
     <a:masterClrMapping/>
   </p:clrMapOvr>
+  <mc:AlternateContent xmlns:mc="http://schemas.openxmlformats.org/markup-compatibility/2006">
+    <mc:Choice xmlns:p15="http://schemas.microsoft.com/office/powerpoint/2012/main" Requires="p15">
+      <p:transition xmlns:p14="http://schemas.microsoft.com/office/powerpoint/2010/main" spd="slow" Requires="p14" p14:dur="1000">
+        <p15:prstTrans prst="peelOff"/>
+      </p:transition>
+    </mc:Choice>
+    <mc:Fallback>
+      <p:transition spd="slow">
+        <p:fade/>
+      </p:transition>
+    </mc:Fallback>
+  </mc:AlternateContent>
 </p:sld>
 </file>
 
@@ -9927,8 +10556,6 @@
       </a:bgFillStyleLst>
     </a:fmtScheme>
   </a:themeElements>
-  <a:objectDefaults/>
-  <a:extraClrSchemeLst/>
   <a:extLst>
     <a:ext uri="{05A4C25C-085E-4340-85A3-A5531E510DB2}">
       <thm15:themeFamily xmlns:thm15="http://schemas.microsoft.com/office/thememl/2012/main" name="Office Theme" id="{62F939B6-93AF-4DB8-9C6B-D6C7DFDC589F}" vid="{4A3C46E8-61CC-4603-A589-7422A47A8E4A}"/>
@@ -10188,8 +10815,6 @@
       </a:bgFillStyleLst>
     </a:fmtScheme>
   </a:themeElements>
-  <a:objectDefaults/>
-  <a:extraClrSchemeLst/>
   <a:extLst>
     <a:ext uri="{05A4C25C-085E-4340-85A3-A5531E510DB2}">
       <thm15:themeFamily xmlns:thm15="http://schemas.microsoft.com/office/thememl/2012/main" name="Office Theme" id="{62F939B6-93AF-4DB8-9C6B-D6C7DFDC589F}" vid="{4A3C46E8-61CC-4603-A589-7422A47A8E4A}"/>
